--- a/materials/slides/ch08.pptx
+++ b/materials/slides/ch08.pptx
@@ -5,7 +5,7 @@
     <p:sldMasterId id="2147483648" r:id="rId1"/>
   </p:sldMasterIdLst>
   <p:notesMasterIdLst>
-    <p:notesMasterId r:id="rId23"/>
+    <p:notesMasterId r:id="rId25"/>
   </p:notesMasterIdLst>
   <p:sldIdLst>
     <p:sldId id="956" r:id="rId2"/>
@@ -13,22 +13,24 @@
     <p:sldId id="900" r:id="rId4"/>
     <p:sldId id="955" r:id="rId5"/>
     <p:sldId id="958" r:id="rId6"/>
-    <p:sldId id="959" r:id="rId7"/>
-    <p:sldId id="960" r:id="rId8"/>
-    <p:sldId id="962" r:id="rId9"/>
-    <p:sldId id="961" r:id="rId10"/>
-    <p:sldId id="963" r:id="rId11"/>
-    <p:sldId id="964" r:id="rId12"/>
-    <p:sldId id="965" r:id="rId13"/>
-    <p:sldId id="966" r:id="rId14"/>
-    <p:sldId id="967" r:id="rId15"/>
-    <p:sldId id="968" r:id="rId16"/>
-    <p:sldId id="969" r:id="rId17"/>
-    <p:sldId id="970" r:id="rId18"/>
-    <p:sldId id="971" r:id="rId19"/>
-    <p:sldId id="972" r:id="rId20"/>
-    <p:sldId id="973" r:id="rId21"/>
-    <p:sldId id="902" r:id="rId22"/>
+    <p:sldId id="974" r:id="rId7"/>
+    <p:sldId id="959" r:id="rId8"/>
+    <p:sldId id="960" r:id="rId9"/>
+    <p:sldId id="962" r:id="rId10"/>
+    <p:sldId id="961" r:id="rId11"/>
+    <p:sldId id="963" r:id="rId12"/>
+    <p:sldId id="964" r:id="rId13"/>
+    <p:sldId id="965" r:id="rId14"/>
+    <p:sldId id="966" r:id="rId15"/>
+    <p:sldId id="967" r:id="rId16"/>
+    <p:sldId id="968" r:id="rId17"/>
+    <p:sldId id="969" r:id="rId18"/>
+    <p:sldId id="970" r:id="rId19"/>
+    <p:sldId id="975" r:id="rId20"/>
+    <p:sldId id="971" r:id="rId21"/>
+    <p:sldId id="972" r:id="rId22"/>
+    <p:sldId id="973" r:id="rId23"/>
+    <p:sldId id="902" r:id="rId24"/>
   </p:sldIdLst>
   <p:sldSz cx="12192000" cy="6858000"/>
   <p:notesSz cx="6797675" cy="9928225"/>
@@ -159,7 +161,7 @@
   </p:defaultTextStyle>
   <p:extLst>
     <p:ext uri="{EFAFB233-063F-42B5-8137-9DF3F51BA10A}">
-      <p15:sldGuideLst xmlns:p15="http://schemas.microsoft.com/office/powerpoint/2012/main">
+      <p15:sldGuideLst xmlns="" xmlns:p15="http://schemas.microsoft.com/office/powerpoint/2012/main">
         <p15:guide id="1" orient="horz" pos="1556">
           <p15:clr>
             <a:srgbClr val="A4A3A4"/>
@@ -178,7 +180,7 @@
       </p15:sldGuideLst>
     </p:ext>
     <p:ext uri="{2D200454-40CA-4A62-9FC3-DE9A4176ACB9}">
-      <p15:notesGuideLst xmlns:p15="http://schemas.microsoft.com/office/powerpoint/2012/main">
+      <p15:notesGuideLst xmlns="" xmlns:p15="http://schemas.microsoft.com/office/powerpoint/2012/main">
         <p15:guide id="1" orient="horz" pos="3108">
           <p15:clr>
             <a:srgbClr val="A4A3A4"/>
@@ -496,6 +498,11 @@
         </p:txBody>
       </p:sp>
     </p:spTree>
+    <p:extLst>
+      <p:ext uri="{BB962C8B-B14F-4D97-AF65-F5344CB8AC3E}">
+        <p14:creationId xmlns:p14="http://schemas.microsoft.com/office/powerpoint/2010/main" val="3060329"/>
+      </p:ext>
+    </p:extLst>
   </p:cSld>
   <p:clrMap bg1="lt1" tx1="dk1" bg2="lt2" tx2="dk2" accent1="accent1" accent2="accent2" accent3="accent3" accent4="accent4" accent5="accent5" accent6="accent6" hlink="hlink" folHlink="folHlink"/>
   <p:notesStyle>
@@ -840,217 +847,6 @@
           <a:bodyPr/>
           <a:lstStyle/>
           <a:p>
-            <a:pPr>
-              <a:spcBef>
-                <a:spcPts val="450"/>
-              </a:spcBef>
-              <a:buClrTx/>
-              <a:buFontTx/>
-              <a:buNone/>
-              <a:tabLst>
-                <a:tab pos="0" algn="l"/>
-                <a:tab pos="447675" algn="l"/>
-                <a:tab pos="896938" algn="l"/>
-                <a:tab pos="1346200" algn="l"/>
-                <a:tab pos="1795463" algn="l"/>
-                <a:tab pos="2244725" algn="l"/>
-                <a:tab pos="2693988" algn="l"/>
-                <a:tab pos="3143250" algn="l"/>
-                <a:tab pos="3592513" algn="l"/>
-                <a:tab pos="4041775" algn="l"/>
-                <a:tab pos="4491038" algn="l"/>
-                <a:tab pos="4940300" algn="l"/>
-                <a:tab pos="5389563" algn="l"/>
-                <a:tab pos="5838825" algn="l"/>
-                <a:tab pos="6288088" algn="l"/>
-                <a:tab pos="6737350" algn="l"/>
-                <a:tab pos="7186613" algn="l"/>
-                <a:tab pos="7635875" algn="l"/>
-                <a:tab pos="8085138" algn="l"/>
-                <a:tab pos="8534400" algn="l"/>
-                <a:tab pos="8983663" algn="l"/>
-              </a:tabLst>
-            </a:pPr>
-            <a:r>
-              <a:rPr kumimoji="1" lang="zh-CN" altLang="en-US" sz="1200" b="0" i="0" kern="1200" dirty="0" smtClean="0">
-                <a:solidFill>
-                  <a:srgbClr val="000000"/>
-                </a:solidFill>
-                <a:effectLst/>
-                <a:latin typeface="Times New Roman" pitchFamily="16" charset="0"/>
-                <a:ea typeface="宋体" charset="0"/>
-                <a:cs typeface="宋体" charset="0"/>
-              </a:rPr>
-              <a:t>沙箱是一种按照安全策略限制程序行为的执行环境。</a:t>
-            </a:r>
-            <a:r>
-              <a:rPr kumimoji="1" lang="en-US" altLang="zh-CN" sz="1200" b="0" i="0" kern="1200" dirty="0" err="1" smtClean="0">
-                <a:solidFill>
-                  <a:srgbClr val="000000"/>
-                </a:solidFill>
-                <a:effectLst/>
-                <a:latin typeface="Times New Roman" pitchFamily="16" charset="0"/>
-                <a:ea typeface="宋体" charset="0"/>
-                <a:cs typeface="宋体" charset="0"/>
-              </a:rPr>
-              <a:t>Sandboxie</a:t>
-            </a:r>
-            <a:r>
-              <a:rPr kumimoji="1" lang="en-US" altLang="zh-CN" sz="1200" b="0" i="0" kern="1200" dirty="0" smtClean="0">
-                <a:solidFill>
-                  <a:srgbClr val="000000"/>
-                </a:solidFill>
-                <a:effectLst/>
-                <a:latin typeface="Times New Roman" pitchFamily="16" charset="0"/>
-                <a:ea typeface="宋体" charset="0"/>
-                <a:cs typeface="宋体" charset="0"/>
-              </a:rPr>
-              <a:t>(</a:t>
-            </a:r>
-            <a:r>
-              <a:rPr kumimoji="1" lang="zh-CN" altLang="en-US" sz="1200" b="0" i="0" kern="1200" dirty="0" smtClean="0">
-                <a:solidFill>
-                  <a:srgbClr val="000000"/>
-                </a:solidFill>
-                <a:effectLst/>
-                <a:latin typeface="Times New Roman" pitchFamily="16" charset="0"/>
-                <a:ea typeface="宋体" charset="0"/>
-                <a:cs typeface="宋体" charset="0"/>
-              </a:rPr>
-              <a:t>又叫沙箱、沙盘</a:t>
-            </a:r>
-            <a:r>
-              <a:rPr kumimoji="1" lang="en-US" altLang="zh-CN" sz="1200" b="0" i="0" kern="1200" dirty="0" smtClean="0">
-                <a:solidFill>
-                  <a:srgbClr val="000000"/>
-                </a:solidFill>
-                <a:effectLst/>
-                <a:latin typeface="Times New Roman" pitchFamily="16" charset="0"/>
-                <a:ea typeface="宋体" charset="0"/>
-                <a:cs typeface="宋体" charset="0"/>
-              </a:rPr>
-              <a:t>)</a:t>
-            </a:r>
-            <a:r>
-              <a:rPr kumimoji="1" lang="zh-CN" altLang="en-US" sz="1200" b="0" i="0" kern="1200" dirty="0" smtClean="0">
-                <a:solidFill>
-                  <a:srgbClr val="000000"/>
-                </a:solidFill>
-                <a:effectLst/>
-                <a:latin typeface="Times New Roman" pitchFamily="16" charset="0"/>
-                <a:ea typeface="宋体" charset="0"/>
-                <a:cs typeface="宋体" charset="0"/>
-              </a:rPr>
-              <a:t>即是一个虚拟系统程序，允许你在沙盘环境中运行浏览器或其他程序，因此运行所产生的变化可以随后删除。它创造了一个类似沙盒的独立作业环境，在其内部运行的程序并不能对硬盘产生永久性的影响。其为一个独立的虚拟环境，可用以测试不受信任的应用程序或上网行为。</a:t>
-            </a:r>
-            <a:endParaRPr kumimoji="1" lang="en-US" altLang="zh-CN" sz="1200" b="0" i="0" kern="1200" dirty="0" smtClean="0">
-              <a:solidFill>
-                <a:srgbClr val="000000"/>
-              </a:solidFill>
-              <a:effectLst/>
-              <a:latin typeface="Times New Roman" pitchFamily="16" charset="0"/>
-              <a:ea typeface="宋体" charset="0"/>
-              <a:cs typeface="宋体" charset="0"/>
-            </a:endParaRPr>
-          </a:p>
-          <a:p>
-            <a:pPr>
-              <a:spcBef>
-                <a:spcPts val="450"/>
-              </a:spcBef>
-              <a:buClrTx/>
-              <a:buFontTx/>
-              <a:buNone/>
-              <a:tabLst>
-                <a:tab pos="0" algn="l"/>
-                <a:tab pos="447675" algn="l"/>
-                <a:tab pos="896938" algn="l"/>
-                <a:tab pos="1346200" algn="l"/>
-                <a:tab pos="1795463" algn="l"/>
-                <a:tab pos="2244725" algn="l"/>
-                <a:tab pos="2693988" algn="l"/>
-                <a:tab pos="3143250" algn="l"/>
-                <a:tab pos="3592513" algn="l"/>
-                <a:tab pos="4041775" algn="l"/>
-                <a:tab pos="4491038" algn="l"/>
-                <a:tab pos="4940300" algn="l"/>
-                <a:tab pos="5389563" algn="l"/>
-                <a:tab pos="5838825" algn="l"/>
-                <a:tab pos="6288088" algn="l"/>
-                <a:tab pos="6737350" algn="l"/>
-                <a:tab pos="7186613" algn="l"/>
-                <a:tab pos="7635875" algn="l"/>
-                <a:tab pos="8085138" algn="l"/>
-                <a:tab pos="8534400" algn="l"/>
-                <a:tab pos="8983663" algn="l"/>
-              </a:tabLst>
-            </a:pPr>
-            <a:r>
-              <a:rPr kumimoji="1" lang="zh-CN" altLang="en-US" sz="1200" b="0" i="0" kern="1200" dirty="0" smtClean="0">
-                <a:solidFill>
-                  <a:srgbClr val="000000"/>
-                </a:solidFill>
-                <a:effectLst/>
-                <a:latin typeface="Times New Roman" pitchFamily="16" charset="0"/>
-                <a:ea typeface="宋体" charset="0"/>
-                <a:cs typeface="宋体" charset="0"/>
-              </a:rPr>
-              <a:t>沙箱：到浏览器层面，本质原理没多大变化，实践层面可能会根据浏览器环境有所变化，比如限制脚本操作本页面之外的其他页面的</a:t>
-            </a:r>
-            <a:r>
-              <a:rPr kumimoji="1" lang="en-US" altLang="zh-CN" sz="1200" b="0" i="0" kern="1200" dirty="0" smtClean="0">
-                <a:solidFill>
-                  <a:srgbClr val="000000"/>
-                </a:solidFill>
-                <a:effectLst/>
-                <a:latin typeface="Times New Roman" pitchFamily="16" charset="0"/>
-                <a:ea typeface="宋体" charset="0"/>
-                <a:cs typeface="宋体" charset="0"/>
-              </a:rPr>
-              <a:t>DOM</a:t>
-            </a:r>
-            <a:r>
-              <a:rPr kumimoji="1" lang="zh-CN" altLang="en-US" sz="1200" b="0" i="0" kern="1200" dirty="0" smtClean="0">
-                <a:solidFill>
-                  <a:srgbClr val="000000"/>
-                </a:solidFill>
-                <a:effectLst/>
-                <a:latin typeface="Times New Roman" pitchFamily="16" charset="0"/>
-                <a:ea typeface="宋体" charset="0"/>
-                <a:cs typeface="宋体" charset="0"/>
-              </a:rPr>
-              <a:t>，限制访问非同源文档，限制向非同源服务器发送</a:t>
-            </a:r>
-            <a:r>
-              <a:rPr kumimoji="1" lang="en-US" altLang="zh-CN" sz="1200" b="0" i="0" kern="1200" dirty="0" smtClean="0">
-                <a:solidFill>
-                  <a:srgbClr val="000000"/>
-                </a:solidFill>
-                <a:effectLst/>
-                <a:latin typeface="Times New Roman" pitchFamily="16" charset="0"/>
-                <a:ea typeface="宋体" charset="0"/>
-                <a:cs typeface="宋体" charset="0"/>
-              </a:rPr>
-              <a:t>ajax</a:t>
-            </a:r>
-            <a:r>
-              <a:rPr kumimoji="1" lang="zh-CN" altLang="en-US" sz="1200" b="0" i="0" kern="1200" dirty="0" smtClean="0">
-                <a:solidFill>
-                  <a:srgbClr val="000000"/>
-                </a:solidFill>
-                <a:effectLst/>
-                <a:latin typeface="Times New Roman" pitchFamily="16" charset="0"/>
-                <a:ea typeface="宋体" charset="0"/>
-                <a:cs typeface="宋体" charset="0"/>
-              </a:rPr>
-              <a:t>等等，目的依然是安全。</a:t>
-            </a:r>
-            <a:endParaRPr kumimoji="0" lang="en-GB" altLang="zh-CN" dirty="0" smtClean="0">
-              <a:latin typeface="Arial" panose="020B0604020202020204" pitchFamily="34" charset="0"/>
-              <a:ea typeface="+mn-ea"/>
-            </a:endParaRPr>
-          </a:p>
-          <a:p>
             <a:endParaRPr lang="zh-CN" altLang="en-US" dirty="0"/>
           </a:p>
         </p:txBody>
@@ -1092,6 +888,90 @@
 </file>
 
 <file path=ppt/notesSlides/notesSlide4.xml><?xml version="1.0" encoding="utf-8"?>
+<p:notes xmlns:a="http://schemas.openxmlformats.org/drawingml/2006/main" xmlns:r="http://schemas.openxmlformats.org/officeDocument/2006/relationships" xmlns:p="http://schemas.openxmlformats.org/presentationml/2006/main">
+  <p:cSld>
+    <p:spTree>
+      <p:nvGrpSpPr>
+        <p:cNvPr id="1" name=""/>
+        <p:cNvGrpSpPr/>
+        <p:nvPr/>
+      </p:nvGrpSpPr>
+      <p:grpSpPr>
+        <a:xfrm>
+          <a:off x="0" y="0"/>
+          <a:ext cx="0" cy="0"/>
+          <a:chOff x="0" y="0"/>
+          <a:chExt cx="0" cy="0"/>
+        </a:xfrm>
+      </p:grpSpPr>
+      <p:sp>
+        <p:nvSpPr>
+          <p:cNvPr id="2" name="幻灯片图像占位符 1"/>
+          <p:cNvSpPr>
+            <a:spLocks noGrp="1" noRot="1" noChangeAspect="1"/>
+          </p:cNvSpPr>
+          <p:nvPr>
+            <p:ph type="sldImg"/>
+          </p:nvPr>
+        </p:nvSpPr>
+        <p:spPr/>
+      </p:sp>
+      <p:sp>
+        <p:nvSpPr>
+          <p:cNvPr id="3" name="备注占位符 2"/>
+          <p:cNvSpPr>
+            <a:spLocks noGrp="1"/>
+          </p:cNvSpPr>
+          <p:nvPr>
+            <p:ph type="body" idx="1"/>
+          </p:nvPr>
+        </p:nvSpPr>
+        <p:spPr/>
+        <p:txBody>
+          <a:bodyPr/>
+          <a:lstStyle/>
+          <a:p>
+            <a:endParaRPr lang="zh-CN" altLang="en-US" dirty="0"/>
+          </a:p>
+        </p:txBody>
+      </p:sp>
+      <p:sp>
+        <p:nvSpPr>
+          <p:cNvPr id="4" name="灯片编号占位符 3"/>
+          <p:cNvSpPr>
+            <a:spLocks noGrp="1"/>
+          </p:cNvSpPr>
+          <p:nvPr>
+            <p:ph type="sldNum" sz="quarter" idx="10"/>
+          </p:nvPr>
+        </p:nvSpPr>
+        <p:spPr/>
+        <p:txBody>
+          <a:bodyPr/>
+          <a:lstStyle/>
+          <a:p>
+            <a:fld id="{D954A8C1-897D-45F8-BFAB-50E65247FAE3}" type="slidenum">
+              <a:rPr lang="zh-CN" altLang="zh-CN" smtClean="0"/>
+              <a:t>7</a:t>
+            </a:fld>
+            <a:endParaRPr lang="zh-CN" altLang="zh-CN"/>
+          </a:p>
+        </p:txBody>
+      </p:sp>
+    </p:spTree>
+    <p:extLst>
+      <p:ext uri="{BB962C8B-B14F-4D97-AF65-F5344CB8AC3E}">
+        <p14:creationId xmlns:p14="http://schemas.microsoft.com/office/powerpoint/2010/main" val="4170674007"/>
+      </p:ext>
+    </p:extLst>
+  </p:cSld>
+  <p:clrMapOvr>
+    <a:masterClrMapping/>
+  </p:clrMapOvr>
+</p:notes>
+</file>
+
+<file path=ppt/notesSlides/notesSlide5.xml><?xml version="1.0" encoding="utf-8"?>
 <p:notes xmlns:a="http://schemas.openxmlformats.org/drawingml/2006/main" xmlns:r="http://schemas.openxmlformats.org/officeDocument/2006/relationships" xmlns:p="http://schemas.openxmlformats.org/presentationml/2006/main">
   <p:cSld>
     <p:spTree>
@@ -1161,7 +1041,7 @@
           <a:p>
             <a:fld id="{4E38F04A-84B0-4E5D-A1A7-EE43D6EF2A66}" type="slidenum">
               <a:rPr lang="zh-CN" altLang="en-US" smtClean="0"/>
-              <a:t>8</a:t>
+              <a:t>9</a:t>
             </a:fld>
             <a:endParaRPr lang="zh-CN" altLang="en-US"/>
           </a:p>
@@ -1180,7 +1060,7 @@
 </p:notes>
 </file>
 
-<file path=ppt/notesSlides/notesSlide5.xml><?xml version="1.0" encoding="utf-8"?>
+<file path=ppt/notesSlides/notesSlide6.xml><?xml version="1.0" encoding="utf-8"?>
 <p:notes xmlns:a="http://schemas.openxmlformats.org/drawingml/2006/main" xmlns:r="http://schemas.openxmlformats.org/officeDocument/2006/relationships" xmlns:p="http://schemas.openxmlformats.org/presentationml/2006/main">
   <p:cSld>
     <p:spTree>
@@ -1224,99 +1104,6 @@
           <a:bodyPr/>
           <a:lstStyle/>
           <a:p>
-            <a:pPr marL="0" marR="0" indent="0" algn="l" defTabSz="914400" rtl="0" eaLnBrk="0" fontAlgn="base" latinLnBrk="0" hangingPunct="0">
-              <a:lnSpc>
-                <a:spcPct val="100000"/>
-              </a:lnSpc>
-              <a:spcBef>
-                <a:spcPct val="30000"/>
-              </a:spcBef>
-              <a:spcAft>
-                <a:spcPct val="0"/>
-              </a:spcAft>
-              <a:buClrTx/>
-              <a:buSzTx/>
-              <a:buFontTx/>
-              <a:buNone/>
-              <a:tabLst/>
-              <a:defRPr/>
-            </a:pPr>
-            <a:r>
-              <a:rPr kumimoji="0" lang="en-US" altLang="zh-CN" dirty="0" smtClean="0">
-                <a:latin typeface="Arial" panose="020B0604020202020204" pitchFamily="34" charset="0"/>
-                <a:ea typeface="+mn-ea"/>
-              </a:rPr>
-              <a:t>blob </a:t>
-            </a:r>
-            <a:r>
-              <a:rPr kumimoji="0" lang="zh-CN" altLang="en-US" dirty="0" smtClean="0">
-                <a:latin typeface="Arial" panose="020B0604020202020204" pitchFamily="34" charset="0"/>
-                <a:ea typeface="+mn-ea"/>
-              </a:rPr>
-              <a:t>存储着大量的二进制数据，并且 </a:t>
-            </a:r>
-            <a:r>
-              <a:rPr kumimoji="0" lang="en-US" altLang="zh-CN" dirty="0" smtClean="0">
-                <a:latin typeface="Arial" panose="020B0604020202020204" pitchFamily="34" charset="0"/>
-                <a:ea typeface="+mn-ea"/>
-              </a:rPr>
-              <a:t>blob </a:t>
-            </a:r>
-            <a:r>
-              <a:rPr kumimoji="0" lang="zh-CN" altLang="en-US" dirty="0" smtClean="0">
-                <a:latin typeface="Arial" panose="020B0604020202020204" pitchFamily="34" charset="0"/>
-                <a:ea typeface="+mn-ea"/>
-              </a:rPr>
-              <a:t>的 </a:t>
-            </a:r>
-            <a:r>
-              <a:rPr kumimoji="0" lang="en-US" altLang="zh-CN" dirty="0" smtClean="0">
-                <a:latin typeface="Arial" panose="020B0604020202020204" pitchFamily="34" charset="0"/>
-                <a:ea typeface="+mn-ea"/>
-              </a:rPr>
-              <a:t>size </a:t>
-            </a:r>
-            <a:r>
-              <a:rPr kumimoji="0" lang="zh-CN" altLang="en-US" dirty="0" smtClean="0">
-                <a:latin typeface="Arial" panose="020B0604020202020204" pitchFamily="34" charset="0"/>
-                <a:ea typeface="+mn-ea"/>
-              </a:rPr>
-              <a:t>和 </a:t>
-            </a:r>
-            <a:r>
-              <a:rPr kumimoji="0" lang="en-US" altLang="zh-CN" dirty="0" smtClean="0">
-                <a:latin typeface="Arial" panose="020B0604020202020204" pitchFamily="34" charset="0"/>
-                <a:ea typeface="+mn-ea"/>
-              </a:rPr>
-              <a:t>type </a:t>
-            </a:r>
-            <a:r>
-              <a:rPr kumimoji="0" lang="zh-CN" altLang="en-US" dirty="0" smtClean="0">
-                <a:latin typeface="Arial" panose="020B0604020202020204" pitchFamily="34" charset="0"/>
-                <a:ea typeface="+mn-ea"/>
-              </a:rPr>
-              <a:t>属性，都会被 </a:t>
-            </a:r>
-            <a:r>
-              <a:rPr kumimoji="0" lang="en-US" altLang="zh-CN" dirty="0" smtClean="0">
-                <a:latin typeface="Arial" panose="020B0604020202020204" pitchFamily="34" charset="0"/>
-                <a:ea typeface="+mn-ea"/>
-              </a:rPr>
-              <a:t>file </a:t>
-            </a:r>
-            <a:r>
-              <a:rPr kumimoji="0" lang="zh-CN" altLang="en-US" dirty="0" smtClean="0">
-                <a:latin typeface="Arial" panose="020B0604020202020204" pitchFamily="34" charset="0"/>
-                <a:ea typeface="+mn-ea"/>
-              </a:rPr>
-              <a:t>对象所继承。</a:t>
-            </a:r>
-            <a:endParaRPr kumimoji="0" lang="en-US" altLang="zh-CN" dirty="0" smtClean="0">
-              <a:latin typeface="Arial" panose="020B0604020202020204" pitchFamily="34" charset="0"/>
-              <a:ea typeface="+mn-ea"/>
-            </a:endParaRPr>
-          </a:p>
-          <a:p>
             <a:endParaRPr lang="zh-CN" altLang="en-US" dirty="0"/>
           </a:p>
         </p:txBody>
@@ -1338,7 +1125,7 @@
           <a:p>
             <a:fld id="{D954A8C1-897D-45F8-BFAB-50E65247FAE3}" type="slidenum">
               <a:rPr lang="zh-CN" altLang="zh-CN" smtClean="0"/>
-              <a:t>9</a:t>
+              <a:t>10</a:t>
             </a:fld>
             <a:endParaRPr lang="zh-CN" altLang="zh-CN"/>
           </a:p>
@@ -1348,95 +1135,6 @@
     <p:extLst>
       <p:ext uri="{BB962C8B-B14F-4D97-AF65-F5344CB8AC3E}">
         <p14:creationId xmlns:p14="http://schemas.microsoft.com/office/powerpoint/2010/main" val="3741487062"/>
-      </p:ext>
-    </p:extLst>
-  </p:cSld>
-  <p:clrMapOvr>
-    <a:masterClrMapping/>
-  </p:clrMapOvr>
-</p:notes>
-</file>
-
-<file path=ppt/notesSlides/notesSlide6.xml><?xml version="1.0" encoding="utf-8"?>
-<p:notes xmlns:a="http://schemas.openxmlformats.org/drawingml/2006/main" xmlns:r="http://schemas.openxmlformats.org/officeDocument/2006/relationships" xmlns:p="http://schemas.openxmlformats.org/presentationml/2006/main">
-  <p:cSld>
-    <p:spTree>
-      <p:nvGrpSpPr>
-        <p:cNvPr id="1" name=""/>
-        <p:cNvGrpSpPr/>
-        <p:nvPr/>
-      </p:nvGrpSpPr>
-      <p:grpSpPr>
-        <a:xfrm>
-          <a:off x="0" y="0"/>
-          <a:ext cx="0" cy="0"/>
-          <a:chOff x="0" y="0"/>
-          <a:chExt cx="0" cy="0"/>
-        </a:xfrm>
-      </p:grpSpPr>
-      <p:sp>
-        <p:nvSpPr>
-          <p:cNvPr id="2" name="幻灯片图像占位符 1"/>
-          <p:cNvSpPr>
-            <a:spLocks noGrp="1" noRot="1" noChangeAspect="1"/>
-          </p:cNvSpPr>
-          <p:nvPr>
-            <p:ph type="sldImg"/>
-          </p:nvPr>
-        </p:nvSpPr>
-        <p:spPr>
-          <a:xfrm>
-            <a:off x="481013" y="1279525"/>
-            <a:ext cx="6140450" cy="3454400"/>
-          </a:xfrm>
-        </p:spPr>
-      </p:sp>
-      <p:sp>
-        <p:nvSpPr>
-          <p:cNvPr id="3" name="备注占位符 2"/>
-          <p:cNvSpPr>
-            <a:spLocks noGrp="1"/>
-          </p:cNvSpPr>
-          <p:nvPr>
-            <p:ph type="body" idx="1"/>
-          </p:nvPr>
-        </p:nvSpPr>
-        <p:spPr/>
-        <p:txBody>
-          <a:bodyPr/>
-          <a:lstStyle/>
-          <a:p>
-            <a:endParaRPr lang="zh-CN" altLang="en-US"/>
-          </a:p>
-        </p:txBody>
-      </p:sp>
-      <p:sp>
-        <p:nvSpPr>
-          <p:cNvPr id="4" name="灯片编号占位符 3"/>
-          <p:cNvSpPr>
-            <a:spLocks noGrp="1"/>
-          </p:cNvSpPr>
-          <p:nvPr>
-            <p:ph type="sldNum" sz="quarter" idx="10"/>
-          </p:nvPr>
-        </p:nvSpPr>
-        <p:spPr/>
-        <p:txBody>
-          <a:bodyPr/>
-          <a:lstStyle/>
-          <a:p>
-            <a:fld id="{4E38F04A-84B0-4E5D-A1A7-EE43D6EF2A66}" type="slidenum">
-              <a:rPr lang="zh-CN" altLang="en-US" smtClean="0"/>
-              <a:t>13</a:t>
-            </a:fld>
-            <a:endParaRPr lang="zh-CN" altLang="en-US"/>
-          </a:p>
-        </p:txBody>
-      </p:sp>
-    </p:spTree>
-    <p:extLst>
-      <p:ext uri="{BB962C8B-B14F-4D97-AF65-F5344CB8AC3E}">
-        <p14:creationId xmlns:p14="http://schemas.microsoft.com/office/powerpoint/2010/main" val="2431436594"/>
       </p:ext>
     </p:extLst>
   </p:cSld>
@@ -1516,7 +1214,96 @@
           <a:p>
             <a:fld id="{4E38F04A-84B0-4E5D-A1A7-EE43D6EF2A66}" type="slidenum">
               <a:rPr lang="zh-CN" altLang="en-US" smtClean="0"/>
-              <a:t>21</a:t>
+              <a:t>14</a:t>
+            </a:fld>
+            <a:endParaRPr lang="zh-CN" altLang="en-US"/>
+          </a:p>
+        </p:txBody>
+      </p:sp>
+    </p:spTree>
+    <p:extLst>
+      <p:ext uri="{BB962C8B-B14F-4D97-AF65-F5344CB8AC3E}">
+        <p14:creationId xmlns:p14="http://schemas.microsoft.com/office/powerpoint/2010/main" val="2431436594"/>
+      </p:ext>
+    </p:extLst>
+  </p:cSld>
+  <p:clrMapOvr>
+    <a:masterClrMapping/>
+  </p:clrMapOvr>
+</p:notes>
+</file>
+
+<file path=ppt/notesSlides/notesSlide8.xml><?xml version="1.0" encoding="utf-8"?>
+<p:notes xmlns:a="http://schemas.openxmlformats.org/drawingml/2006/main" xmlns:r="http://schemas.openxmlformats.org/officeDocument/2006/relationships" xmlns:p="http://schemas.openxmlformats.org/presentationml/2006/main">
+  <p:cSld>
+    <p:spTree>
+      <p:nvGrpSpPr>
+        <p:cNvPr id="1" name=""/>
+        <p:cNvGrpSpPr/>
+        <p:nvPr/>
+      </p:nvGrpSpPr>
+      <p:grpSpPr>
+        <a:xfrm>
+          <a:off x="0" y="0"/>
+          <a:ext cx="0" cy="0"/>
+          <a:chOff x="0" y="0"/>
+          <a:chExt cx="0" cy="0"/>
+        </a:xfrm>
+      </p:grpSpPr>
+      <p:sp>
+        <p:nvSpPr>
+          <p:cNvPr id="2" name="幻灯片图像占位符 1"/>
+          <p:cNvSpPr>
+            <a:spLocks noGrp="1" noRot="1" noChangeAspect="1"/>
+          </p:cNvSpPr>
+          <p:nvPr>
+            <p:ph type="sldImg"/>
+          </p:nvPr>
+        </p:nvSpPr>
+        <p:spPr>
+          <a:xfrm>
+            <a:off x="481013" y="1279525"/>
+            <a:ext cx="6140450" cy="3454400"/>
+          </a:xfrm>
+        </p:spPr>
+      </p:sp>
+      <p:sp>
+        <p:nvSpPr>
+          <p:cNvPr id="3" name="备注占位符 2"/>
+          <p:cNvSpPr>
+            <a:spLocks noGrp="1"/>
+          </p:cNvSpPr>
+          <p:nvPr>
+            <p:ph type="body" idx="1"/>
+          </p:nvPr>
+        </p:nvSpPr>
+        <p:spPr/>
+        <p:txBody>
+          <a:bodyPr/>
+          <a:lstStyle/>
+          <a:p>
+            <a:endParaRPr lang="zh-CN" altLang="en-US"/>
+          </a:p>
+        </p:txBody>
+      </p:sp>
+      <p:sp>
+        <p:nvSpPr>
+          <p:cNvPr id="4" name="灯片编号占位符 3"/>
+          <p:cNvSpPr>
+            <a:spLocks noGrp="1"/>
+          </p:cNvSpPr>
+          <p:nvPr>
+            <p:ph type="sldNum" sz="quarter" idx="10"/>
+          </p:nvPr>
+        </p:nvSpPr>
+        <p:spPr/>
+        <p:txBody>
+          <a:bodyPr/>
+          <a:lstStyle/>
+          <a:p>
+            <a:fld id="{4E38F04A-84B0-4E5D-A1A7-EE43D6EF2A66}" type="slidenum">
+              <a:rPr lang="zh-CN" altLang="en-US" smtClean="0"/>
+              <a:t>23</a:t>
             </a:fld>
             <a:endParaRPr lang="zh-CN" altLang="en-US"/>
           </a:p>
@@ -1577,7 +1364,7 @@
         </p:blipFill>
         <p:spPr>
           <a:xfrm>
-            <a:off x="1866901" y="0"/>
+            <a:off x="2325903" y="0"/>
             <a:ext cx="10325100" cy="6883400"/>
           </a:xfrm>
           <a:prstGeom prst="rect">
@@ -1678,7 +1465,7 @@
           <a:p>
             <a:fld id="{1ABFA14F-DE9C-4D83-8C58-D4C03BB9FF78}" type="datetimeFigureOut">
               <a:rPr lang="zh-CN" altLang="en-US" smtClean="0"/>
-              <a:t>2018/9/26</a:t>
+              <a:t>2019/3/25</a:t>
             </a:fld>
             <a:endParaRPr lang="zh-CN" altLang="en-US"/>
           </a:p>
@@ -1734,7 +1521,7 @@
         </p:nvSpPr>
         <p:spPr>
           <a:xfrm>
-            <a:off x="296214" y="399245"/>
+            <a:off x="482847" y="399245"/>
             <a:ext cx="1867437" cy="1262130"/>
           </a:xfrm>
           <a:prstGeom prst="rect">
@@ -2006,7 +1793,7 @@
           <a:p>
             <a:fld id="{1ABFA14F-DE9C-4D83-8C58-D4C03BB9FF78}" type="datetimeFigureOut">
               <a:rPr lang="zh-CN" altLang="en-US" smtClean="0"/>
-              <a:t>2018/9/26</a:t>
+              <a:t>2019/3/25</a:t>
             </a:fld>
             <a:endParaRPr lang="zh-CN" altLang="en-US"/>
           </a:p>
@@ -2131,7 +1918,7 @@
           <a:p>
             <a:fld id="{1ABFA14F-DE9C-4D83-8C58-D4C03BB9FF78}" type="datetimeFigureOut">
               <a:rPr lang="zh-CN" altLang="en-US" smtClean="0"/>
-              <a:t>2018/9/26</a:t>
+              <a:t>2019/3/25</a:t>
             </a:fld>
             <a:endParaRPr lang="zh-CN" altLang="en-US"/>
           </a:p>
@@ -2539,7 +2326,7 @@
           <a:p>
             <a:fld id="{1ABFA14F-DE9C-4D83-8C58-D4C03BB9FF78}" type="datetimeFigureOut">
               <a:rPr lang="zh-CN" altLang="en-US" smtClean="0"/>
-              <a:t>2018/9/26</a:t>
+              <a:t>2019/3/25</a:t>
             </a:fld>
             <a:endParaRPr lang="zh-CN" altLang="en-US"/>
           </a:p>
@@ -2855,7 +2642,7 @@
           <a:p>
             <a:fld id="{1ABFA14F-DE9C-4D83-8C58-D4C03BB9FF78}" type="datetimeFigureOut">
               <a:rPr lang="zh-CN" altLang="en-US" smtClean="0"/>
-              <a:t>2018/9/26</a:t>
+              <a:t>2019/3/25</a:t>
             </a:fld>
             <a:endParaRPr lang="zh-CN" altLang="en-US"/>
           </a:p>
@@ -3462,8 +3249,8 @@
         </p:nvSpPr>
         <p:spPr>
           <a:xfrm>
-            <a:off x="474665" y="2163765"/>
-            <a:ext cx="6144684" cy="1114424"/>
+            <a:off x="117261" y="2163765"/>
+            <a:ext cx="6915168" cy="1114424"/>
           </a:xfrm>
         </p:spPr>
         <p:txBody>
@@ -3473,12 +3260,20 @@
           <a:lstStyle/>
           <a:p>
             <a:r>
+              <a:rPr lang="da-DK" altLang="zh-CN" sz="4800" dirty="0"/>
+              <a:t>HTML5</a:t>
+            </a:r>
+            <a:r>
+              <a:rPr lang="zh-CN" altLang="en-US" sz="4800" dirty="0"/>
+              <a:t>与</a:t>
+            </a:r>
+            <a:r>
               <a:rPr lang="en-US" altLang="zh-CN" sz="4800" dirty="0"/>
-              <a:t>HTML5</a:t>
+              <a:t>CSS3</a:t>
             </a:r>
             <a:r>
               <a:rPr lang="zh-CN" altLang="en-US" sz="4800" dirty="0"/>
-              <a:t>程序设计基础</a:t>
+              <a:t>前端开发</a:t>
             </a:r>
             <a:endParaRPr lang="zh-CN" sz="4800" dirty="0"/>
           </a:p>
@@ -3580,6 +3375,473 @@
           <a:bodyPr/>
           <a:lstStyle/>
           <a:p>
+            <a:pPr marL="374650" lvl="1">
+              <a:spcBef>
+                <a:spcPts val="600"/>
+              </a:spcBef>
+              <a:spcAft>
+                <a:spcPts val="600"/>
+              </a:spcAft>
+              <a:buClr>
+                <a:schemeClr val="accent1">
+                  <a:lumMod val="75000"/>
+                </a:schemeClr>
+              </a:buClr>
+              <a:buSzPct val="110000"/>
+              <a:buBlip>
+                <a:blip r:embed="rId3"/>
+              </a:buBlip>
+            </a:pPr>
+            <a:r>
+              <a:rPr lang="en-US" altLang="zh-CN" sz="2800" dirty="0">
+                <a:solidFill>
+                  <a:srgbClr val="FF0000"/>
+                </a:solidFill>
+              </a:rPr>
+              <a:t>file</a:t>
+            </a:r>
+            <a:r>
+              <a:rPr lang="zh-CN" altLang="en-US" sz="2800" dirty="0">
+                <a:solidFill>
+                  <a:srgbClr val="FF0000"/>
+                </a:solidFill>
+              </a:rPr>
+              <a:t>对象继承了</a:t>
+            </a:r>
+            <a:r>
+              <a:rPr lang="en-US" altLang="zh-CN" sz="2800" dirty="0">
+                <a:solidFill>
+                  <a:srgbClr val="FF0000"/>
+                </a:solidFill>
+              </a:rPr>
+              <a:t>Blob</a:t>
+            </a:r>
+            <a:r>
+              <a:rPr lang="zh-CN" altLang="en-US" sz="2800" dirty="0">
+                <a:solidFill>
+                  <a:srgbClr val="FF0000"/>
+                </a:solidFill>
+              </a:rPr>
+              <a:t>对象</a:t>
+            </a:r>
+          </a:p>
+          <a:p>
+            <a:r>
+              <a:rPr lang="en-US" altLang="zh-CN" dirty="0" smtClean="0">
+                <a:solidFill>
+                  <a:srgbClr val="FF0000"/>
+                </a:solidFill>
+              </a:rPr>
+              <a:t>Blob</a:t>
+            </a:r>
+            <a:r>
+              <a:rPr lang="zh-CN" altLang="en-US" dirty="0">
+                <a:solidFill>
+                  <a:srgbClr val="FF0000"/>
+                </a:solidFill>
+              </a:rPr>
+              <a:t>对象</a:t>
+            </a:r>
+            <a:r>
+              <a:rPr lang="en-US" altLang="zh-CN" dirty="0">
+                <a:solidFill>
+                  <a:srgbClr val="FF0000"/>
+                </a:solidFill>
+              </a:rPr>
+              <a:t>(binary large object </a:t>
+            </a:r>
+            <a:r>
+              <a:rPr lang="zh-CN" altLang="en-US" dirty="0">
+                <a:solidFill>
+                  <a:srgbClr val="FF0000"/>
+                </a:solidFill>
+              </a:rPr>
+              <a:t>二进制大对象</a:t>
+            </a:r>
+            <a:r>
+              <a:rPr lang="en-US" altLang="zh-CN" dirty="0">
+                <a:solidFill>
+                  <a:srgbClr val="FF0000"/>
+                </a:solidFill>
+              </a:rPr>
+              <a:t>)</a:t>
+            </a:r>
+            <a:r>
+              <a:rPr lang="zh-CN" altLang="en-US" dirty="0">
+                <a:solidFill>
+                  <a:srgbClr val="FF0000"/>
+                </a:solidFill>
+              </a:rPr>
+              <a:t>，表示二进制原始数据。</a:t>
+            </a:r>
+          </a:p>
+          <a:p>
+            <a:pPr lvl="1"/>
+            <a:r>
+              <a:rPr lang="en-US" altLang="zh-CN" dirty="0"/>
+              <a:t>slice( )       </a:t>
+            </a:r>
+            <a:r>
+              <a:rPr lang="zh-CN" altLang="en-US" dirty="0"/>
+              <a:t>可以访问到字节内部的原始数据块。</a:t>
+            </a:r>
+          </a:p>
+          <a:p>
+            <a:pPr lvl="1"/>
+            <a:r>
+              <a:rPr lang="en-US" altLang="zh-CN" dirty="0"/>
+              <a:t>size</a:t>
+            </a:r>
+            <a:r>
+              <a:rPr lang="zh-CN" altLang="en-US" dirty="0"/>
+              <a:t>属性    </a:t>
+            </a:r>
+            <a:r>
+              <a:rPr lang="zh-CN" altLang="en-US" dirty="0" smtClean="0"/>
+              <a:t>表示</a:t>
+            </a:r>
+            <a:r>
+              <a:rPr lang="zh-CN" altLang="en-US" dirty="0"/>
+              <a:t>一个</a:t>
+            </a:r>
+            <a:r>
+              <a:rPr lang="en-US" altLang="zh-CN" dirty="0"/>
+              <a:t>Blob</a:t>
+            </a:r>
+            <a:r>
+              <a:rPr lang="zh-CN" altLang="en-US" dirty="0"/>
+              <a:t>对象的字节长度</a:t>
+            </a:r>
+          </a:p>
+          <a:p>
+            <a:pPr lvl="1"/>
+            <a:r>
+              <a:rPr lang="en-US" altLang="zh-CN" dirty="0"/>
+              <a:t>type</a:t>
+            </a:r>
+            <a:r>
+              <a:rPr lang="zh-CN" altLang="en-US" dirty="0"/>
+              <a:t>属性   表示</a:t>
+            </a:r>
+            <a:r>
+              <a:rPr lang="en-US" altLang="zh-CN" dirty="0"/>
+              <a:t>Blob</a:t>
+            </a:r>
+            <a:r>
+              <a:rPr lang="zh-CN" altLang="en-US" dirty="0"/>
+              <a:t>的</a:t>
+            </a:r>
+            <a:r>
+              <a:rPr lang="en-US" altLang="zh-CN" dirty="0"/>
+              <a:t>MIME</a:t>
+            </a:r>
+            <a:r>
+              <a:rPr lang="zh-CN" altLang="en-US" dirty="0"/>
+              <a:t>类型，如果是未知类型，则返回一个空字符串</a:t>
+            </a:r>
+            <a:r>
+              <a:rPr lang="zh-CN" altLang="en-US" dirty="0" smtClean="0"/>
+              <a:t>。</a:t>
+            </a:r>
+            <a:endParaRPr lang="en-US" altLang="zh-CN" dirty="0" smtClean="0"/>
+          </a:p>
+        </p:txBody>
+      </p:sp>
+      <p:sp>
+        <p:nvSpPr>
+          <p:cNvPr id="3" name="内容占位符 2"/>
+          <p:cNvSpPr>
+            <a:spLocks noGrp="1"/>
+          </p:cNvSpPr>
+          <p:nvPr>
+            <p:ph sz="quarter" idx="11"/>
+          </p:nvPr>
+        </p:nvSpPr>
+        <p:spPr/>
+        <p:txBody>
+          <a:bodyPr/>
+          <a:lstStyle/>
+          <a:p>
+            <a:pPr>
+              <a:buClrTx/>
+            </a:pPr>
+            <a:r>
+              <a:rPr lang="en-US" altLang="zh-CN" dirty="0"/>
+              <a:t>Blob</a:t>
+            </a:r>
+            <a:r>
+              <a:rPr lang="zh-CN" altLang="en-US" dirty="0"/>
+              <a:t>对象的属性</a:t>
+            </a:r>
+            <a:endParaRPr lang="en-US" altLang="zh-CN" dirty="0"/>
+          </a:p>
+        </p:txBody>
+      </p:sp>
+    </p:spTree>
+    <p:extLst>
+      <p:ext uri="{BB962C8B-B14F-4D97-AF65-F5344CB8AC3E}">
+        <p14:creationId xmlns:p14="http://schemas.microsoft.com/office/powerpoint/2010/main" val="642037657"/>
+      </p:ext>
+    </p:extLst>
+  </p:cSld>
+  <p:clrMapOvr>
+    <a:masterClrMapping/>
+  </p:clrMapOvr>
+  <p:timing>
+    <p:tnLst>
+      <p:par>
+        <p:cTn id="1" dur="indefinite" restart="never" nodeType="tmRoot">
+          <p:childTnLst>
+            <p:seq concurrent="1" nextAc="seek">
+              <p:cTn id="2" dur="indefinite" nodeType="mainSeq">
+                <p:childTnLst>
+                  <p:par>
+                    <p:cTn id="3" fill="hold">
+                      <p:stCondLst>
+                        <p:cond delay="indefinite"/>
+                      </p:stCondLst>
+                      <p:childTnLst>
+                        <p:par>
+                          <p:cTn id="4" fill="hold">
+                            <p:stCondLst>
+                              <p:cond delay="0"/>
+                            </p:stCondLst>
+                            <p:childTnLst>
+                              <p:par>
+                                <p:cTn id="5" presetID="10" presetClass="entr" presetSubtype="0" fill="hold" nodeType="clickEffect">
+                                  <p:stCondLst>
+                                    <p:cond delay="0"/>
+                                  </p:stCondLst>
+                                  <p:childTnLst>
+                                    <p:set>
+                                      <p:cBhvr>
+                                        <p:cTn id="6" dur="1" fill="hold">
+                                          <p:stCondLst>
+                                            <p:cond delay="0"/>
+                                          </p:stCondLst>
+                                        </p:cTn>
+                                        <p:tgtEl>
+                                          <p:spTgt spid="2">
+                                            <p:txEl>
+                                              <p:pRg st="1" end="1"/>
+                                            </p:txEl>
+                                          </p:spTgt>
+                                        </p:tgtEl>
+                                        <p:attrNameLst>
+                                          <p:attrName>style.visibility</p:attrName>
+                                        </p:attrNameLst>
+                                      </p:cBhvr>
+                                      <p:to>
+                                        <p:strVal val="visible"/>
+                                      </p:to>
+                                    </p:set>
+                                    <p:animEffect transition="in" filter="fade">
+                                      <p:cBhvr>
+                                        <p:cTn id="7" dur="500"/>
+                                        <p:tgtEl>
+                                          <p:spTgt spid="2">
+                                            <p:txEl>
+                                              <p:pRg st="1" end="1"/>
+                                            </p:txEl>
+                                          </p:spTgt>
+                                        </p:tgtEl>
+                                      </p:cBhvr>
+                                    </p:animEffect>
+                                  </p:childTnLst>
+                                </p:cTn>
+                              </p:par>
+                              <p:par>
+                                <p:cTn id="8" presetID="10" presetClass="entr" presetSubtype="0" fill="hold" nodeType="withEffect">
+                                  <p:stCondLst>
+                                    <p:cond delay="0"/>
+                                  </p:stCondLst>
+                                  <p:childTnLst>
+                                    <p:set>
+                                      <p:cBhvr>
+                                        <p:cTn id="9" dur="1" fill="hold">
+                                          <p:stCondLst>
+                                            <p:cond delay="0"/>
+                                          </p:stCondLst>
+                                        </p:cTn>
+                                        <p:tgtEl>
+                                          <p:spTgt spid="2">
+                                            <p:txEl>
+                                              <p:pRg st="2" end="2"/>
+                                            </p:txEl>
+                                          </p:spTgt>
+                                        </p:tgtEl>
+                                        <p:attrNameLst>
+                                          <p:attrName>style.visibility</p:attrName>
+                                        </p:attrNameLst>
+                                      </p:cBhvr>
+                                      <p:to>
+                                        <p:strVal val="visible"/>
+                                      </p:to>
+                                    </p:set>
+                                    <p:animEffect transition="in" filter="fade">
+                                      <p:cBhvr>
+                                        <p:cTn id="10" dur="500"/>
+                                        <p:tgtEl>
+                                          <p:spTgt spid="2">
+                                            <p:txEl>
+                                              <p:pRg st="2" end="2"/>
+                                            </p:txEl>
+                                          </p:spTgt>
+                                        </p:tgtEl>
+                                      </p:cBhvr>
+                                    </p:animEffect>
+                                  </p:childTnLst>
+                                </p:cTn>
+                              </p:par>
+                              <p:par>
+                                <p:cTn id="11" presetID="10" presetClass="entr" presetSubtype="0" fill="hold" nodeType="withEffect">
+                                  <p:stCondLst>
+                                    <p:cond delay="0"/>
+                                  </p:stCondLst>
+                                  <p:childTnLst>
+                                    <p:set>
+                                      <p:cBhvr>
+                                        <p:cTn id="12" dur="1" fill="hold">
+                                          <p:stCondLst>
+                                            <p:cond delay="0"/>
+                                          </p:stCondLst>
+                                        </p:cTn>
+                                        <p:tgtEl>
+                                          <p:spTgt spid="2">
+                                            <p:txEl>
+                                              <p:pRg st="3" end="3"/>
+                                            </p:txEl>
+                                          </p:spTgt>
+                                        </p:tgtEl>
+                                        <p:attrNameLst>
+                                          <p:attrName>style.visibility</p:attrName>
+                                        </p:attrNameLst>
+                                      </p:cBhvr>
+                                      <p:to>
+                                        <p:strVal val="visible"/>
+                                      </p:to>
+                                    </p:set>
+                                    <p:animEffect transition="in" filter="fade">
+                                      <p:cBhvr>
+                                        <p:cTn id="13" dur="500"/>
+                                        <p:tgtEl>
+                                          <p:spTgt spid="2">
+                                            <p:txEl>
+                                              <p:pRg st="3" end="3"/>
+                                            </p:txEl>
+                                          </p:spTgt>
+                                        </p:tgtEl>
+                                      </p:cBhvr>
+                                    </p:animEffect>
+                                  </p:childTnLst>
+                                </p:cTn>
+                              </p:par>
+                              <p:par>
+                                <p:cTn id="14" presetID="10" presetClass="entr" presetSubtype="0" fill="hold" nodeType="withEffect">
+                                  <p:stCondLst>
+                                    <p:cond delay="0"/>
+                                  </p:stCondLst>
+                                  <p:childTnLst>
+                                    <p:set>
+                                      <p:cBhvr>
+                                        <p:cTn id="15" dur="1" fill="hold">
+                                          <p:stCondLst>
+                                            <p:cond delay="0"/>
+                                          </p:stCondLst>
+                                        </p:cTn>
+                                        <p:tgtEl>
+                                          <p:spTgt spid="2">
+                                            <p:txEl>
+                                              <p:pRg st="4" end="4"/>
+                                            </p:txEl>
+                                          </p:spTgt>
+                                        </p:tgtEl>
+                                        <p:attrNameLst>
+                                          <p:attrName>style.visibility</p:attrName>
+                                        </p:attrNameLst>
+                                      </p:cBhvr>
+                                      <p:to>
+                                        <p:strVal val="visible"/>
+                                      </p:to>
+                                    </p:set>
+                                    <p:animEffect transition="in" filter="fade">
+                                      <p:cBhvr>
+                                        <p:cTn id="16" dur="500"/>
+                                        <p:tgtEl>
+                                          <p:spTgt spid="2">
+                                            <p:txEl>
+                                              <p:pRg st="4" end="4"/>
+                                            </p:txEl>
+                                          </p:spTgt>
+                                        </p:tgtEl>
+                                      </p:cBhvr>
+                                    </p:animEffect>
+                                  </p:childTnLst>
+                                </p:cTn>
+                              </p:par>
+                            </p:childTnLst>
+                          </p:cTn>
+                        </p:par>
+                      </p:childTnLst>
+                    </p:cTn>
+                  </p:par>
+                </p:childTnLst>
+              </p:cTn>
+              <p:prevCondLst>
+                <p:cond evt="onPrev" delay="0">
+                  <p:tgtEl>
+                    <p:sldTgt/>
+                  </p:tgtEl>
+                </p:cond>
+              </p:prevCondLst>
+              <p:nextCondLst>
+                <p:cond evt="onNext" delay="0">
+                  <p:tgtEl>
+                    <p:sldTgt/>
+                  </p:tgtEl>
+                </p:cond>
+              </p:nextCondLst>
+            </p:seq>
+          </p:childTnLst>
+        </p:cTn>
+      </p:par>
+    </p:tnLst>
+  </p:timing>
+</p:sld>
+</file>
+
+<file path=ppt/slides/slide11.xml><?xml version="1.0" encoding="utf-8"?>
+<p:sld xmlns:a="http://schemas.openxmlformats.org/drawingml/2006/main" xmlns:r="http://schemas.openxmlformats.org/officeDocument/2006/relationships" xmlns:p="http://schemas.openxmlformats.org/presentationml/2006/main">
+  <p:cSld>
+    <p:spTree>
+      <p:nvGrpSpPr>
+        <p:cNvPr id="1" name=""/>
+        <p:cNvGrpSpPr/>
+        <p:nvPr/>
+      </p:nvGrpSpPr>
+      <p:grpSpPr>
+        <a:xfrm>
+          <a:off x="0" y="0"/>
+          <a:ext cx="0" cy="0"/>
+          <a:chOff x="0" y="0"/>
+          <a:chExt cx="0" cy="0"/>
+        </a:xfrm>
+      </p:grpSpPr>
+      <p:sp>
+        <p:nvSpPr>
+          <p:cNvPr id="2" name="内容占位符 1"/>
+          <p:cNvSpPr>
+            <a:spLocks noGrp="1"/>
+          </p:cNvSpPr>
+          <p:nvPr>
+            <p:ph sz="quarter" idx="10"/>
+          </p:nvPr>
+        </p:nvSpPr>
+        <p:spPr/>
+        <p:txBody>
+          <a:bodyPr/>
+          <a:lstStyle/>
+          <a:p>
             <a:r>
               <a:rPr lang="zh-CN" altLang="en-US" dirty="0">
                 <a:solidFill>
@@ -4108,7 +4370,7 @@
 </p:sld>
 </file>
 
-<file path=ppt/slides/slide11.xml><?xml version="1.0" encoding="utf-8"?>
+<file path=ppt/slides/slide12.xml><?xml version="1.0" encoding="utf-8"?>
 <p:sld xmlns:a="http://schemas.openxmlformats.org/drawingml/2006/main" xmlns:r="http://schemas.openxmlformats.org/officeDocument/2006/relationships" xmlns:p="http://schemas.openxmlformats.org/presentationml/2006/main">
   <p:cSld>
     <p:spTree>
@@ -4280,7 +4542,19 @@
             </a:pPr>
             <a:r>
               <a:rPr lang="zh-CN" altLang="en-US" sz="2800" dirty="0"/>
-              <a:t>利用此特性可以判断用户选择的文件是否为某特定类型文件，如果在批量上传时，只允许上传该类型文件，可以利用此属性。</a:t>
+              <a:t>利用此特性可以</a:t>
+            </a:r>
+            <a:r>
+              <a:rPr lang="zh-CN" altLang="en-US" sz="2800" dirty="0">
+                <a:solidFill>
+                  <a:srgbClr val="FF0000"/>
+                </a:solidFill>
+              </a:rPr>
+              <a:t>判断用户选择的文件是否为某特定类型文件</a:t>
+            </a:r>
+            <a:r>
+              <a:rPr lang="zh-CN" altLang="en-US" sz="2800" dirty="0"/>
+              <a:t>，如果在批量上传时，只允许上传该类型文件，可以利用此属性。</a:t>
             </a:r>
           </a:p>
           <a:p>
@@ -4426,7 +4700,7 @@
 </p:sld>
 </file>
 
-<file path=ppt/slides/slide12.xml><?xml version="1.0" encoding="utf-8"?>
+<file path=ppt/slides/slide13.xml><?xml version="1.0" encoding="utf-8"?>
 <p:sld xmlns:a="http://schemas.openxmlformats.org/drawingml/2006/main" xmlns:r="http://schemas.openxmlformats.org/officeDocument/2006/relationships" xmlns:p="http://schemas.openxmlformats.org/presentationml/2006/main">
   <p:cSld>
     <p:spTree>
@@ -4470,7 +4744,15 @@
           <a:p>
             <a:r>
               <a:rPr lang="zh-CN" altLang="en-US" dirty="0"/>
-              <a:t>当用户选择的多个文件中有不是图像的文件时，可以弹出错误提示信息，并停止后面的文件上传，或者跳过这个文件，不上传该文件。</a:t>
+              <a:t>当用户选择的多个文件中有不是图像的文件时</a:t>
+            </a:r>
+            <a:r>
+              <a:rPr lang="zh-CN" altLang="en-US" dirty="0" smtClean="0"/>
+              <a:t>，弹</a:t>
+            </a:r>
+            <a:r>
+              <a:rPr lang="zh-CN" altLang="en-US" dirty="0"/>
+              <a:t>出错误提示信息，并停止后面的文件上传，或者跳过这个文件，不上传该文件。</a:t>
             </a:r>
           </a:p>
         </p:txBody>
@@ -4936,7 +5218,7 @@
 </p:sld>
 </file>
 
-<file path=ppt/slides/slide13.xml><?xml version="1.0" encoding="utf-8"?>
+<file path=ppt/slides/slide14.xml><?xml version="1.0" encoding="utf-8"?>
 <p:sld xmlns:a="http://schemas.openxmlformats.org/drawingml/2006/main" xmlns:r="http://schemas.openxmlformats.org/officeDocument/2006/relationships" xmlns:p="http://schemas.openxmlformats.org/presentationml/2006/main">
   <p:cSld>
     <p:spTree>
@@ -5490,7 +5772,7 @@
 </p:sld>
 </file>
 
-<file path=ppt/slides/slide14.xml><?xml version="1.0" encoding="utf-8"?>
+<file path=ppt/slides/slide15.xml><?xml version="1.0" encoding="utf-8"?>
 <p:sld xmlns:a="http://schemas.openxmlformats.org/drawingml/2006/main" xmlns:r="http://schemas.openxmlformats.org/officeDocument/2006/relationships" xmlns:p="http://schemas.openxmlformats.org/presentationml/2006/main">
   <p:cSld>
     <p:spTree>
@@ -5583,31 +5865,27 @@
             </a:r>
             <a:r>
               <a:rPr lang="zh-CN" altLang="en-US" dirty="0" smtClean="0"/>
-              <a:t>文件内容</a:t>
+              <a:t>文件</a:t>
             </a:r>
             <a:r>
               <a:rPr lang="zh-CN" altLang="en-US" dirty="0"/>
-              <a:t>，可以使用</a:t>
+              <a:t>内容。它的参数是 </a:t>
             </a:r>
             <a:r>
               <a:rPr lang="en-US" altLang="zh-CN" dirty="0"/>
-              <a:t>File</a:t>
+              <a:t>File </a:t>
             </a:r>
             <a:r>
               <a:rPr lang="zh-CN" altLang="en-US" dirty="0"/>
-              <a:t>对象或者</a:t>
+              <a:t>对象或 </a:t>
             </a:r>
             <a:r>
               <a:rPr lang="en-US" altLang="zh-CN" dirty="0"/>
-              <a:t>Blob</a:t>
-            </a:r>
-            <a:r>
-              <a:rPr lang="zh-CN" altLang="en-US" dirty="0"/>
-              <a:t>对象来指定所要处理的文件或数据</a:t>
-            </a:r>
-            <a:r>
-              <a:rPr lang="zh-CN" altLang="en-US" dirty="0" smtClean="0"/>
-              <a:t>。</a:t>
+              <a:t>Blob </a:t>
+            </a:r>
+            <a:r>
+              <a:rPr lang="zh-CN" altLang="en-US"/>
+              <a:t>对象。</a:t>
             </a:r>
             <a:endParaRPr lang="en-US" altLang="zh-CN" dirty="0" smtClean="0"/>
           </a:p>
@@ -5864,7 +6142,7 @@
 </p:sld>
 </file>
 
-<file path=ppt/slides/slide15.xml><?xml version="1.0" encoding="utf-8"?>
+<file path=ppt/slides/slide16.xml><?xml version="1.0" encoding="utf-8"?>
 <p:sld xmlns:a="http://schemas.openxmlformats.org/drawingml/2006/main" xmlns:r="http://schemas.openxmlformats.org/officeDocument/2006/relationships" xmlns:p="http://schemas.openxmlformats.org/presentationml/2006/main">
   <p:cSld>
     <p:spTree>
@@ -6065,15 +6343,7 @@
                   <a:srgbClr val="000000"/>
                 </a:solidFill>
               </a:rPr>
-              <a:t>if ( </a:t>
-            </a:r>
-            <a:r>
-              <a:rPr lang="en-US" altLang="zh-CN" sz="2700" dirty="0" smtClean="0">
-                <a:solidFill>
-                  <a:srgbClr val="000000"/>
-                </a:solidFill>
-              </a:rPr>
-              <a:t>! </a:t>
+              <a:t>if ( ! </a:t>
             </a:r>
             <a:r>
               <a:rPr lang="en-US" altLang="zh-CN" sz="2700" dirty="0" err="1" smtClean="0">
@@ -6089,15 +6359,7 @@
                   <a:srgbClr val="000000"/>
                 </a:solidFill>
               </a:rPr>
-              <a:t> </a:t>
-            </a:r>
-            <a:r>
-              <a:rPr lang="en-US" altLang="zh-CN" sz="2700" dirty="0" smtClean="0">
-                <a:solidFill>
-                  <a:srgbClr val="000000"/>
-                </a:solidFill>
-              </a:rPr>
-              <a:t>)</a:t>
+              <a:t> )</a:t>
             </a:r>
             <a:endParaRPr lang="en-US" altLang="zh-CN" sz="2700" dirty="0">
               <a:solidFill>
@@ -6117,7 +6379,7 @@
                   <a:srgbClr val="000000"/>
                 </a:solidFill>
               </a:rPr>
-              <a:t>	{           </a:t>
+              <a:t>	  {           </a:t>
             </a:r>
             <a:endParaRPr lang="en-US" altLang="zh-CN" sz="2700" dirty="0">
               <a:solidFill>
@@ -6208,7 +6470,7 @@
                   <a:srgbClr val="000000"/>
                 </a:solidFill>
               </a:rPr>
-              <a:t>	} </a:t>
+              <a:t>	  } </a:t>
             </a:r>
             <a:endParaRPr lang="en-US" altLang="zh-CN" sz="2700" dirty="0">
               <a:solidFill>
@@ -6248,7 +6510,7 @@
                   <a:srgbClr val="000000"/>
                 </a:solidFill>
               </a:rPr>
-              <a:t>	{                  </a:t>
+              <a:t>	  {                  </a:t>
             </a:r>
             <a:endParaRPr lang="en-US" altLang="zh-CN" sz="2700" dirty="0">
               <a:solidFill>
@@ -6344,7 +6606,7 @@
                   <a:srgbClr val="000000"/>
                 </a:solidFill>
               </a:rPr>
-              <a:t>	}</a:t>
+              <a:t>	  }</a:t>
             </a:r>
             <a:r>
               <a:rPr lang="zh-CN" altLang="en-US" sz="2700" dirty="0" smtClean="0">
@@ -6382,7 +6644,7 @@
 </p:sld>
 </file>
 
-<file path=ppt/slides/slide16.xml><?xml version="1.0" encoding="utf-8"?>
+<file path=ppt/slides/slide17.xml><?xml version="1.0" encoding="utf-8"?>
 <p:sld xmlns:a="http://schemas.openxmlformats.org/drawingml/2006/main" xmlns:r="http://schemas.openxmlformats.org/officeDocument/2006/relationships" xmlns:p="http://schemas.openxmlformats.org/presentationml/2006/main">
   <p:cSld>
     <p:spTree>
@@ -6494,7 +6756,11 @@
               <a:t>的</a:t>
             </a:r>
             <a:r>
-              <a:rPr lang="en-US" altLang="zh-CN" sz="2400" dirty="0"/>
+              <a:rPr lang="en-US" altLang="zh-CN" sz="2400" dirty="0">
+                <a:solidFill>
+                  <a:srgbClr val="FF0000"/>
+                </a:solidFill>
+              </a:rPr>
               <a:t>result</a:t>
             </a:r>
             <a:r>
@@ -6554,7 +6820,7 @@
           <p:nvPr>
             <p:extLst>
               <p:ext uri="{D42A27DB-BD31-4B8C-83A1-F6EECF244321}">
-                <p14:modId xmlns:p14="http://schemas.microsoft.com/office/powerpoint/2010/main" val="1866046287"/>
+                <p14:modId xmlns:p14="http://schemas.microsoft.com/office/powerpoint/2010/main" val="3898762655"/>
               </p:ext>
             </p:extLst>
           </p:nvPr>
@@ -6573,21 +6839,21 @@
                 <a:gridCol w="2952328">
                   <a:extLst>
                     <a:ext uri="{9D8B030D-6E8A-4147-A177-3AD203B41FA5}">
-                      <a16:colId xmlns:a16="http://schemas.microsoft.com/office/drawing/2014/main" val="20000"/>
+                      <a16:colId xmlns="" xmlns:a16="http://schemas.microsoft.com/office/drawing/2014/main" val="20000"/>
                     </a:ext>
                   </a:extLst>
                 </a:gridCol>
                 <a:gridCol w="1728192">
                   <a:extLst>
                     <a:ext uri="{9D8B030D-6E8A-4147-A177-3AD203B41FA5}">
-                      <a16:colId xmlns:a16="http://schemas.microsoft.com/office/drawing/2014/main" val="20001"/>
+                      <a16:colId xmlns="" xmlns:a16="http://schemas.microsoft.com/office/drawing/2014/main" val="20001"/>
                     </a:ext>
                   </a:extLst>
                 </a:gridCol>
                 <a:gridCol w="5587373">
                   <a:extLst>
                     <a:ext uri="{9D8B030D-6E8A-4147-A177-3AD203B41FA5}">
-                      <a16:colId xmlns:a16="http://schemas.microsoft.com/office/drawing/2014/main" val="20002"/>
+                      <a16:colId xmlns="" xmlns:a16="http://schemas.microsoft.com/office/drawing/2014/main" val="20002"/>
                     </a:ext>
                   </a:extLst>
                 </a:gridCol>
@@ -6598,7 +6864,7 @@
                     <a:bodyPr/>
                     <a:lstStyle/>
                     <a:p>
-                      <a:pPr indent="254000" algn="l">
+                      <a:pPr indent="254000" algn="ctr">
                         <a:spcBef>
                           <a:spcPts val="120"/>
                         </a:spcBef>
@@ -6607,7 +6873,7 @@
                         </a:spcAft>
                       </a:pPr>
                       <a:r>
-                        <a:rPr lang="zh-CN" sz="2800" kern="1000" dirty="0">
+                        <a:rPr lang="zh-CN" sz="2600" kern="1000" dirty="0">
                           <a:solidFill>
                             <a:srgbClr val="000000"/>
                           </a:solidFill>
@@ -6632,7 +6898,7 @@
                     <a:bodyPr/>
                     <a:lstStyle/>
                     <a:p>
-                      <a:pPr indent="254000" algn="l">
+                      <a:pPr indent="254000" algn="ctr">
                         <a:spcBef>
                           <a:spcPts val="120"/>
                         </a:spcBef>
@@ -6641,7 +6907,7 @@
                         </a:spcAft>
                       </a:pPr>
                       <a:r>
-                        <a:rPr lang="zh-CN" sz="2800" kern="1000" dirty="0">
+                        <a:rPr lang="zh-CN" sz="2600" kern="1000" dirty="0">
                           <a:solidFill>
                             <a:srgbClr val="000000"/>
                           </a:solidFill>
@@ -6666,7 +6932,7 @@
                     <a:bodyPr/>
                     <a:lstStyle/>
                     <a:p>
-                      <a:pPr indent="254000" algn="l">
+                      <a:pPr indent="254000" algn="ctr">
                         <a:spcBef>
                           <a:spcPts val="120"/>
                         </a:spcBef>
@@ -6675,7 +6941,7 @@
                         </a:spcAft>
                       </a:pPr>
                       <a:r>
-                        <a:rPr lang="zh-CN" sz="2800" kern="1000" dirty="0">
+                        <a:rPr lang="zh-CN" sz="2600" kern="1000" dirty="0">
                           <a:solidFill>
                             <a:srgbClr val="000000"/>
                           </a:solidFill>
@@ -6697,7 +6963,7 @@
                 </a:tc>
                 <a:extLst>
                   <a:ext uri="{0D108BD9-81ED-4DB2-BD59-A6C34878D82A}">
-                    <a16:rowId xmlns:a16="http://schemas.microsoft.com/office/drawing/2014/main" val="10000"/>
+                    <a16:rowId xmlns="" xmlns:a16="http://schemas.microsoft.com/office/drawing/2014/main" val="10000"/>
                   </a:ext>
                 </a:extLst>
               </a:tr>
@@ -6799,7 +7065,7 @@
                 </a:tc>
                 <a:extLst>
                   <a:ext uri="{0D108BD9-81ED-4DB2-BD59-A6C34878D82A}">
-                    <a16:rowId xmlns:a16="http://schemas.microsoft.com/office/drawing/2014/main" val="10001"/>
+                    <a16:rowId xmlns="" xmlns:a16="http://schemas.microsoft.com/office/drawing/2014/main" val="10001"/>
                   </a:ext>
                 </a:extLst>
               </a:tr>
@@ -6921,7 +7187,7 @@
                 </a:tc>
                 <a:extLst>
                   <a:ext uri="{0D108BD9-81ED-4DB2-BD59-A6C34878D82A}">
-                    <a16:rowId xmlns:a16="http://schemas.microsoft.com/office/drawing/2014/main" val="10002"/>
+                    <a16:rowId xmlns="" xmlns:a16="http://schemas.microsoft.com/office/drawing/2014/main" val="10002"/>
                   </a:ext>
                 </a:extLst>
               </a:tr>
@@ -6940,7 +7206,7 @@
                         </a:spcAft>
                       </a:pPr>
                       <a:r>
-                        <a:rPr lang="en-US" sz="2400" kern="1000">
+                        <a:rPr lang="en-US" sz="2400" kern="1000" dirty="0" err="1">
                           <a:solidFill>
                             <a:srgbClr val="000000"/>
                           </a:solidFill>
@@ -6949,7 +7215,7 @@
                         </a:rPr>
                         <a:t>readAsDataURL</a:t>
                       </a:r>
-                      <a:endParaRPr lang="zh-CN" sz="2400" kern="1000">
+                      <a:endParaRPr lang="zh-CN" sz="2400" kern="1000" dirty="0">
                         <a:solidFill>
                           <a:srgbClr val="000000"/>
                         </a:solidFill>
@@ -7113,7 +7379,7 @@
                 </a:tc>
                 <a:extLst>
                   <a:ext uri="{0D108BD9-81ED-4DB2-BD59-A6C34878D82A}">
-                    <a16:rowId xmlns:a16="http://schemas.microsoft.com/office/drawing/2014/main" val="10003"/>
+                    <a16:rowId xmlns="" xmlns:a16="http://schemas.microsoft.com/office/drawing/2014/main" val="10003"/>
                   </a:ext>
                 </a:extLst>
               </a:tr>
@@ -7255,7 +7521,7 @@
                 </a:tc>
                 <a:extLst>
                   <a:ext uri="{0D108BD9-81ED-4DB2-BD59-A6C34878D82A}">
-                    <a16:rowId xmlns:a16="http://schemas.microsoft.com/office/drawing/2014/main" val="10004"/>
+                    <a16:rowId xmlns="" xmlns:a16="http://schemas.microsoft.com/office/drawing/2014/main" val="10004"/>
                   </a:ext>
                 </a:extLst>
               </a:tr>
@@ -7283,7 +7549,7 @@
 </p:sld>
 </file>
 
-<file path=ppt/slides/slide17.xml><?xml version="1.0" encoding="utf-8"?>
+<file path=ppt/slides/slide18.xml><?xml version="1.0" encoding="utf-8"?>
 <p:sld xmlns:a="http://schemas.openxmlformats.org/drawingml/2006/main" xmlns:r="http://schemas.openxmlformats.org/officeDocument/2006/relationships" xmlns:p="http://schemas.openxmlformats.org/presentationml/2006/main">
   <p:cSld>
     <p:spTree>
@@ -7426,14 +7692,14 @@
                 <a:gridCol w="2985176">
                   <a:extLst>
                     <a:ext uri="{9D8B030D-6E8A-4147-A177-3AD203B41FA5}">
-                      <a16:colId xmlns:a16="http://schemas.microsoft.com/office/drawing/2014/main" val="20000"/>
+                      <a16:colId xmlns="" xmlns:a16="http://schemas.microsoft.com/office/drawing/2014/main" val="20000"/>
                     </a:ext>
                   </a:extLst>
                 </a:gridCol>
                 <a:gridCol w="5548777">
                   <a:extLst>
                     <a:ext uri="{9D8B030D-6E8A-4147-A177-3AD203B41FA5}">
-                      <a16:colId xmlns:a16="http://schemas.microsoft.com/office/drawing/2014/main" val="20001"/>
+                      <a16:colId xmlns="" xmlns:a16="http://schemas.microsoft.com/office/drawing/2014/main" val="20001"/>
                     </a:ext>
                   </a:extLst>
                 </a:gridCol>
@@ -7511,7 +7777,7 @@
                 </a:tc>
                 <a:extLst>
                   <a:ext uri="{0D108BD9-81ED-4DB2-BD59-A6C34878D82A}">
-                    <a16:rowId xmlns:a16="http://schemas.microsoft.com/office/drawing/2014/main" val="10000"/>
+                    <a16:rowId xmlns="" xmlns:a16="http://schemas.microsoft.com/office/drawing/2014/main" val="10000"/>
                   </a:ext>
                 </a:extLst>
               </a:tr>
@@ -7605,7 +7871,7 @@
                 </a:tc>
                 <a:extLst>
                   <a:ext uri="{0D108BD9-81ED-4DB2-BD59-A6C34878D82A}">
-                    <a16:rowId xmlns:a16="http://schemas.microsoft.com/office/drawing/2014/main" val="10001"/>
+                    <a16:rowId xmlns="" xmlns:a16="http://schemas.microsoft.com/office/drawing/2014/main" val="10001"/>
                   </a:ext>
                 </a:extLst>
               </a:tr>
@@ -7699,7 +7965,7 @@
                 </a:tc>
                 <a:extLst>
                   <a:ext uri="{0D108BD9-81ED-4DB2-BD59-A6C34878D82A}">
-                    <a16:rowId xmlns:a16="http://schemas.microsoft.com/office/drawing/2014/main" val="10002"/>
+                    <a16:rowId xmlns="" xmlns:a16="http://schemas.microsoft.com/office/drawing/2014/main" val="10002"/>
                   </a:ext>
                 </a:extLst>
               </a:tr>
@@ -7786,7 +8052,7 @@
                 </a:tc>
                 <a:extLst>
                   <a:ext uri="{0D108BD9-81ED-4DB2-BD59-A6C34878D82A}">
-                    <a16:rowId xmlns:a16="http://schemas.microsoft.com/office/drawing/2014/main" val="10003"/>
+                    <a16:rowId xmlns="" xmlns:a16="http://schemas.microsoft.com/office/drawing/2014/main" val="10003"/>
                   </a:ext>
                 </a:extLst>
               </a:tr>
@@ -7872,7 +8138,7 @@
                 </a:tc>
                 <a:extLst>
                   <a:ext uri="{0D108BD9-81ED-4DB2-BD59-A6C34878D82A}">
-                    <a16:rowId xmlns:a16="http://schemas.microsoft.com/office/drawing/2014/main" val="10004"/>
+                    <a16:rowId xmlns="" xmlns:a16="http://schemas.microsoft.com/office/drawing/2014/main" val="10004"/>
                   </a:ext>
                 </a:extLst>
               </a:tr>
@@ -7958,7 +8224,7 @@
                 </a:tc>
                 <a:extLst>
                   <a:ext uri="{0D108BD9-81ED-4DB2-BD59-A6C34878D82A}">
-                    <a16:rowId xmlns:a16="http://schemas.microsoft.com/office/drawing/2014/main" val="10005"/>
+                    <a16:rowId xmlns="" xmlns:a16="http://schemas.microsoft.com/office/drawing/2014/main" val="10005"/>
                   </a:ext>
                 </a:extLst>
               </a:tr>
@@ -8038,7 +8304,7 @@
                 </a:tc>
                 <a:extLst>
                   <a:ext uri="{0D108BD9-81ED-4DB2-BD59-A6C34878D82A}">
-                    <a16:rowId xmlns:a16="http://schemas.microsoft.com/office/drawing/2014/main" val="10006"/>
+                    <a16:rowId xmlns="" xmlns:a16="http://schemas.microsoft.com/office/drawing/2014/main" val="10006"/>
                   </a:ext>
                 </a:extLst>
               </a:tr>
@@ -8050,604 +8316,6 @@
     <p:extLst>
       <p:ext uri="{BB962C8B-B14F-4D97-AF65-F5344CB8AC3E}">
         <p14:creationId xmlns:p14="http://schemas.microsoft.com/office/powerpoint/2010/main" val="712418179"/>
-      </p:ext>
-    </p:extLst>
-  </p:cSld>
-  <p:clrMapOvr>
-    <a:masterClrMapping/>
-  </p:clrMapOvr>
-  <p:timing>
-    <p:tnLst>
-      <p:par>
-        <p:cTn id="1" dur="indefinite" restart="never" nodeType="tmRoot"/>
-      </p:par>
-    </p:tnLst>
-  </p:timing>
-</p:sld>
-</file>
-
-<file path=ppt/slides/slide18.xml><?xml version="1.0" encoding="utf-8"?>
-<p:sld xmlns:a="http://schemas.openxmlformats.org/drawingml/2006/main" xmlns:r="http://schemas.openxmlformats.org/officeDocument/2006/relationships" xmlns:p="http://schemas.openxmlformats.org/presentationml/2006/main">
-  <p:cSld>
-    <p:spTree>
-      <p:nvGrpSpPr>
-        <p:cNvPr id="1" name=""/>
-        <p:cNvGrpSpPr/>
-        <p:nvPr/>
-      </p:nvGrpSpPr>
-      <p:grpSpPr>
-        <a:xfrm>
-          <a:off x="0" y="0"/>
-          <a:ext cx="0" cy="0"/>
-          <a:chOff x="0" y="0"/>
-          <a:chExt cx="0" cy="0"/>
-        </a:xfrm>
-      </p:grpSpPr>
-      <p:sp>
-        <p:nvSpPr>
-          <p:cNvPr id="2" name="内容占位符 1"/>
-          <p:cNvSpPr>
-            <a:spLocks noGrp="1"/>
-          </p:cNvSpPr>
-          <p:nvPr>
-            <p:ph sz="quarter" idx="10"/>
-          </p:nvPr>
-        </p:nvSpPr>
-        <p:spPr>
-          <a:xfrm>
-            <a:off x="756285" y="1246505"/>
-            <a:ext cx="10814223" cy="5135848"/>
-          </a:xfrm>
-        </p:spPr>
-        <p:txBody>
-          <a:bodyPr/>
-          <a:lstStyle/>
-          <a:p>
-            <a:pPr marL="374650" lvl="1">
-              <a:spcBef>
-                <a:spcPts val="600"/>
-              </a:spcBef>
-              <a:spcAft>
-                <a:spcPts val="600"/>
-              </a:spcAft>
-              <a:buClr>
-                <a:schemeClr val="accent1">
-                  <a:lumMod val="75000"/>
-                </a:schemeClr>
-              </a:buClr>
-              <a:buSzPct val="110000"/>
-              <a:buBlip>
-                <a:blip r:embed="rId2"/>
-              </a:buBlip>
-            </a:pPr>
-            <a:r>
-              <a:rPr lang="zh-CN" altLang="en-US" dirty="0" smtClean="0"/>
-              <a:t>使用 </a:t>
-            </a:r>
-            <a:r>
-              <a:rPr lang="en-US" altLang="zh-CN" dirty="0" err="1" smtClean="0"/>
-              <a:t>FileReader</a:t>
-            </a:r>
-            <a:r>
-              <a:rPr lang="en-US" altLang="zh-CN" dirty="0" smtClean="0"/>
-              <a:t> </a:t>
-            </a:r>
-            <a:r>
-              <a:rPr lang="zh-CN" altLang="en-US" dirty="0" smtClean="0"/>
-              <a:t>对象的 </a:t>
-            </a:r>
-            <a:r>
-              <a:rPr lang="en-US" altLang="zh-CN" dirty="0" err="1" smtClean="0"/>
-              <a:t>readAsDataURL</a:t>
-            </a:r>
-            <a:r>
-              <a:rPr lang="en-US" altLang="zh-CN" dirty="0"/>
-              <a:t>()</a:t>
-            </a:r>
-            <a:r>
-              <a:rPr lang="zh-CN" altLang="en-US" dirty="0"/>
-              <a:t>、</a:t>
-            </a:r>
-            <a:r>
-              <a:rPr lang="en-US" altLang="zh-CN" dirty="0" err="1"/>
-              <a:t>readAsBinaryString</a:t>
-            </a:r>
-            <a:r>
-              <a:rPr lang="en-US" altLang="zh-CN" dirty="0"/>
-              <a:t>()</a:t>
-            </a:r>
-            <a:r>
-              <a:rPr lang="zh-CN" altLang="en-US" dirty="0"/>
-              <a:t>、</a:t>
-            </a:r>
-            <a:r>
-              <a:rPr lang="en-US" altLang="zh-CN" dirty="0" err="1"/>
-              <a:t>readAsText</a:t>
-            </a:r>
-            <a:r>
-              <a:rPr lang="en-US" altLang="zh-CN" dirty="0" smtClean="0"/>
-              <a:t>()</a:t>
-            </a:r>
-            <a:r>
-              <a:rPr lang="zh-CN" altLang="en-US" dirty="0" smtClean="0"/>
-              <a:t>方法</a:t>
-            </a:r>
-            <a:r>
-              <a:rPr lang="zh-CN" altLang="en-US" dirty="0"/>
-              <a:t>实现图片的预览</a:t>
-            </a:r>
-          </a:p>
-        </p:txBody>
-      </p:sp>
-      <p:sp>
-        <p:nvSpPr>
-          <p:cNvPr id="3" name="内容占位符 2"/>
-          <p:cNvSpPr>
-            <a:spLocks noGrp="1"/>
-          </p:cNvSpPr>
-          <p:nvPr>
-            <p:ph sz="quarter" idx="11"/>
-          </p:nvPr>
-        </p:nvSpPr>
-        <p:spPr/>
-        <p:txBody>
-          <a:bodyPr/>
-          <a:lstStyle/>
-          <a:p>
-            <a:pPr>
-              <a:buClrTx/>
-            </a:pPr>
-            <a:r>
-              <a:rPr lang="zh-CN" altLang="en-US" dirty="0"/>
-              <a:t>实现图片的预览</a:t>
-            </a:r>
-          </a:p>
-        </p:txBody>
-      </p:sp>
-      <p:sp>
-        <p:nvSpPr>
-          <p:cNvPr id="5" name="Text Box 4"/>
-          <p:cNvSpPr txBox="1">
-            <a:spLocks noChangeArrowheads="1"/>
-          </p:cNvSpPr>
-          <p:nvPr/>
-        </p:nvSpPr>
-        <p:spPr bwMode="auto">
-          <a:xfrm>
-            <a:off x="9054965" y="6093296"/>
-            <a:ext cx="2559012" cy="525401"/>
-          </a:xfrm>
-          <a:prstGeom prst="rect">
-            <a:avLst/>
-          </a:prstGeom>
-          <a:noFill/>
-          <a:ln>
-            <a:noFill/>
-          </a:ln>
-          <a:extLst>
-            <a:ext uri="{909E8E84-426E-40DD-AFC4-6F175D3DCCD1}">
-              <a14:hiddenFill xmlns:a14="http://schemas.microsoft.com/office/drawing/2010/main">
-                <a:solidFill>
-                  <a:srgbClr val="FFFFFF"/>
-                </a:solidFill>
-              </a14:hiddenFill>
-            </a:ext>
-            <a:ext uri="{91240B29-F687-4F45-9708-019B960494DF}">
-              <a14:hiddenLine xmlns:a14="http://schemas.microsoft.com/office/drawing/2010/main" w="9525">
-                <a:solidFill>
-                  <a:srgbClr val="000000"/>
-                </a:solidFill>
-                <a:round/>
-                <a:headEnd/>
-                <a:tailEnd/>
-              </a14:hiddenLine>
-            </a:ext>
-          </a:extLst>
-        </p:spPr>
-        <p:txBody>
-          <a:bodyPr wrap="none" lIns="90000" tIns="46800" rIns="90000" bIns="46800">
-            <a:spAutoFit/>
-          </a:bodyPr>
-          <a:lstStyle>
-            <a:lvl1pPr>
-              <a:tabLst>
-                <a:tab pos="0" algn="l"/>
-                <a:tab pos="447675" algn="l"/>
-                <a:tab pos="896938" algn="l"/>
-                <a:tab pos="1346200" algn="l"/>
-                <a:tab pos="1795463" algn="l"/>
-                <a:tab pos="2244725" algn="l"/>
-                <a:tab pos="2693988" algn="l"/>
-                <a:tab pos="3143250" algn="l"/>
-                <a:tab pos="3592513" algn="l"/>
-                <a:tab pos="4041775" algn="l"/>
-                <a:tab pos="4491038" algn="l"/>
-                <a:tab pos="4940300" algn="l"/>
-                <a:tab pos="5389563" algn="l"/>
-                <a:tab pos="5838825" algn="l"/>
-                <a:tab pos="6288088" algn="l"/>
-                <a:tab pos="6737350" algn="l"/>
-                <a:tab pos="7186613" algn="l"/>
-                <a:tab pos="7635875" algn="l"/>
-                <a:tab pos="8085138" algn="l"/>
-                <a:tab pos="8534400" algn="l"/>
-                <a:tab pos="8983663" algn="l"/>
-              </a:tabLst>
-              <a:defRPr kumimoji="1" sz="3200">
-                <a:solidFill>
-                  <a:schemeClr val="bg1"/>
-                </a:solidFill>
-                <a:latin typeface="Arial" panose="020B0604020202020204" pitchFamily="34" charset="0"/>
-                <a:ea typeface="微软雅黑" panose="020B0503020204020204" pitchFamily="34" charset="-122"/>
-              </a:defRPr>
-            </a:lvl1pPr>
-            <a:lvl2pPr>
-              <a:tabLst>
-                <a:tab pos="0" algn="l"/>
-                <a:tab pos="447675" algn="l"/>
-                <a:tab pos="896938" algn="l"/>
-                <a:tab pos="1346200" algn="l"/>
-                <a:tab pos="1795463" algn="l"/>
-                <a:tab pos="2244725" algn="l"/>
-                <a:tab pos="2693988" algn="l"/>
-                <a:tab pos="3143250" algn="l"/>
-                <a:tab pos="3592513" algn="l"/>
-                <a:tab pos="4041775" algn="l"/>
-                <a:tab pos="4491038" algn="l"/>
-                <a:tab pos="4940300" algn="l"/>
-                <a:tab pos="5389563" algn="l"/>
-                <a:tab pos="5838825" algn="l"/>
-                <a:tab pos="6288088" algn="l"/>
-                <a:tab pos="6737350" algn="l"/>
-                <a:tab pos="7186613" algn="l"/>
-                <a:tab pos="7635875" algn="l"/>
-                <a:tab pos="8085138" algn="l"/>
-                <a:tab pos="8534400" algn="l"/>
-                <a:tab pos="8983663" algn="l"/>
-              </a:tabLst>
-              <a:defRPr kumimoji="1" sz="3200">
-                <a:solidFill>
-                  <a:schemeClr val="bg1"/>
-                </a:solidFill>
-                <a:latin typeface="Arial" panose="020B0604020202020204" pitchFamily="34" charset="0"/>
-                <a:ea typeface="微软雅黑" panose="020B0503020204020204" pitchFamily="34" charset="-122"/>
-              </a:defRPr>
-            </a:lvl2pPr>
-            <a:lvl3pPr>
-              <a:tabLst>
-                <a:tab pos="0" algn="l"/>
-                <a:tab pos="447675" algn="l"/>
-                <a:tab pos="896938" algn="l"/>
-                <a:tab pos="1346200" algn="l"/>
-                <a:tab pos="1795463" algn="l"/>
-                <a:tab pos="2244725" algn="l"/>
-                <a:tab pos="2693988" algn="l"/>
-                <a:tab pos="3143250" algn="l"/>
-                <a:tab pos="3592513" algn="l"/>
-                <a:tab pos="4041775" algn="l"/>
-                <a:tab pos="4491038" algn="l"/>
-                <a:tab pos="4940300" algn="l"/>
-                <a:tab pos="5389563" algn="l"/>
-                <a:tab pos="5838825" algn="l"/>
-                <a:tab pos="6288088" algn="l"/>
-                <a:tab pos="6737350" algn="l"/>
-                <a:tab pos="7186613" algn="l"/>
-                <a:tab pos="7635875" algn="l"/>
-                <a:tab pos="8085138" algn="l"/>
-                <a:tab pos="8534400" algn="l"/>
-                <a:tab pos="8983663" algn="l"/>
-              </a:tabLst>
-              <a:defRPr kumimoji="1" sz="3200">
-                <a:solidFill>
-                  <a:schemeClr val="bg1"/>
-                </a:solidFill>
-                <a:latin typeface="Arial" panose="020B0604020202020204" pitchFamily="34" charset="0"/>
-                <a:ea typeface="微软雅黑" panose="020B0503020204020204" pitchFamily="34" charset="-122"/>
-              </a:defRPr>
-            </a:lvl3pPr>
-            <a:lvl4pPr>
-              <a:tabLst>
-                <a:tab pos="0" algn="l"/>
-                <a:tab pos="447675" algn="l"/>
-                <a:tab pos="896938" algn="l"/>
-                <a:tab pos="1346200" algn="l"/>
-                <a:tab pos="1795463" algn="l"/>
-                <a:tab pos="2244725" algn="l"/>
-                <a:tab pos="2693988" algn="l"/>
-                <a:tab pos="3143250" algn="l"/>
-                <a:tab pos="3592513" algn="l"/>
-                <a:tab pos="4041775" algn="l"/>
-                <a:tab pos="4491038" algn="l"/>
-                <a:tab pos="4940300" algn="l"/>
-                <a:tab pos="5389563" algn="l"/>
-                <a:tab pos="5838825" algn="l"/>
-                <a:tab pos="6288088" algn="l"/>
-                <a:tab pos="6737350" algn="l"/>
-                <a:tab pos="7186613" algn="l"/>
-                <a:tab pos="7635875" algn="l"/>
-                <a:tab pos="8085138" algn="l"/>
-                <a:tab pos="8534400" algn="l"/>
-                <a:tab pos="8983663" algn="l"/>
-              </a:tabLst>
-              <a:defRPr kumimoji="1" sz="3200">
-                <a:solidFill>
-                  <a:schemeClr val="bg1"/>
-                </a:solidFill>
-                <a:latin typeface="Arial" panose="020B0604020202020204" pitchFamily="34" charset="0"/>
-                <a:ea typeface="微软雅黑" panose="020B0503020204020204" pitchFamily="34" charset="-122"/>
-              </a:defRPr>
-            </a:lvl4pPr>
-            <a:lvl5pPr>
-              <a:tabLst>
-                <a:tab pos="0" algn="l"/>
-                <a:tab pos="447675" algn="l"/>
-                <a:tab pos="896938" algn="l"/>
-                <a:tab pos="1346200" algn="l"/>
-                <a:tab pos="1795463" algn="l"/>
-                <a:tab pos="2244725" algn="l"/>
-                <a:tab pos="2693988" algn="l"/>
-                <a:tab pos="3143250" algn="l"/>
-                <a:tab pos="3592513" algn="l"/>
-                <a:tab pos="4041775" algn="l"/>
-                <a:tab pos="4491038" algn="l"/>
-                <a:tab pos="4940300" algn="l"/>
-                <a:tab pos="5389563" algn="l"/>
-                <a:tab pos="5838825" algn="l"/>
-                <a:tab pos="6288088" algn="l"/>
-                <a:tab pos="6737350" algn="l"/>
-                <a:tab pos="7186613" algn="l"/>
-                <a:tab pos="7635875" algn="l"/>
-                <a:tab pos="8085138" algn="l"/>
-                <a:tab pos="8534400" algn="l"/>
-                <a:tab pos="8983663" algn="l"/>
-              </a:tabLst>
-              <a:defRPr kumimoji="1" sz="3200">
-                <a:solidFill>
-                  <a:schemeClr val="bg1"/>
-                </a:solidFill>
-                <a:latin typeface="Arial" panose="020B0604020202020204" pitchFamily="34" charset="0"/>
-                <a:ea typeface="微软雅黑" panose="020B0503020204020204" pitchFamily="34" charset="-122"/>
-              </a:defRPr>
-            </a:lvl5pPr>
-            <a:lvl6pPr marL="2514600" indent="-228600" defTabSz="449263" fontAlgn="base">
-              <a:spcBef>
-                <a:spcPct val="0"/>
-              </a:spcBef>
-              <a:spcAft>
-                <a:spcPct val="0"/>
-              </a:spcAft>
-              <a:buClr>
-                <a:srgbClr val="000000"/>
-              </a:buClr>
-              <a:buSzPct val="100000"/>
-              <a:buFont typeface="Times New Roman" panose="02020603050405020304" pitchFamily="18" charset="0"/>
-              <a:tabLst>
-                <a:tab pos="0" algn="l"/>
-                <a:tab pos="447675" algn="l"/>
-                <a:tab pos="896938" algn="l"/>
-                <a:tab pos="1346200" algn="l"/>
-                <a:tab pos="1795463" algn="l"/>
-                <a:tab pos="2244725" algn="l"/>
-                <a:tab pos="2693988" algn="l"/>
-                <a:tab pos="3143250" algn="l"/>
-                <a:tab pos="3592513" algn="l"/>
-                <a:tab pos="4041775" algn="l"/>
-                <a:tab pos="4491038" algn="l"/>
-                <a:tab pos="4940300" algn="l"/>
-                <a:tab pos="5389563" algn="l"/>
-                <a:tab pos="5838825" algn="l"/>
-                <a:tab pos="6288088" algn="l"/>
-                <a:tab pos="6737350" algn="l"/>
-                <a:tab pos="7186613" algn="l"/>
-                <a:tab pos="7635875" algn="l"/>
-                <a:tab pos="8085138" algn="l"/>
-                <a:tab pos="8534400" algn="l"/>
-                <a:tab pos="8983663" algn="l"/>
-              </a:tabLst>
-              <a:defRPr kumimoji="1" sz="3200">
-                <a:solidFill>
-                  <a:schemeClr val="bg1"/>
-                </a:solidFill>
-                <a:latin typeface="Arial" panose="020B0604020202020204" pitchFamily="34" charset="0"/>
-                <a:ea typeface="微软雅黑" panose="020B0503020204020204" pitchFamily="34" charset="-122"/>
-              </a:defRPr>
-            </a:lvl6pPr>
-            <a:lvl7pPr marL="2971800" indent="-228600" defTabSz="449263" fontAlgn="base">
-              <a:spcBef>
-                <a:spcPct val="0"/>
-              </a:spcBef>
-              <a:spcAft>
-                <a:spcPct val="0"/>
-              </a:spcAft>
-              <a:buClr>
-                <a:srgbClr val="000000"/>
-              </a:buClr>
-              <a:buSzPct val="100000"/>
-              <a:buFont typeface="Times New Roman" panose="02020603050405020304" pitchFamily="18" charset="0"/>
-              <a:tabLst>
-                <a:tab pos="0" algn="l"/>
-                <a:tab pos="447675" algn="l"/>
-                <a:tab pos="896938" algn="l"/>
-                <a:tab pos="1346200" algn="l"/>
-                <a:tab pos="1795463" algn="l"/>
-                <a:tab pos="2244725" algn="l"/>
-                <a:tab pos="2693988" algn="l"/>
-                <a:tab pos="3143250" algn="l"/>
-                <a:tab pos="3592513" algn="l"/>
-                <a:tab pos="4041775" algn="l"/>
-                <a:tab pos="4491038" algn="l"/>
-                <a:tab pos="4940300" algn="l"/>
-                <a:tab pos="5389563" algn="l"/>
-                <a:tab pos="5838825" algn="l"/>
-                <a:tab pos="6288088" algn="l"/>
-                <a:tab pos="6737350" algn="l"/>
-                <a:tab pos="7186613" algn="l"/>
-                <a:tab pos="7635875" algn="l"/>
-                <a:tab pos="8085138" algn="l"/>
-                <a:tab pos="8534400" algn="l"/>
-                <a:tab pos="8983663" algn="l"/>
-              </a:tabLst>
-              <a:defRPr kumimoji="1" sz="3200">
-                <a:solidFill>
-                  <a:schemeClr val="bg1"/>
-                </a:solidFill>
-                <a:latin typeface="Arial" panose="020B0604020202020204" pitchFamily="34" charset="0"/>
-                <a:ea typeface="微软雅黑" panose="020B0503020204020204" pitchFamily="34" charset="-122"/>
-              </a:defRPr>
-            </a:lvl7pPr>
-            <a:lvl8pPr marL="3429000" indent="-228600" defTabSz="449263" fontAlgn="base">
-              <a:spcBef>
-                <a:spcPct val="0"/>
-              </a:spcBef>
-              <a:spcAft>
-                <a:spcPct val="0"/>
-              </a:spcAft>
-              <a:buClr>
-                <a:srgbClr val="000000"/>
-              </a:buClr>
-              <a:buSzPct val="100000"/>
-              <a:buFont typeface="Times New Roman" panose="02020603050405020304" pitchFamily="18" charset="0"/>
-              <a:tabLst>
-                <a:tab pos="0" algn="l"/>
-                <a:tab pos="447675" algn="l"/>
-                <a:tab pos="896938" algn="l"/>
-                <a:tab pos="1346200" algn="l"/>
-                <a:tab pos="1795463" algn="l"/>
-                <a:tab pos="2244725" algn="l"/>
-                <a:tab pos="2693988" algn="l"/>
-                <a:tab pos="3143250" algn="l"/>
-                <a:tab pos="3592513" algn="l"/>
-                <a:tab pos="4041775" algn="l"/>
-                <a:tab pos="4491038" algn="l"/>
-                <a:tab pos="4940300" algn="l"/>
-                <a:tab pos="5389563" algn="l"/>
-                <a:tab pos="5838825" algn="l"/>
-                <a:tab pos="6288088" algn="l"/>
-                <a:tab pos="6737350" algn="l"/>
-                <a:tab pos="7186613" algn="l"/>
-                <a:tab pos="7635875" algn="l"/>
-                <a:tab pos="8085138" algn="l"/>
-                <a:tab pos="8534400" algn="l"/>
-                <a:tab pos="8983663" algn="l"/>
-              </a:tabLst>
-              <a:defRPr kumimoji="1" sz="3200">
-                <a:solidFill>
-                  <a:schemeClr val="bg1"/>
-                </a:solidFill>
-                <a:latin typeface="Arial" panose="020B0604020202020204" pitchFamily="34" charset="0"/>
-                <a:ea typeface="微软雅黑" panose="020B0503020204020204" pitchFamily="34" charset="-122"/>
-              </a:defRPr>
-            </a:lvl8pPr>
-            <a:lvl9pPr marL="3886200" indent="-228600" defTabSz="449263" fontAlgn="base">
-              <a:spcBef>
-                <a:spcPct val="0"/>
-              </a:spcBef>
-              <a:spcAft>
-                <a:spcPct val="0"/>
-              </a:spcAft>
-              <a:buClr>
-                <a:srgbClr val="000000"/>
-              </a:buClr>
-              <a:buSzPct val="100000"/>
-              <a:buFont typeface="Times New Roman" panose="02020603050405020304" pitchFamily="18" charset="0"/>
-              <a:tabLst>
-                <a:tab pos="0" algn="l"/>
-                <a:tab pos="447675" algn="l"/>
-                <a:tab pos="896938" algn="l"/>
-                <a:tab pos="1346200" algn="l"/>
-                <a:tab pos="1795463" algn="l"/>
-                <a:tab pos="2244725" algn="l"/>
-                <a:tab pos="2693988" algn="l"/>
-                <a:tab pos="3143250" algn="l"/>
-                <a:tab pos="3592513" algn="l"/>
-                <a:tab pos="4041775" algn="l"/>
-                <a:tab pos="4491038" algn="l"/>
-                <a:tab pos="4940300" algn="l"/>
-                <a:tab pos="5389563" algn="l"/>
-                <a:tab pos="5838825" algn="l"/>
-                <a:tab pos="6288088" algn="l"/>
-                <a:tab pos="6737350" algn="l"/>
-                <a:tab pos="7186613" algn="l"/>
-                <a:tab pos="7635875" algn="l"/>
-                <a:tab pos="8085138" algn="l"/>
-                <a:tab pos="8534400" algn="l"/>
-                <a:tab pos="8983663" algn="l"/>
-              </a:tabLst>
-              <a:defRPr kumimoji="1" sz="3200">
-                <a:solidFill>
-                  <a:schemeClr val="bg1"/>
-                </a:solidFill>
-                <a:latin typeface="Arial" panose="020B0604020202020204" pitchFamily="34" charset="0"/>
-                <a:ea typeface="微软雅黑" panose="020B0503020204020204" pitchFamily="34" charset="-122"/>
-              </a:defRPr>
-            </a:lvl9pPr>
-          </a:lstStyle>
-          <a:p>
-            <a:pPr>
-              <a:buClrTx/>
-              <a:buFontTx/>
-              <a:buNone/>
-            </a:pPr>
-            <a:r>
-              <a:rPr kumimoji="0" lang="zh-CN" altLang="en-US" sz="2800" dirty="0">
-                <a:solidFill>
-                  <a:srgbClr val="000000"/>
-                </a:solidFill>
-              </a:rPr>
-              <a:t>示例</a:t>
-            </a:r>
-            <a:r>
-              <a:rPr kumimoji="0" lang="zh-CN" altLang="en-US" sz="2800" dirty="0" smtClean="0">
-                <a:solidFill>
-                  <a:srgbClr val="000000"/>
-                </a:solidFill>
-              </a:rPr>
-              <a:t>：</a:t>
-            </a:r>
-            <a:r>
-              <a:rPr kumimoji="0" lang="en-US" altLang="zh-CN" sz="2800" dirty="0" smtClean="0">
-                <a:solidFill>
-                  <a:srgbClr val="000000"/>
-                </a:solidFill>
-              </a:rPr>
-              <a:t>8-4.html</a:t>
-            </a:r>
-            <a:endParaRPr kumimoji="0" lang="en-US" altLang="zh-CN" sz="2800" dirty="0">
-              <a:solidFill>
-                <a:srgbClr val="000000"/>
-              </a:solidFill>
-            </a:endParaRPr>
-          </a:p>
-        </p:txBody>
-      </p:sp>
-      <p:pic>
-        <p:nvPicPr>
-          <p:cNvPr id="7" name="图片 6"/>
-          <p:cNvPicPr>
-            <a:picLocks noChangeAspect="1"/>
-          </p:cNvPicPr>
-          <p:nvPr/>
-        </p:nvPicPr>
-        <p:blipFill>
-          <a:blip r:embed="rId3"/>
-          <a:stretch>
-            <a:fillRect/>
-          </a:stretch>
-        </p:blipFill>
-        <p:spPr>
-          <a:xfrm>
-            <a:off x="1684385" y="2708486"/>
-            <a:ext cx="8895238" cy="3104762"/>
-          </a:xfrm>
-          <a:prstGeom prst="rect">
-            <a:avLst/>
-          </a:prstGeom>
-        </p:spPr>
-      </p:pic>
-    </p:spTree>
-    <p:extLst>
-      <p:ext uri="{BB962C8B-B14F-4D97-AF65-F5344CB8AC3E}">
-        <p14:creationId xmlns:p14="http://schemas.microsoft.com/office/powerpoint/2010/main" val="3264726072"/>
       </p:ext>
     </p:extLst>
   </p:cSld>
@@ -8691,119 +8359,90 @@
             <p:ph sz="quarter" idx="10"/>
           </p:nvPr>
         </p:nvSpPr>
-        <p:spPr>
-          <a:xfrm>
-            <a:off x="756285" y="1246505"/>
-            <a:ext cx="10814223" cy="5135848"/>
-          </a:xfrm>
-        </p:spPr>
+        <p:spPr/>
         <p:txBody>
           <a:bodyPr/>
           <a:lstStyle/>
           <a:p>
-            <a:pPr marL="374650" lvl="1">
-              <a:spcBef>
-                <a:spcPts val="600"/>
-              </a:spcBef>
-              <a:spcAft>
-                <a:spcPts val="600"/>
-              </a:spcAft>
-              <a:buClr>
-                <a:schemeClr val="accent1">
-                  <a:lumMod val="75000"/>
-                </a:schemeClr>
-              </a:buClr>
-              <a:buSzPct val="110000"/>
-              <a:buBlip>
-                <a:blip r:embed="rId2"/>
-              </a:buBlip>
-            </a:pPr>
-            <a:r>
-              <a:rPr lang="zh-CN" altLang="en-US" dirty="0" smtClean="0"/>
-              <a:t>使用 </a:t>
-            </a:r>
-            <a:r>
-              <a:rPr lang="en-US" altLang="zh-CN" dirty="0" err="1" smtClean="0"/>
-              <a:t>FileReader</a:t>
-            </a:r>
-            <a:r>
-              <a:rPr lang="en-US" altLang="zh-CN" dirty="0" smtClean="0"/>
+            <a:r>
+              <a:rPr lang="zh-CN" altLang="en-US" sz="2600" dirty="0" smtClean="0"/>
+              <a:t>读取</a:t>
+            </a:r>
+            <a:r>
+              <a:rPr lang="en-US" altLang="zh-CN" sz="2600" dirty="0" smtClean="0"/>
+              <a:t>Blob </a:t>
+            </a:r>
+            <a:r>
+              <a:rPr lang="zh-CN" altLang="en-US" sz="2600" dirty="0"/>
+              <a:t>或 </a:t>
+            </a:r>
+            <a:r>
+              <a:rPr lang="en-US" altLang="zh-CN" sz="2600" dirty="0"/>
+              <a:t>File </a:t>
+            </a:r>
+            <a:r>
+              <a:rPr lang="zh-CN" altLang="en-US" sz="2600" dirty="0" smtClean="0"/>
+              <a:t>对象</a:t>
+            </a:r>
+            <a:r>
+              <a:rPr lang="zh-CN" altLang="en-US" sz="2600" dirty="0"/>
+              <a:t>，</a:t>
+            </a:r>
+            <a:r>
+              <a:rPr lang="zh-CN" altLang="en-US" sz="2600" dirty="0" smtClean="0"/>
+              <a:t>完成时触发 </a:t>
+            </a:r>
+            <a:r>
+              <a:rPr lang="en-US" altLang="zh-CN" sz="2600" dirty="0" err="1"/>
+              <a:t>loadend</a:t>
+            </a:r>
+            <a:r>
+              <a:rPr lang="en-US" altLang="zh-CN" sz="2600" dirty="0"/>
               <a:t> </a:t>
             </a:r>
             <a:r>
-              <a:rPr lang="zh-CN" altLang="en-US" dirty="0" smtClean="0"/>
-              <a:t>对象的 </a:t>
-            </a:r>
-            <a:r>
-              <a:rPr lang="en-US" altLang="zh-CN" dirty="0" err="1" smtClean="0"/>
-              <a:t>readAsText</a:t>
-            </a:r>
-            <a:r>
-              <a:rPr lang="en-US" altLang="zh-CN" dirty="0"/>
-              <a:t>()</a:t>
-            </a:r>
-            <a:r>
-              <a:rPr lang="zh-CN" altLang="en-US" dirty="0"/>
-              <a:t>方法实现文本文件的预览。</a:t>
-            </a:r>
-          </a:p>
-          <a:p>
-            <a:pPr marL="374650" lvl="1">
-              <a:spcBef>
-                <a:spcPts val="600"/>
-              </a:spcBef>
-              <a:spcAft>
-                <a:spcPts val="600"/>
-              </a:spcAft>
-              <a:buClr>
-                <a:schemeClr val="accent1">
-                  <a:lumMod val="75000"/>
-                </a:schemeClr>
-              </a:buClr>
-              <a:buSzPct val="110000"/>
-              <a:buBlip>
-                <a:blip r:embed="rId2"/>
-              </a:buBlip>
-            </a:pPr>
-            <a:r>
-              <a:rPr lang="zh-CN" altLang="en-US" dirty="0">
-                <a:solidFill>
-                  <a:srgbClr val="FF0000"/>
-                </a:solidFill>
-              </a:rPr>
-              <a:t>需要注意：</a:t>
-            </a:r>
-            <a:r>
-              <a:rPr lang="en-US" altLang="zh-CN" dirty="0">
-                <a:solidFill>
-                  <a:srgbClr val="FF0000"/>
-                </a:solidFill>
-              </a:rPr>
-              <a:t>txt</a:t>
-            </a:r>
-            <a:r>
-              <a:rPr lang="zh-CN" altLang="en-US" dirty="0">
-                <a:solidFill>
-                  <a:srgbClr val="FF0000"/>
-                </a:solidFill>
-              </a:rPr>
-              <a:t>文件的编码格式需要设置为</a:t>
-            </a:r>
-            <a:r>
-              <a:rPr lang="en-US" altLang="zh-CN" smtClean="0">
-                <a:solidFill>
-                  <a:srgbClr val="FF0000"/>
-                </a:solidFill>
-              </a:rPr>
-              <a:t>UTF-8</a:t>
-            </a:r>
-            <a:r>
-              <a:rPr lang="zh-CN" altLang="en-US" dirty="0">
-                <a:solidFill>
-                  <a:srgbClr val="FF0000"/>
-                </a:solidFill>
-              </a:rPr>
-              <a:t>。</a:t>
+              <a:rPr lang="zh-CN" altLang="en-US" sz="2600" dirty="0"/>
+              <a:t>事件</a:t>
+            </a:r>
+            <a:r>
+              <a:rPr lang="zh-CN" altLang="en-US" sz="2600" dirty="0" smtClean="0"/>
+              <a:t>，</a:t>
+            </a:r>
+            <a:r>
+              <a:rPr lang="en-US" altLang="zh-CN" sz="2600" dirty="0" smtClean="0"/>
+              <a:t>result </a:t>
+            </a:r>
+            <a:r>
+              <a:rPr lang="zh-CN" altLang="en-US" sz="2600" dirty="0" smtClean="0"/>
+              <a:t>属性包含</a:t>
+            </a:r>
+            <a:r>
+              <a:rPr lang="zh-CN" altLang="en-US" sz="2600" dirty="0"/>
+              <a:t>一个</a:t>
+            </a:r>
+            <a:r>
+              <a:rPr lang="en-US" altLang="zh-CN" sz="2600" dirty="0" err="1"/>
+              <a:t>data:URL</a:t>
+            </a:r>
+            <a:r>
+              <a:rPr lang="zh-CN" altLang="en-US" sz="2600" dirty="0"/>
+              <a:t>格式的字符串（</a:t>
+            </a:r>
+            <a:r>
+              <a:rPr lang="en-US" altLang="zh-CN" sz="2600" dirty="0"/>
+              <a:t>base64</a:t>
+            </a:r>
+            <a:r>
+              <a:rPr lang="zh-CN" altLang="en-US" sz="2600" dirty="0"/>
+              <a:t>编码</a:t>
+            </a:r>
+            <a:r>
+              <a:rPr lang="zh-CN" altLang="en-US" sz="2600" dirty="0" smtClean="0"/>
+              <a:t>）表示</a:t>
+            </a:r>
+            <a:r>
+              <a:rPr lang="zh-CN" altLang="en-US" sz="2600" dirty="0"/>
+              <a:t>所读取文件的内容。</a:t>
             </a:r>
           </a:p>
         </p:txBody>
@@ -8823,19 +8462,139 @@
           <a:bodyPr/>
           <a:lstStyle/>
           <a:p>
-            <a:pPr>
-              <a:buClrTx/>
-            </a:pPr>
-            <a:r>
-              <a:rPr lang="zh-CN" altLang="en-US" dirty="0"/>
-              <a:t>实现文本文件的读取</a:t>
-            </a:r>
+            <a:r>
+              <a:rPr lang="en-US" altLang="zh-CN" dirty="0" err="1" smtClean="0"/>
+              <a:t>readAsDataURL</a:t>
+            </a:r>
+            <a:r>
+              <a:rPr lang="en-US" altLang="zh-CN" dirty="0" smtClean="0"/>
+              <a:t>()</a:t>
+            </a:r>
+            <a:endParaRPr lang="en-US" altLang="zh-CN" dirty="0"/>
           </a:p>
         </p:txBody>
       </p:sp>
       <p:sp>
         <p:nvSpPr>
-          <p:cNvPr id="6" name="Text Box 4"/>
+          <p:cNvPr id="4" name="矩形 3"/>
+          <p:cNvSpPr/>
+          <p:nvPr/>
+        </p:nvSpPr>
+        <p:spPr>
+          <a:xfrm>
+            <a:off x="1206730" y="3140868"/>
+            <a:ext cx="6258336" cy="2031325"/>
+          </a:xfrm>
+          <a:prstGeom prst="rect">
+            <a:avLst/>
+          </a:prstGeom>
+          <a:solidFill>
+            <a:schemeClr val="accent2">
+              <a:lumMod val="60000"/>
+              <a:lumOff val="40000"/>
+            </a:schemeClr>
+          </a:solidFill>
+        </p:spPr>
+        <p:txBody>
+          <a:bodyPr wrap="square">
+            <a:spAutoFit/>
+          </a:bodyPr>
+          <a:lstStyle/>
+          <a:p>
+            <a:pPr>
+              <a:lnSpc>
+                <a:spcPct val="150000"/>
+              </a:lnSpc>
+            </a:pPr>
+            <a:r>
+              <a:rPr lang="en-US" altLang="zh-CN" sz="2800" dirty="0" err="1">
+                <a:solidFill>
+                  <a:srgbClr val="000000"/>
+                </a:solidFill>
+              </a:rPr>
+              <a:t>var</a:t>
+            </a:r>
+            <a:r>
+              <a:rPr lang="en-US" altLang="zh-CN" sz="2800" dirty="0">
+                <a:solidFill>
+                  <a:srgbClr val="000000"/>
+                </a:solidFill>
+              </a:rPr>
+              <a:t> reader  = new </a:t>
+            </a:r>
+            <a:r>
+              <a:rPr lang="en-US" altLang="zh-CN" sz="2800" dirty="0" err="1">
+                <a:solidFill>
+                  <a:srgbClr val="000000"/>
+                </a:solidFill>
+              </a:rPr>
+              <a:t>FileReader</a:t>
+            </a:r>
+            <a:r>
+              <a:rPr lang="en-US" altLang="zh-CN" sz="2800" dirty="0" smtClean="0">
+                <a:solidFill>
+                  <a:srgbClr val="000000"/>
+                </a:solidFill>
+              </a:rPr>
+              <a:t>()</a:t>
+            </a:r>
+          </a:p>
+          <a:p>
+            <a:pPr>
+              <a:lnSpc>
+                <a:spcPct val="150000"/>
+              </a:lnSpc>
+            </a:pPr>
+            <a:r>
+              <a:rPr lang="en-US" altLang="zh-CN" sz="2800" dirty="0" err="1">
+                <a:solidFill>
+                  <a:srgbClr val="000000"/>
+                </a:solidFill>
+              </a:rPr>
+              <a:t>reader.readAsDataURL</a:t>
+            </a:r>
+            <a:r>
+              <a:rPr lang="en-US" altLang="zh-CN" sz="2800" dirty="0">
+                <a:solidFill>
+                  <a:srgbClr val="000000"/>
+                </a:solidFill>
+              </a:rPr>
+              <a:t>(file</a:t>
+            </a:r>
+            <a:r>
+              <a:rPr lang="en-US" altLang="zh-CN" sz="2800" dirty="0" smtClean="0">
+                <a:solidFill>
+                  <a:srgbClr val="000000"/>
+                </a:solidFill>
+              </a:rPr>
+              <a:t>)</a:t>
+            </a:r>
+          </a:p>
+          <a:p>
+            <a:pPr>
+              <a:lnSpc>
+                <a:spcPct val="150000"/>
+              </a:lnSpc>
+            </a:pPr>
+            <a:r>
+              <a:rPr lang="en-US" altLang="zh-CN" sz="2800" dirty="0" err="1">
+                <a:solidFill>
+                  <a:srgbClr val="000000"/>
+                </a:solidFill>
+              </a:rPr>
+              <a:t>reader.result</a:t>
+            </a:r>
+            <a:endParaRPr lang="en-US" altLang="zh-CN" sz="2800" dirty="0">
+              <a:solidFill>
+                <a:srgbClr val="000000"/>
+              </a:solidFill>
+            </a:endParaRPr>
+          </a:p>
+        </p:txBody>
+      </p:sp>
+      <p:sp>
+        <p:nvSpPr>
+          <p:cNvPr id="5" name="Text Box 4"/>
           <p:cNvSpPr txBox="1">
             <a:spLocks noChangeArrowheads="1"/>
           </p:cNvSpPr>
@@ -8843,7 +8602,7 @@
         </p:nvSpPr>
         <p:spPr bwMode="auto">
           <a:xfrm>
-            <a:off x="7782626" y="5990808"/>
+            <a:off x="8545122" y="5364224"/>
             <a:ext cx="2559012" cy="525401"/>
           </a:xfrm>
           <a:prstGeom prst="rect">
@@ -9239,7 +8998,7 @@
                   <a:srgbClr val="000000"/>
                 </a:solidFill>
               </a:rPr>
-              <a:t>8-5.html</a:t>
+              <a:t>8-4.html</a:t>
             </a:r>
             <a:endParaRPr kumimoji="0" lang="en-US" altLang="zh-CN" sz="2800" dirty="0">
               <a:solidFill>
@@ -9249,34 +9008,10 @@
           </a:p>
         </p:txBody>
       </p:sp>
-      <p:pic>
-        <p:nvPicPr>
-          <p:cNvPr id="8" name="图片 7"/>
-          <p:cNvPicPr>
-            <a:picLocks noChangeAspect="1"/>
-          </p:cNvPicPr>
-          <p:nvPr/>
-        </p:nvPicPr>
-        <p:blipFill>
-          <a:blip r:embed="rId3"/>
-          <a:stretch>
-            <a:fillRect/>
-          </a:stretch>
-        </p:blipFill>
-        <p:spPr>
-          <a:xfrm>
-            <a:off x="1703512" y="3029796"/>
-            <a:ext cx="8638126" cy="2559444"/>
-          </a:xfrm>
-          <a:prstGeom prst="rect">
-            <a:avLst/>
-          </a:prstGeom>
-        </p:spPr>
-      </p:pic>
     </p:spTree>
     <p:extLst>
       <p:ext uri="{BB962C8B-B14F-4D97-AF65-F5344CB8AC3E}">
-        <p14:creationId xmlns:p14="http://schemas.microsoft.com/office/powerpoint/2010/main" val="3408110384"/>
+        <p14:creationId xmlns:p14="http://schemas.microsoft.com/office/powerpoint/2010/main" val="1114908173"/>
       </p:ext>
     </p:extLst>
   </p:cSld>
@@ -9286,9 +9021,216 @@
   <p:timing>
     <p:tnLst>
       <p:par>
-        <p:cTn id="1" dur="indefinite" restart="never" nodeType="tmRoot"/>
+        <p:cTn id="1" dur="indefinite" restart="never" nodeType="tmRoot">
+          <p:childTnLst>
+            <p:seq concurrent="1" nextAc="seek">
+              <p:cTn id="2" dur="indefinite" nodeType="mainSeq">
+                <p:childTnLst>
+                  <p:par>
+                    <p:cTn id="3" fill="hold">
+                      <p:stCondLst>
+                        <p:cond delay="indefinite"/>
+                      </p:stCondLst>
+                      <p:childTnLst>
+                        <p:par>
+                          <p:cTn id="4" fill="hold">
+                            <p:stCondLst>
+                              <p:cond delay="0"/>
+                            </p:stCondLst>
+                            <p:childTnLst>
+                              <p:par>
+                                <p:cTn id="5" presetID="42" presetClass="entr" presetSubtype="0" fill="hold" grpId="0" nodeType="clickEffect">
+                                  <p:stCondLst>
+                                    <p:cond delay="0"/>
+                                  </p:stCondLst>
+                                  <p:childTnLst>
+                                    <p:set>
+                                      <p:cBhvr>
+                                        <p:cTn id="6" dur="1" fill="hold">
+                                          <p:stCondLst>
+                                            <p:cond delay="0"/>
+                                          </p:stCondLst>
+                                        </p:cTn>
+                                        <p:tgtEl>
+                                          <p:spTgt spid="4"/>
+                                        </p:tgtEl>
+                                        <p:attrNameLst>
+                                          <p:attrName>style.visibility</p:attrName>
+                                        </p:attrNameLst>
+                                      </p:cBhvr>
+                                      <p:to>
+                                        <p:strVal val="visible"/>
+                                      </p:to>
+                                    </p:set>
+                                    <p:animEffect transition="in" filter="fade">
+                                      <p:cBhvr>
+                                        <p:cTn id="7" dur="1000"/>
+                                        <p:tgtEl>
+                                          <p:spTgt spid="4"/>
+                                        </p:tgtEl>
+                                      </p:cBhvr>
+                                    </p:animEffect>
+                                    <p:anim calcmode="lin" valueType="num">
+                                      <p:cBhvr>
+                                        <p:cTn id="8" dur="1000" fill="hold"/>
+                                        <p:tgtEl>
+                                          <p:spTgt spid="4"/>
+                                        </p:tgtEl>
+                                        <p:attrNameLst>
+                                          <p:attrName>ppt_x</p:attrName>
+                                        </p:attrNameLst>
+                                      </p:cBhvr>
+                                      <p:tavLst>
+                                        <p:tav tm="0">
+                                          <p:val>
+                                            <p:strVal val="#ppt_x"/>
+                                          </p:val>
+                                        </p:tav>
+                                        <p:tav tm="100000">
+                                          <p:val>
+                                            <p:strVal val="#ppt_x"/>
+                                          </p:val>
+                                        </p:tav>
+                                      </p:tavLst>
+                                    </p:anim>
+                                    <p:anim calcmode="lin" valueType="num">
+                                      <p:cBhvr>
+                                        <p:cTn id="9" dur="1000" fill="hold"/>
+                                        <p:tgtEl>
+                                          <p:spTgt spid="4"/>
+                                        </p:tgtEl>
+                                        <p:attrNameLst>
+                                          <p:attrName>ppt_y</p:attrName>
+                                        </p:attrNameLst>
+                                      </p:cBhvr>
+                                      <p:tavLst>
+                                        <p:tav tm="0">
+                                          <p:val>
+                                            <p:strVal val="#ppt_y+.1"/>
+                                          </p:val>
+                                        </p:tav>
+                                        <p:tav tm="100000">
+                                          <p:val>
+                                            <p:strVal val="#ppt_y"/>
+                                          </p:val>
+                                        </p:tav>
+                                      </p:tavLst>
+                                    </p:anim>
+                                  </p:childTnLst>
+                                </p:cTn>
+                              </p:par>
+                              <p:par>
+                                <p:cTn id="10" presetID="42" presetClass="entr" presetSubtype="0" fill="hold" grpId="0" nodeType="withEffect">
+                                  <p:stCondLst>
+                                    <p:cond delay="0"/>
+                                  </p:stCondLst>
+                                  <p:childTnLst>
+                                    <p:set>
+                                      <p:cBhvr>
+                                        <p:cTn id="11" dur="1" fill="hold">
+                                          <p:stCondLst>
+                                            <p:cond delay="0"/>
+                                          </p:stCondLst>
+                                        </p:cTn>
+                                        <p:tgtEl>
+                                          <p:spTgt spid="5"/>
+                                        </p:tgtEl>
+                                        <p:attrNameLst>
+                                          <p:attrName>style.visibility</p:attrName>
+                                        </p:attrNameLst>
+                                      </p:cBhvr>
+                                      <p:to>
+                                        <p:strVal val="visible"/>
+                                      </p:to>
+                                    </p:set>
+                                    <p:animEffect transition="in" filter="fade">
+                                      <p:cBhvr>
+                                        <p:cTn id="12" dur="1000"/>
+                                        <p:tgtEl>
+                                          <p:spTgt spid="5"/>
+                                        </p:tgtEl>
+                                      </p:cBhvr>
+                                    </p:animEffect>
+                                    <p:anim calcmode="lin" valueType="num">
+                                      <p:cBhvr>
+                                        <p:cTn id="13" dur="1000" fill="hold"/>
+                                        <p:tgtEl>
+                                          <p:spTgt spid="5"/>
+                                        </p:tgtEl>
+                                        <p:attrNameLst>
+                                          <p:attrName>ppt_x</p:attrName>
+                                        </p:attrNameLst>
+                                      </p:cBhvr>
+                                      <p:tavLst>
+                                        <p:tav tm="0">
+                                          <p:val>
+                                            <p:strVal val="#ppt_x"/>
+                                          </p:val>
+                                        </p:tav>
+                                        <p:tav tm="100000">
+                                          <p:val>
+                                            <p:strVal val="#ppt_x"/>
+                                          </p:val>
+                                        </p:tav>
+                                      </p:tavLst>
+                                    </p:anim>
+                                    <p:anim calcmode="lin" valueType="num">
+                                      <p:cBhvr>
+                                        <p:cTn id="14" dur="1000" fill="hold"/>
+                                        <p:tgtEl>
+                                          <p:spTgt spid="5"/>
+                                        </p:tgtEl>
+                                        <p:attrNameLst>
+                                          <p:attrName>ppt_y</p:attrName>
+                                        </p:attrNameLst>
+                                      </p:cBhvr>
+                                      <p:tavLst>
+                                        <p:tav tm="0">
+                                          <p:val>
+                                            <p:strVal val="#ppt_y+.1"/>
+                                          </p:val>
+                                        </p:tav>
+                                        <p:tav tm="100000">
+                                          <p:val>
+                                            <p:strVal val="#ppt_y"/>
+                                          </p:val>
+                                        </p:tav>
+                                      </p:tavLst>
+                                    </p:anim>
+                                  </p:childTnLst>
+                                </p:cTn>
+                              </p:par>
+                            </p:childTnLst>
+                          </p:cTn>
+                        </p:par>
+                      </p:childTnLst>
+                    </p:cTn>
+                  </p:par>
+                </p:childTnLst>
+              </p:cTn>
+              <p:prevCondLst>
+                <p:cond evt="onPrev" delay="0">
+                  <p:tgtEl>
+                    <p:sldTgt/>
+                  </p:tgtEl>
+                </p:cond>
+              </p:prevCondLst>
+              <p:nextCondLst>
+                <p:cond evt="onNext" delay="0">
+                  <p:tgtEl>
+                    <p:sldTgt/>
+                  </p:tgtEl>
+                </p:cond>
+              </p:nextCondLst>
+            </p:seq>
+          </p:childTnLst>
+        </p:cTn>
       </p:par>
     </p:tnLst>
+    <p:bldLst>
+      <p:bldP spid="4" grpId="0" animBg="1"/>
+      <p:bldP spid="5" grpId="0"/>
+    </p:bldLst>
   </p:timing>
 </p:sld>
 </file>
@@ -10889,7 +10831,7 @@
         <p:spPr>
           <a:xfrm>
             <a:off x="756285" y="1246505"/>
-            <a:ext cx="10237959" cy="5135848"/>
+            <a:ext cx="10814223" cy="5135848"/>
           </a:xfrm>
         </p:spPr>
         <p:txBody>
@@ -10914,8 +10856,60 @@
               </a:buBlip>
             </a:pPr>
             <a:r>
+              <a:rPr lang="zh-CN" altLang="en-US" dirty="0" smtClean="0"/>
+              <a:t>使用 </a:t>
+            </a:r>
+            <a:r>
+              <a:rPr lang="en-US" altLang="zh-CN" dirty="0" err="1" smtClean="0"/>
+              <a:t>FileReader</a:t>
+            </a:r>
+            <a:r>
+              <a:rPr lang="en-US" altLang="zh-CN" dirty="0" smtClean="0"/>
+              <a:t> </a:t>
+            </a:r>
+            <a:r>
+              <a:rPr lang="zh-CN" altLang="en-US" dirty="0" smtClean="0"/>
+              <a:t>对象的 </a:t>
+            </a:r>
+            <a:r>
+              <a:rPr lang="en-US" altLang="zh-CN" dirty="0" err="1" smtClean="0"/>
+              <a:t>readAsDataURL</a:t>
+            </a:r>
+            <a:r>
+              <a:rPr lang="en-US" altLang="zh-CN" dirty="0"/>
+              <a:t>()</a:t>
+            </a:r>
+            <a:r>
               <a:rPr lang="zh-CN" altLang="en-US" dirty="0"/>
-              <a:t>通过点击显示图像按钮在画面中读入一个图像文件，通过这个过程了解按顺序触发了哪些事件，并用提示信息显示出这些事件的名字。</a:t>
+              <a:t>、</a:t>
+            </a:r>
+            <a:r>
+              <a:rPr lang="en-US" altLang="zh-CN" dirty="0" err="1"/>
+              <a:t>readAsBinaryString</a:t>
+            </a:r>
+            <a:r>
+              <a:rPr lang="en-US" altLang="zh-CN" dirty="0"/>
+              <a:t>()</a:t>
+            </a:r>
+            <a:r>
+              <a:rPr lang="zh-CN" altLang="en-US" dirty="0"/>
+              <a:t>、</a:t>
+            </a:r>
+            <a:r>
+              <a:rPr lang="en-US" altLang="zh-CN" dirty="0" err="1"/>
+              <a:t>readAsText</a:t>
+            </a:r>
+            <a:r>
+              <a:rPr lang="en-US" altLang="zh-CN" dirty="0" smtClean="0"/>
+              <a:t>()</a:t>
+            </a:r>
+            <a:r>
+              <a:rPr lang="zh-CN" altLang="en-US" dirty="0" smtClean="0"/>
+              <a:t>方法</a:t>
+            </a:r>
+            <a:r>
+              <a:rPr lang="zh-CN" altLang="en-US" dirty="0"/>
+              <a:t>实现图片的预览</a:t>
             </a:r>
           </a:p>
         </p:txBody>
@@ -10940,14 +10934,14 @@
             </a:pPr>
             <a:r>
               <a:rPr lang="zh-CN" altLang="en-US" dirty="0"/>
-              <a:t>事件顺序</a:t>
+              <a:t>实现图片的预览</a:t>
             </a:r>
           </a:p>
         </p:txBody>
       </p:sp>
       <p:sp>
         <p:nvSpPr>
-          <p:cNvPr id="7" name="Text Box 4"/>
+          <p:cNvPr id="5" name="Text Box 4"/>
           <p:cNvSpPr txBox="1">
             <a:spLocks noChangeArrowheads="1"/>
           </p:cNvSpPr>
@@ -10955,7 +10949,7 @@
         </p:nvSpPr>
         <p:spPr bwMode="auto">
           <a:xfrm>
-            <a:off x="7536160" y="4653136"/>
+            <a:off x="9054965" y="6093296"/>
             <a:ext cx="2559012" cy="525401"/>
           </a:xfrm>
           <a:prstGeom prst="rect">
@@ -11351,7 +11345,1182 @@
                   <a:srgbClr val="000000"/>
                 </a:solidFill>
               </a:rPr>
+              <a:t>8-5.html</a:t>
+            </a:r>
+            <a:endParaRPr kumimoji="0" lang="en-US" altLang="zh-CN" sz="2800" dirty="0">
+              <a:solidFill>
+                <a:srgbClr val="000000"/>
+              </a:solidFill>
+            </a:endParaRPr>
+          </a:p>
+        </p:txBody>
+      </p:sp>
+      <p:pic>
+        <p:nvPicPr>
+          <p:cNvPr id="7" name="图片 6"/>
+          <p:cNvPicPr>
+            <a:picLocks noChangeAspect="1"/>
+          </p:cNvPicPr>
+          <p:nvPr/>
+        </p:nvPicPr>
+        <p:blipFill>
+          <a:blip r:embed="rId3"/>
+          <a:stretch>
+            <a:fillRect/>
+          </a:stretch>
+        </p:blipFill>
+        <p:spPr>
+          <a:xfrm>
+            <a:off x="1684385" y="2708486"/>
+            <a:ext cx="8895238" cy="3104762"/>
+          </a:xfrm>
+          <a:prstGeom prst="rect">
+            <a:avLst/>
+          </a:prstGeom>
+        </p:spPr>
+      </p:pic>
+    </p:spTree>
+    <p:extLst>
+      <p:ext uri="{BB962C8B-B14F-4D97-AF65-F5344CB8AC3E}">
+        <p14:creationId xmlns:p14="http://schemas.microsoft.com/office/powerpoint/2010/main" val="3264726072"/>
+      </p:ext>
+    </p:extLst>
+  </p:cSld>
+  <p:clrMapOvr>
+    <a:masterClrMapping/>
+  </p:clrMapOvr>
+  <p:timing>
+    <p:tnLst>
+      <p:par>
+        <p:cTn id="1" dur="indefinite" restart="never" nodeType="tmRoot"/>
+      </p:par>
+    </p:tnLst>
+  </p:timing>
+</p:sld>
+</file>
+
+<file path=ppt/slides/slide21.xml><?xml version="1.0" encoding="utf-8"?>
+<p:sld xmlns:a="http://schemas.openxmlformats.org/drawingml/2006/main" xmlns:r="http://schemas.openxmlformats.org/officeDocument/2006/relationships" xmlns:p="http://schemas.openxmlformats.org/presentationml/2006/main">
+  <p:cSld>
+    <p:spTree>
+      <p:nvGrpSpPr>
+        <p:cNvPr id="1" name=""/>
+        <p:cNvGrpSpPr/>
+        <p:nvPr/>
+      </p:nvGrpSpPr>
+      <p:grpSpPr>
+        <a:xfrm>
+          <a:off x="0" y="0"/>
+          <a:ext cx="0" cy="0"/>
+          <a:chOff x="0" y="0"/>
+          <a:chExt cx="0" cy="0"/>
+        </a:xfrm>
+      </p:grpSpPr>
+      <p:sp>
+        <p:nvSpPr>
+          <p:cNvPr id="2" name="内容占位符 1"/>
+          <p:cNvSpPr>
+            <a:spLocks noGrp="1"/>
+          </p:cNvSpPr>
+          <p:nvPr>
+            <p:ph sz="quarter" idx="10"/>
+          </p:nvPr>
+        </p:nvSpPr>
+        <p:spPr>
+          <a:xfrm>
+            <a:off x="756285" y="1246505"/>
+            <a:ext cx="10814223" cy="5135848"/>
+          </a:xfrm>
+        </p:spPr>
+        <p:txBody>
+          <a:bodyPr/>
+          <a:lstStyle/>
+          <a:p>
+            <a:pPr marL="374650" lvl="1">
+              <a:spcBef>
+                <a:spcPts val="600"/>
+              </a:spcBef>
+              <a:spcAft>
+                <a:spcPts val="600"/>
+              </a:spcAft>
+              <a:buClr>
+                <a:schemeClr val="accent1">
+                  <a:lumMod val="75000"/>
+                </a:schemeClr>
+              </a:buClr>
+              <a:buSzPct val="110000"/>
+              <a:buBlip>
+                <a:blip r:embed="rId2"/>
+              </a:buBlip>
+            </a:pPr>
+            <a:r>
+              <a:rPr lang="zh-CN" altLang="en-US" dirty="0" smtClean="0"/>
+              <a:t>使用 </a:t>
+            </a:r>
+            <a:r>
+              <a:rPr lang="en-US" altLang="zh-CN" dirty="0" err="1" smtClean="0"/>
+              <a:t>FileReader</a:t>
+            </a:r>
+            <a:r>
+              <a:rPr lang="en-US" altLang="zh-CN" dirty="0" smtClean="0"/>
+              <a:t> </a:t>
+            </a:r>
+            <a:r>
+              <a:rPr lang="zh-CN" altLang="en-US" dirty="0" smtClean="0"/>
+              <a:t>对象的 </a:t>
+            </a:r>
+            <a:r>
+              <a:rPr lang="en-US" altLang="zh-CN" dirty="0" err="1" smtClean="0"/>
+              <a:t>readAsText</a:t>
+            </a:r>
+            <a:r>
+              <a:rPr lang="en-US" altLang="zh-CN" dirty="0"/>
+              <a:t>()</a:t>
+            </a:r>
+            <a:r>
+              <a:rPr lang="zh-CN" altLang="en-US" dirty="0"/>
+              <a:t>方法实现文本文件的预览。</a:t>
+            </a:r>
+          </a:p>
+          <a:p>
+            <a:pPr marL="374650" lvl="1">
+              <a:spcBef>
+                <a:spcPts val="600"/>
+              </a:spcBef>
+              <a:spcAft>
+                <a:spcPts val="600"/>
+              </a:spcAft>
+              <a:buClr>
+                <a:schemeClr val="accent1">
+                  <a:lumMod val="75000"/>
+                </a:schemeClr>
+              </a:buClr>
+              <a:buSzPct val="110000"/>
+              <a:buBlip>
+                <a:blip r:embed="rId2"/>
+              </a:buBlip>
+            </a:pPr>
+            <a:r>
+              <a:rPr lang="zh-CN" altLang="en-US" dirty="0">
+                <a:solidFill>
+                  <a:srgbClr val="FF0000"/>
+                </a:solidFill>
+              </a:rPr>
+              <a:t>需要注意：</a:t>
+            </a:r>
+            <a:r>
+              <a:rPr lang="en-US" altLang="zh-CN" dirty="0">
+                <a:solidFill>
+                  <a:srgbClr val="FF0000"/>
+                </a:solidFill>
+              </a:rPr>
+              <a:t>txt</a:t>
+            </a:r>
+            <a:r>
+              <a:rPr lang="zh-CN" altLang="en-US" dirty="0">
+                <a:solidFill>
+                  <a:srgbClr val="FF0000"/>
+                </a:solidFill>
+              </a:rPr>
+              <a:t>文件的编码格式需要设置为</a:t>
+            </a:r>
+            <a:r>
+              <a:rPr lang="en-US" altLang="zh-CN" smtClean="0">
+                <a:solidFill>
+                  <a:srgbClr val="FF0000"/>
+                </a:solidFill>
+              </a:rPr>
+              <a:t>UTF-8</a:t>
+            </a:r>
+            <a:r>
+              <a:rPr lang="zh-CN" altLang="en-US" dirty="0">
+                <a:solidFill>
+                  <a:srgbClr val="FF0000"/>
+                </a:solidFill>
+              </a:rPr>
+              <a:t>。</a:t>
+            </a:r>
+          </a:p>
+        </p:txBody>
+      </p:sp>
+      <p:sp>
+        <p:nvSpPr>
+          <p:cNvPr id="3" name="内容占位符 2"/>
+          <p:cNvSpPr>
+            <a:spLocks noGrp="1"/>
+          </p:cNvSpPr>
+          <p:nvPr>
+            <p:ph sz="quarter" idx="11"/>
+          </p:nvPr>
+        </p:nvSpPr>
+        <p:spPr/>
+        <p:txBody>
+          <a:bodyPr/>
+          <a:lstStyle/>
+          <a:p>
+            <a:pPr>
+              <a:buClrTx/>
+            </a:pPr>
+            <a:r>
+              <a:rPr lang="zh-CN" altLang="en-US" dirty="0"/>
+              <a:t>实现文本文件的读取</a:t>
+            </a:r>
+          </a:p>
+        </p:txBody>
+      </p:sp>
+      <p:sp>
+        <p:nvSpPr>
+          <p:cNvPr id="6" name="Text Box 4"/>
+          <p:cNvSpPr txBox="1">
+            <a:spLocks noChangeArrowheads="1"/>
+          </p:cNvSpPr>
+          <p:nvPr/>
+        </p:nvSpPr>
+        <p:spPr bwMode="auto">
+          <a:xfrm>
+            <a:off x="7782626" y="5990808"/>
+            <a:ext cx="2559012" cy="525401"/>
+          </a:xfrm>
+          <a:prstGeom prst="rect">
+            <a:avLst/>
+          </a:prstGeom>
+          <a:noFill/>
+          <a:ln>
+            <a:noFill/>
+          </a:ln>
+          <a:extLst>
+            <a:ext uri="{909E8E84-426E-40DD-AFC4-6F175D3DCCD1}">
+              <a14:hiddenFill xmlns:a14="http://schemas.microsoft.com/office/drawing/2010/main">
+                <a:solidFill>
+                  <a:srgbClr val="FFFFFF"/>
+                </a:solidFill>
+              </a14:hiddenFill>
+            </a:ext>
+            <a:ext uri="{91240B29-F687-4F45-9708-019B960494DF}">
+              <a14:hiddenLine xmlns:a14="http://schemas.microsoft.com/office/drawing/2010/main" w="9525">
+                <a:solidFill>
+                  <a:srgbClr val="000000"/>
+                </a:solidFill>
+                <a:round/>
+                <a:headEnd/>
+                <a:tailEnd/>
+              </a14:hiddenLine>
+            </a:ext>
+          </a:extLst>
+        </p:spPr>
+        <p:txBody>
+          <a:bodyPr wrap="none" lIns="90000" tIns="46800" rIns="90000" bIns="46800">
+            <a:spAutoFit/>
+          </a:bodyPr>
+          <a:lstStyle>
+            <a:lvl1pPr>
+              <a:tabLst>
+                <a:tab pos="0" algn="l"/>
+                <a:tab pos="447675" algn="l"/>
+                <a:tab pos="896938" algn="l"/>
+                <a:tab pos="1346200" algn="l"/>
+                <a:tab pos="1795463" algn="l"/>
+                <a:tab pos="2244725" algn="l"/>
+                <a:tab pos="2693988" algn="l"/>
+                <a:tab pos="3143250" algn="l"/>
+                <a:tab pos="3592513" algn="l"/>
+                <a:tab pos="4041775" algn="l"/>
+                <a:tab pos="4491038" algn="l"/>
+                <a:tab pos="4940300" algn="l"/>
+                <a:tab pos="5389563" algn="l"/>
+                <a:tab pos="5838825" algn="l"/>
+                <a:tab pos="6288088" algn="l"/>
+                <a:tab pos="6737350" algn="l"/>
+                <a:tab pos="7186613" algn="l"/>
+                <a:tab pos="7635875" algn="l"/>
+                <a:tab pos="8085138" algn="l"/>
+                <a:tab pos="8534400" algn="l"/>
+                <a:tab pos="8983663" algn="l"/>
+              </a:tabLst>
+              <a:defRPr kumimoji="1" sz="3200">
+                <a:solidFill>
+                  <a:schemeClr val="bg1"/>
+                </a:solidFill>
+                <a:latin typeface="Arial" panose="020B0604020202020204" pitchFamily="34" charset="0"/>
+                <a:ea typeface="微软雅黑" panose="020B0503020204020204" pitchFamily="34" charset="-122"/>
+              </a:defRPr>
+            </a:lvl1pPr>
+            <a:lvl2pPr>
+              <a:tabLst>
+                <a:tab pos="0" algn="l"/>
+                <a:tab pos="447675" algn="l"/>
+                <a:tab pos="896938" algn="l"/>
+                <a:tab pos="1346200" algn="l"/>
+                <a:tab pos="1795463" algn="l"/>
+                <a:tab pos="2244725" algn="l"/>
+                <a:tab pos="2693988" algn="l"/>
+                <a:tab pos="3143250" algn="l"/>
+                <a:tab pos="3592513" algn="l"/>
+                <a:tab pos="4041775" algn="l"/>
+                <a:tab pos="4491038" algn="l"/>
+                <a:tab pos="4940300" algn="l"/>
+                <a:tab pos="5389563" algn="l"/>
+                <a:tab pos="5838825" algn="l"/>
+                <a:tab pos="6288088" algn="l"/>
+                <a:tab pos="6737350" algn="l"/>
+                <a:tab pos="7186613" algn="l"/>
+                <a:tab pos="7635875" algn="l"/>
+                <a:tab pos="8085138" algn="l"/>
+                <a:tab pos="8534400" algn="l"/>
+                <a:tab pos="8983663" algn="l"/>
+              </a:tabLst>
+              <a:defRPr kumimoji="1" sz="3200">
+                <a:solidFill>
+                  <a:schemeClr val="bg1"/>
+                </a:solidFill>
+                <a:latin typeface="Arial" panose="020B0604020202020204" pitchFamily="34" charset="0"/>
+                <a:ea typeface="微软雅黑" panose="020B0503020204020204" pitchFamily="34" charset="-122"/>
+              </a:defRPr>
+            </a:lvl2pPr>
+            <a:lvl3pPr>
+              <a:tabLst>
+                <a:tab pos="0" algn="l"/>
+                <a:tab pos="447675" algn="l"/>
+                <a:tab pos="896938" algn="l"/>
+                <a:tab pos="1346200" algn="l"/>
+                <a:tab pos="1795463" algn="l"/>
+                <a:tab pos="2244725" algn="l"/>
+                <a:tab pos="2693988" algn="l"/>
+                <a:tab pos="3143250" algn="l"/>
+                <a:tab pos="3592513" algn="l"/>
+                <a:tab pos="4041775" algn="l"/>
+                <a:tab pos="4491038" algn="l"/>
+                <a:tab pos="4940300" algn="l"/>
+                <a:tab pos="5389563" algn="l"/>
+                <a:tab pos="5838825" algn="l"/>
+                <a:tab pos="6288088" algn="l"/>
+                <a:tab pos="6737350" algn="l"/>
+                <a:tab pos="7186613" algn="l"/>
+                <a:tab pos="7635875" algn="l"/>
+                <a:tab pos="8085138" algn="l"/>
+                <a:tab pos="8534400" algn="l"/>
+                <a:tab pos="8983663" algn="l"/>
+              </a:tabLst>
+              <a:defRPr kumimoji="1" sz="3200">
+                <a:solidFill>
+                  <a:schemeClr val="bg1"/>
+                </a:solidFill>
+                <a:latin typeface="Arial" panose="020B0604020202020204" pitchFamily="34" charset="0"/>
+                <a:ea typeface="微软雅黑" panose="020B0503020204020204" pitchFamily="34" charset="-122"/>
+              </a:defRPr>
+            </a:lvl3pPr>
+            <a:lvl4pPr>
+              <a:tabLst>
+                <a:tab pos="0" algn="l"/>
+                <a:tab pos="447675" algn="l"/>
+                <a:tab pos="896938" algn="l"/>
+                <a:tab pos="1346200" algn="l"/>
+                <a:tab pos="1795463" algn="l"/>
+                <a:tab pos="2244725" algn="l"/>
+                <a:tab pos="2693988" algn="l"/>
+                <a:tab pos="3143250" algn="l"/>
+                <a:tab pos="3592513" algn="l"/>
+                <a:tab pos="4041775" algn="l"/>
+                <a:tab pos="4491038" algn="l"/>
+                <a:tab pos="4940300" algn="l"/>
+                <a:tab pos="5389563" algn="l"/>
+                <a:tab pos="5838825" algn="l"/>
+                <a:tab pos="6288088" algn="l"/>
+                <a:tab pos="6737350" algn="l"/>
+                <a:tab pos="7186613" algn="l"/>
+                <a:tab pos="7635875" algn="l"/>
+                <a:tab pos="8085138" algn="l"/>
+                <a:tab pos="8534400" algn="l"/>
+                <a:tab pos="8983663" algn="l"/>
+              </a:tabLst>
+              <a:defRPr kumimoji="1" sz="3200">
+                <a:solidFill>
+                  <a:schemeClr val="bg1"/>
+                </a:solidFill>
+                <a:latin typeface="Arial" panose="020B0604020202020204" pitchFamily="34" charset="0"/>
+                <a:ea typeface="微软雅黑" panose="020B0503020204020204" pitchFamily="34" charset="-122"/>
+              </a:defRPr>
+            </a:lvl4pPr>
+            <a:lvl5pPr>
+              <a:tabLst>
+                <a:tab pos="0" algn="l"/>
+                <a:tab pos="447675" algn="l"/>
+                <a:tab pos="896938" algn="l"/>
+                <a:tab pos="1346200" algn="l"/>
+                <a:tab pos="1795463" algn="l"/>
+                <a:tab pos="2244725" algn="l"/>
+                <a:tab pos="2693988" algn="l"/>
+                <a:tab pos="3143250" algn="l"/>
+                <a:tab pos="3592513" algn="l"/>
+                <a:tab pos="4041775" algn="l"/>
+                <a:tab pos="4491038" algn="l"/>
+                <a:tab pos="4940300" algn="l"/>
+                <a:tab pos="5389563" algn="l"/>
+                <a:tab pos="5838825" algn="l"/>
+                <a:tab pos="6288088" algn="l"/>
+                <a:tab pos="6737350" algn="l"/>
+                <a:tab pos="7186613" algn="l"/>
+                <a:tab pos="7635875" algn="l"/>
+                <a:tab pos="8085138" algn="l"/>
+                <a:tab pos="8534400" algn="l"/>
+                <a:tab pos="8983663" algn="l"/>
+              </a:tabLst>
+              <a:defRPr kumimoji="1" sz="3200">
+                <a:solidFill>
+                  <a:schemeClr val="bg1"/>
+                </a:solidFill>
+                <a:latin typeface="Arial" panose="020B0604020202020204" pitchFamily="34" charset="0"/>
+                <a:ea typeface="微软雅黑" panose="020B0503020204020204" pitchFamily="34" charset="-122"/>
+              </a:defRPr>
+            </a:lvl5pPr>
+            <a:lvl6pPr marL="2514600" indent="-228600" defTabSz="449263" fontAlgn="base">
+              <a:spcBef>
+                <a:spcPct val="0"/>
+              </a:spcBef>
+              <a:spcAft>
+                <a:spcPct val="0"/>
+              </a:spcAft>
+              <a:buClr>
+                <a:srgbClr val="000000"/>
+              </a:buClr>
+              <a:buSzPct val="100000"/>
+              <a:buFont typeface="Times New Roman" panose="02020603050405020304" pitchFamily="18" charset="0"/>
+              <a:tabLst>
+                <a:tab pos="0" algn="l"/>
+                <a:tab pos="447675" algn="l"/>
+                <a:tab pos="896938" algn="l"/>
+                <a:tab pos="1346200" algn="l"/>
+                <a:tab pos="1795463" algn="l"/>
+                <a:tab pos="2244725" algn="l"/>
+                <a:tab pos="2693988" algn="l"/>
+                <a:tab pos="3143250" algn="l"/>
+                <a:tab pos="3592513" algn="l"/>
+                <a:tab pos="4041775" algn="l"/>
+                <a:tab pos="4491038" algn="l"/>
+                <a:tab pos="4940300" algn="l"/>
+                <a:tab pos="5389563" algn="l"/>
+                <a:tab pos="5838825" algn="l"/>
+                <a:tab pos="6288088" algn="l"/>
+                <a:tab pos="6737350" algn="l"/>
+                <a:tab pos="7186613" algn="l"/>
+                <a:tab pos="7635875" algn="l"/>
+                <a:tab pos="8085138" algn="l"/>
+                <a:tab pos="8534400" algn="l"/>
+                <a:tab pos="8983663" algn="l"/>
+              </a:tabLst>
+              <a:defRPr kumimoji="1" sz="3200">
+                <a:solidFill>
+                  <a:schemeClr val="bg1"/>
+                </a:solidFill>
+                <a:latin typeface="Arial" panose="020B0604020202020204" pitchFamily="34" charset="0"/>
+                <a:ea typeface="微软雅黑" panose="020B0503020204020204" pitchFamily="34" charset="-122"/>
+              </a:defRPr>
+            </a:lvl6pPr>
+            <a:lvl7pPr marL="2971800" indent="-228600" defTabSz="449263" fontAlgn="base">
+              <a:spcBef>
+                <a:spcPct val="0"/>
+              </a:spcBef>
+              <a:spcAft>
+                <a:spcPct val="0"/>
+              </a:spcAft>
+              <a:buClr>
+                <a:srgbClr val="000000"/>
+              </a:buClr>
+              <a:buSzPct val="100000"/>
+              <a:buFont typeface="Times New Roman" panose="02020603050405020304" pitchFamily="18" charset="0"/>
+              <a:tabLst>
+                <a:tab pos="0" algn="l"/>
+                <a:tab pos="447675" algn="l"/>
+                <a:tab pos="896938" algn="l"/>
+                <a:tab pos="1346200" algn="l"/>
+                <a:tab pos="1795463" algn="l"/>
+                <a:tab pos="2244725" algn="l"/>
+                <a:tab pos="2693988" algn="l"/>
+                <a:tab pos="3143250" algn="l"/>
+                <a:tab pos="3592513" algn="l"/>
+                <a:tab pos="4041775" algn="l"/>
+                <a:tab pos="4491038" algn="l"/>
+                <a:tab pos="4940300" algn="l"/>
+                <a:tab pos="5389563" algn="l"/>
+                <a:tab pos="5838825" algn="l"/>
+                <a:tab pos="6288088" algn="l"/>
+                <a:tab pos="6737350" algn="l"/>
+                <a:tab pos="7186613" algn="l"/>
+                <a:tab pos="7635875" algn="l"/>
+                <a:tab pos="8085138" algn="l"/>
+                <a:tab pos="8534400" algn="l"/>
+                <a:tab pos="8983663" algn="l"/>
+              </a:tabLst>
+              <a:defRPr kumimoji="1" sz="3200">
+                <a:solidFill>
+                  <a:schemeClr val="bg1"/>
+                </a:solidFill>
+                <a:latin typeface="Arial" panose="020B0604020202020204" pitchFamily="34" charset="0"/>
+                <a:ea typeface="微软雅黑" panose="020B0503020204020204" pitchFamily="34" charset="-122"/>
+              </a:defRPr>
+            </a:lvl7pPr>
+            <a:lvl8pPr marL="3429000" indent="-228600" defTabSz="449263" fontAlgn="base">
+              <a:spcBef>
+                <a:spcPct val="0"/>
+              </a:spcBef>
+              <a:spcAft>
+                <a:spcPct val="0"/>
+              </a:spcAft>
+              <a:buClr>
+                <a:srgbClr val="000000"/>
+              </a:buClr>
+              <a:buSzPct val="100000"/>
+              <a:buFont typeface="Times New Roman" panose="02020603050405020304" pitchFamily="18" charset="0"/>
+              <a:tabLst>
+                <a:tab pos="0" algn="l"/>
+                <a:tab pos="447675" algn="l"/>
+                <a:tab pos="896938" algn="l"/>
+                <a:tab pos="1346200" algn="l"/>
+                <a:tab pos="1795463" algn="l"/>
+                <a:tab pos="2244725" algn="l"/>
+                <a:tab pos="2693988" algn="l"/>
+                <a:tab pos="3143250" algn="l"/>
+                <a:tab pos="3592513" algn="l"/>
+                <a:tab pos="4041775" algn="l"/>
+                <a:tab pos="4491038" algn="l"/>
+                <a:tab pos="4940300" algn="l"/>
+                <a:tab pos="5389563" algn="l"/>
+                <a:tab pos="5838825" algn="l"/>
+                <a:tab pos="6288088" algn="l"/>
+                <a:tab pos="6737350" algn="l"/>
+                <a:tab pos="7186613" algn="l"/>
+                <a:tab pos="7635875" algn="l"/>
+                <a:tab pos="8085138" algn="l"/>
+                <a:tab pos="8534400" algn="l"/>
+                <a:tab pos="8983663" algn="l"/>
+              </a:tabLst>
+              <a:defRPr kumimoji="1" sz="3200">
+                <a:solidFill>
+                  <a:schemeClr val="bg1"/>
+                </a:solidFill>
+                <a:latin typeface="Arial" panose="020B0604020202020204" pitchFamily="34" charset="0"/>
+                <a:ea typeface="微软雅黑" panose="020B0503020204020204" pitchFamily="34" charset="-122"/>
+              </a:defRPr>
+            </a:lvl8pPr>
+            <a:lvl9pPr marL="3886200" indent="-228600" defTabSz="449263" fontAlgn="base">
+              <a:spcBef>
+                <a:spcPct val="0"/>
+              </a:spcBef>
+              <a:spcAft>
+                <a:spcPct val="0"/>
+              </a:spcAft>
+              <a:buClr>
+                <a:srgbClr val="000000"/>
+              </a:buClr>
+              <a:buSzPct val="100000"/>
+              <a:buFont typeface="Times New Roman" panose="02020603050405020304" pitchFamily="18" charset="0"/>
+              <a:tabLst>
+                <a:tab pos="0" algn="l"/>
+                <a:tab pos="447675" algn="l"/>
+                <a:tab pos="896938" algn="l"/>
+                <a:tab pos="1346200" algn="l"/>
+                <a:tab pos="1795463" algn="l"/>
+                <a:tab pos="2244725" algn="l"/>
+                <a:tab pos="2693988" algn="l"/>
+                <a:tab pos="3143250" algn="l"/>
+                <a:tab pos="3592513" algn="l"/>
+                <a:tab pos="4041775" algn="l"/>
+                <a:tab pos="4491038" algn="l"/>
+                <a:tab pos="4940300" algn="l"/>
+                <a:tab pos="5389563" algn="l"/>
+                <a:tab pos="5838825" algn="l"/>
+                <a:tab pos="6288088" algn="l"/>
+                <a:tab pos="6737350" algn="l"/>
+                <a:tab pos="7186613" algn="l"/>
+                <a:tab pos="7635875" algn="l"/>
+                <a:tab pos="8085138" algn="l"/>
+                <a:tab pos="8534400" algn="l"/>
+                <a:tab pos="8983663" algn="l"/>
+              </a:tabLst>
+              <a:defRPr kumimoji="1" sz="3200">
+                <a:solidFill>
+                  <a:schemeClr val="bg1"/>
+                </a:solidFill>
+                <a:latin typeface="Arial" panose="020B0604020202020204" pitchFamily="34" charset="0"/>
+                <a:ea typeface="微软雅黑" panose="020B0503020204020204" pitchFamily="34" charset="-122"/>
+              </a:defRPr>
+            </a:lvl9pPr>
+          </a:lstStyle>
+          <a:p>
+            <a:pPr>
+              <a:buClrTx/>
+              <a:buFontTx/>
+              <a:buNone/>
+            </a:pPr>
+            <a:r>
+              <a:rPr kumimoji="0" lang="zh-CN" altLang="en-US" sz="2800" dirty="0">
+                <a:solidFill>
+                  <a:srgbClr val="000000"/>
+                </a:solidFill>
+              </a:rPr>
+              <a:t>示例</a:t>
+            </a:r>
+            <a:r>
+              <a:rPr kumimoji="0" lang="zh-CN" altLang="en-US" sz="2800" dirty="0" smtClean="0">
+                <a:solidFill>
+                  <a:srgbClr val="000000"/>
+                </a:solidFill>
+              </a:rPr>
+              <a:t>：</a:t>
+            </a:r>
+            <a:r>
+              <a:rPr kumimoji="0" lang="en-US" altLang="zh-CN" sz="2800" dirty="0" smtClean="0">
+                <a:solidFill>
+                  <a:srgbClr val="000000"/>
+                </a:solidFill>
+              </a:rPr>
               <a:t>8-6.html</a:t>
+            </a:r>
+            <a:endParaRPr kumimoji="0" lang="en-US" altLang="zh-CN" sz="2800" dirty="0">
+              <a:solidFill>
+                <a:srgbClr val="000000"/>
+              </a:solidFill>
+            </a:endParaRPr>
+          </a:p>
+        </p:txBody>
+      </p:sp>
+      <p:pic>
+        <p:nvPicPr>
+          <p:cNvPr id="8" name="图片 7"/>
+          <p:cNvPicPr>
+            <a:picLocks noChangeAspect="1"/>
+          </p:cNvPicPr>
+          <p:nvPr/>
+        </p:nvPicPr>
+        <p:blipFill>
+          <a:blip r:embed="rId3"/>
+          <a:stretch>
+            <a:fillRect/>
+          </a:stretch>
+        </p:blipFill>
+        <p:spPr>
+          <a:xfrm>
+            <a:off x="1703512" y="3029796"/>
+            <a:ext cx="8638126" cy="2559444"/>
+          </a:xfrm>
+          <a:prstGeom prst="rect">
+            <a:avLst/>
+          </a:prstGeom>
+        </p:spPr>
+      </p:pic>
+    </p:spTree>
+    <p:extLst>
+      <p:ext uri="{BB962C8B-B14F-4D97-AF65-F5344CB8AC3E}">
+        <p14:creationId xmlns:p14="http://schemas.microsoft.com/office/powerpoint/2010/main" val="3408110384"/>
+      </p:ext>
+    </p:extLst>
+  </p:cSld>
+  <p:clrMapOvr>
+    <a:masterClrMapping/>
+  </p:clrMapOvr>
+  <p:timing>
+    <p:tnLst>
+      <p:par>
+        <p:cTn id="1" dur="indefinite" restart="never" nodeType="tmRoot"/>
+      </p:par>
+    </p:tnLst>
+  </p:timing>
+</p:sld>
+</file>
+
+<file path=ppt/slides/slide22.xml><?xml version="1.0" encoding="utf-8"?>
+<p:sld xmlns:a="http://schemas.openxmlformats.org/drawingml/2006/main" xmlns:r="http://schemas.openxmlformats.org/officeDocument/2006/relationships" xmlns:p="http://schemas.openxmlformats.org/presentationml/2006/main">
+  <p:cSld>
+    <p:spTree>
+      <p:nvGrpSpPr>
+        <p:cNvPr id="1" name=""/>
+        <p:cNvGrpSpPr/>
+        <p:nvPr/>
+      </p:nvGrpSpPr>
+      <p:grpSpPr>
+        <a:xfrm>
+          <a:off x="0" y="0"/>
+          <a:ext cx="0" cy="0"/>
+          <a:chOff x="0" y="0"/>
+          <a:chExt cx="0" cy="0"/>
+        </a:xfrm>
+      </p:grpSpPr>
+      <p:sp>
+        <p:nvSpPr>
+          <p:cNvPr id="2" name="内容占位符 1"/>
+          <p:cNvSpPr>
+            <a:spLocks noGrp="1"/>
+          </p:cNvSpPr>
+          <p:nvPr>
+            <p:ph sz="quarter" idx="10"/>
+          </p:nvPr>
+        </p:nvSpPr>
+        <p:spPr>
+          <a:xfrm>
+            <a:off x="756285" y="1246505"/>
+            <a:ext cx="10237959" cy="5135848"/>
+          </a:xfrm>
+        </p:spPr>
+        <p:txBody>
+          <a:bodyPr/>
+          <a:lstStyle/>
+          <a:p>
+            <a:pPr marL="374650" lvl="1">
+              <a:spcBef>
+                <a:spcPts val="600"/>
+              </a:spcBef>
+              <a:spcAft>
+                <a:spcPts val="600"/>
+              </a:spcAft>
+              <a:buClr>
+                <a:schemeClr val="accent1">
+                  <a:lumMod val="75000"/>
+                </a:schemeClr>
+              </a:buClr>
+              <a:buSzPct val="110000"/>
+              <a:buBlip>
+                <a:blip r:embed="rId2"/>
+              </a:buBlip>
+            </a:pPr>
+            <a:r>
+              <a:rPr lang="zh-CN" altLang="en-US" dirty="0"/>
+              <a:t>通过点击显示图像按钮在画面中读入一个图像文件，通过这个过程了解按顺序触发了哪些事件，并用提示信息显示出这些事件的名字。</a:t>
+            </a:r>
+          </a:p>
+        </p:txBody>
+      </p:sp>
+      <p:sp>
+        <p:nvSpPr>
+          <p:cNvPr id="3" name="内容占位符 2"/>
+          <p:cNvSpPr>
+            <a:spLocks noGrp="1"/>
+          </p:cNvSpPr>
+          <p:nvPr>
+            <p:ph sz="quarter" idx="11"/>
+          </p:nvPr>
+        </p:nvSpPr>
+        <p:spPr/>
+        <p:txBody>
+          <a:bodyPr/>
+          <a:lstStyle/>
+          <a:p>
+            <a:pPr>
+              <a:buClrTx/>
+            </a:pPr>
+            <a:r>
+              <a:rPr lang="zh-CN" altLang="en-US" dirty="0"/>
+              <a:t>事件顺序</a:t>
+            </a:r>
+          </a:p>
+        </p:txBody>
+      </p:sp>
+      <p:sp>
+        <p:nvSpPr>
+          <p:cNvPr id="7" name="Text Box 4"/>
+          <p:cNvSpPr txBox="1">
+            <a:spLocks noChangeArrowheads="1"/>
+          </p:cNvSpPr>
+          <p:nvPr/>
+        </p:nvSpPr>
+        <p:spPr bwMode="auto">
+          <a:xfrm>
+            <a:off x="7536160" y="4653136"/>
+            <a:ext cx="2559012" cy="525401"/>
+          </a:xfrm>
+          <a:prstGeom prst="rect">
+            <a:avLst/>
+          </a:prstGeom>
+          <a:noFill/>
+          <a:ln>
+            <a:noFill/>
+          </a:ln>
+          <a:extLst>
+            <a:ext uri="{909E8E84-426E-40DD-AFC4-6F175D3DCCD1}">
+              <a14:hiddenFill xmlns:a14="http://schemas.microsoft.com/office/drawing/2010/main">
+                <a:solidFill>
+                  <a:srgbClr val="FFFFFF"/>
+                </a:solidFill>
+              </a14:hiddenFill>
+            </a:ext>
+            <a:ext uri="{91240B29-F687-4F45-9708-019B960494DF}">
+              <a14:hiddenLine xmlns:a14="http://schemas.microsoft.com/office/drawing/2010/main" w="9525">
+                <a:solidFill>
+                  <a:srgbClr val="000000"/>
+                </a:solidFill>
+                <a:round/>
+                <a:headEnd/>
+                <a:tailEnd/>
+              </a14:hiddenLine>
+            </a:ext>
+          </a:extLst>
+        </p:spPr>
+        <p:txBody>
+          <a:bodyPr wrap="none" lIns="90000" tIns="46800" rIns="90000" bIns="46800">
+            <a:spAutoFit/>
+          </a:bodyPr>
+          <a:lstStyle>
+            <a:lvl1pPr>
+              <a:tabLst>
+                <a:tab pos="0" algn="l"/>
+                <a:tab pos="447675" algn="l"/>
+                <a:tab pos="896938" algn="l"/>
+                <a:tab pos="1346200" algn="l"/>
+                <a:tab pos="1795463" algn="l"/>
+                <a:tab pos="2244725" algn="l"/>
+                <a:tab pos="2693988" algn="l"/>
+                <a:tab pos="3143250" algn="l"/>
+                <a:tab pos="3592513" algn="l"/>
+                <a:tab pos="4041775" algn="l"/>
+                <a:tab pos="4491038" algn="l"/>
+                <a:tab pos="4940300" algn="l"/>
+                <a:tab pos="5389563" algn="l"/>
+                <a:tab pos="5838825" algn="l"/>
+                <a:tab pos="6288088" algn="l"/>
+                <a:tab pos="6737350" algn="l"/>
+                <a:tab pos="7186613" algn="l"/>
+                <a:tab pos="7635875" algn="l"/>
+                <a:tab pos="8085138" algn="l"/>
+                <a:tab pos="8534400" algn="l"/>
+                <a:tab pos="8983663" algn="l"/>
+              </a:tabLst>
+              <a:defRPr kumimoji="1" sz="3200">
+                <a:solidFill>
+                  <a:schemeClr val="bg1"/>
+                </a:solidFill>
+                <a:latin typeface="Arial" panose="020B0604020202020204" pitchFamily="34" charset="0"/>
+                <a:ea typeface="微软雅黑" panose="020B0503020204020204" pitchFamily="34" charset="-122"/>
+              </a:defRPr>
+            </a:lvl1pPr>
+            <a:lvl2pPr>
+              <a:tabLst>
+                <a:tab pos="0" algn="l"/>
+                <a:tab pos="447675" algn="l"/>
+                <a:tab pos="896938" algn="l"/>
+                <a:tab pos="1346200" algn="l"/>
+                <a:tab pos="1795463" algn="l"/>
+                <a:tab pos="2244725" algn="l"/>
+                <a:tab pos="2693988" algn="l"/>
+                <a:tab pos="3143250" algn="l"/>
+                <a:tab pos="3592513" algn="l"/>
+                <a:tab pos="4041775" algn="l"/>
+                <a:tab pos="4491038" algn="l"/>
+                <a:tab pos="4940300" algn="l"/>
+                <a:tab pos="5389563" algn="l"/>
+                <a:tab pos="5838825" algn="l"/>
+                <a:tab pos="6288088" algn="l"/>
+                <a:tab pos="6737350" algn="l"/>
+                <a:tab pos="7186613" algn="l"/>
+                <a:tab pos="7635875" algn="l"/>
+                <a:tab pos="8085138" algn="l"/>
+                <a:tab pos="8534400" algn="l"/>
+                <a:tab pos="8983663" algn="l"/>
+              </a:tabLst>
+              <a:defRPr kumimoji="1" sz="3200">
+                <a:solidFill>
+                  <a:schemeClr val="bg1"/>
+                </a:solidFill>
+                <a:latin typeface="Arial" panose="020B0604020202020204" pitchFamily="34" charset="0"/>
+                <a:ea typeface="微软雅黑" panose="020B0503020204020204" pitchFamily="34" charset="-122"/>
+              </a:defRPr>
+            </a:lvl2pPr>
+            <a:lvl3pPr>
+              <a:tabLst>
+                <a:tab pos="0" algn="l"/>
+                <a:tab pos="447675" algn="l"/>
+                <a:tab pos="896938" algn="l"/>
+                <a:tab pos="1346200" algn="l"/>
+                <a:tab pos="1795463" algn="l"/>
+                <a:tab pos="2244725" algn="l"/>
+                <a:tab pos="2693988" algn="l"/>
+                <a:tab pos="3143250" algn="l"/>
+                <a:tab pos="3592513" algn="l"/>
+                <a:tab pos="4041775" algn="l"/>
+                <a:tab pos="4491038" algn="l"/>
+                <a:tab pos="4940300" algn="l"/>
+                <a:tab pos="5389563" algn="l"/>
+                <a:tab pos="5838825" algn="l"/>
+                <a:tab pos="6288088" algn="l"/>
+                <a:tab pos="6737350" algn="l"/>
+                <a:tab pos="7186613" algn="l"/>
+                <a:tab pos="7635875" algn="l"/>
+                <a:tab pos="8085138" algn="l"/>
+                <a:tab pos="8534400" algn="l"/>
+                <a:tab pos="8983663" algn="l"/>
+              </a:tabLst>
+              <a:defRPr kumimoji="1" sz="3200">
+                <a:solidFill>
+                  <a:schemeClr val="bg1"/>
+                </a:solidFill>
+                <a:latin typeface="Arial" panose="020B0604020202020204" pitchFamily="34" charset="0"/>
+                <a:ea typeface="微软雅黑" panose="020B0503020204020204" pitchFamily="34" charset="-122"/>
+              </a:defRPr>
+            </a:lvl3pPr>
+            <a:lvl4pPr>
+              <a:tabLst>
+                <a:tab pos="0" algn="l"/>
+                <a:tab pos="447675" algn="l"/>
+                <a:tab pos="896938" algn="l"/>
+                <a:tab pos="1346200" algn="l"/>
+                <a:tab pos="1795463" algn="l"/>
+                <a:tab pos="2244725" algn="l"/>
+                <a:tab pos="2693988" algn="l"/>
+                <a:tab pos="3143250" algn="l"/>
+                <a:tab pos="3592513" algn="l"/>
+                <a:tab pos="4041775" algn="l"/>
+                <a:tab pos="4491038" algn="l"/>
+                <a:tab pos="4940300" algn="l"/>
+                <a:tab pos="5389563" algn="l"/>
+                <a:tab pos="5838825" algn="l"/>
+                <a:tab pos="6288088" algn="l"/>
+                <a:tab pos="6737350" algn="l"/>
+                <a:tab pos="7186613" algn="l"/>
+                <a:tab pos="7635875" algn="l"/>
+                <a:tab pos="8085138" algn="l"/>
+                <a:tab pos="8534400" algn="l"/>
+                <a:tab pos="8983663" algn="l"/>
+              </a:tabLst>
+              <a:defRPr kumimoji="1" sz="3200">
+                <a:solidFill>
+                  <a:schemeClr val="bg1"/>
+                </a:solidFill>
+                <a:latin typeface="Arial" panose="020B0604020202020204" pitchFamily="34" charset="0"/>
+                <a:ea typeface="微软雅黑" panose="020B0503020204020204" pitchFamily="34" charset="-122"/>
+              </a:defRPr>
+            </a:lvl4pPr>
+            <a:lvl5pPr>
+              <a:tabLst>
+                <a:tab pos="0" algn="l"/>
+                <a:tab pos="447675" algn="l"/>
+                <a:tab pos="896938" algn="l"/>
+                <a:tab pos="1346200" algn="l"/>
+                <a:tab pos="1795463" algn="l"/>
+                <a:tab pos="2244725" algn="l"/>
+                <a:tab pos="2693988" algn="l"/>
+                <a:tab pos="3143250" algn="l"/>
+                <a:tab pos="3592513" algn="l"/>
+                <a:tab pos="4041775" algn="l"/>
+                <a:tab pos="4491038" algn="l"/>
+                <a:tab pos="4940300" algn="l"/>
+                <a:tab pos="5389563" algn="l"/>
+                <a:tab pos="5838825" algn="l"/>
+                <a:tab pos="6288088" algn="l"/>
+                <a:tab pos="6737350" algn="l"/>
+                <a:tab pos="7186613" algn="l"/>
+                <a:tab pos="7635875" algn="l"/>
+                <a:tab pos="8085138" algn="l"/>
+                <a:tab pos="8534400" algn="l"/>
+                <a:tab pos="8983663" algn="l"/>
+              </a:tabLst>
+              <a:defRPr kumimoji="1" sz="3200">
+                <a:solidFill>
+                  <a:schemeClr val="bg1"/>
+                </a:solidFill>
+                <a:latin typeface="Arial" panose="020B0604020202020204" pitchFamily="34" charset="0"/>
+                <a:ea typeface="微软雅黑" panose="020B0503020204020204" pitchFamily="34" charset="-122"/>
+              </a:defRPr>
+            </a:lvl5pPr>
+            <a:lvl6pPr marL="2514600" indent="-228600" defTabSz="449263" fontAlgn="base">
+              <a:spcBef>
+                <a:spcPct val="0"/>
+              </a:spcBef>
+              <a:spcAft>
+                <a:spcPct val="0"/>
+              </a:spcAft>
+              <a:buClr>
+                <a:srgbClr val="000000"/>
+              </a:buClr>
+              <a:buSzPct val="100000"/>
+              <a:buFont typeface="Times New Roman" panose="02020603050405020304" pitchFamily="18" charset="0"/>
+              <a:tabLst>
+                <a:tab pos="0" algn="l"/>
+                <a:tab pos="447675" algn="l"/>
+                <a:tab pos="896938" algn="l"/>
+                <a:tab pos="1346200" algn="l"/>
+                <a:tab pos="1795463" algn="l"/>
+                <a:tab pos="2244725" algn="l"/>
+                <a:tab pos="2693988" algn="l"/>
+                <a:tab pos="3143250" algn="l"/>
+                <a:tab pos="3592513" algn="l"/>
+                <a:tab pos="4041775" algn="l"/>
+                <a:tab pos="4491038" algn="l"/>
+                <a:tab pos="4940300" algn="l"/>
+                <a:tab pos="5389563" algn="l"/>
+                <a:tab pos="5838825" algn="l"/>
+                <a:tab pos="6288088" algn="l"/>
+                <a:tab pos="6737350" algn="l"/>
+                <a:tab pos="7186613" algn="l"/>
+                <a:tab pos="7635875" algn="l"/>
+                <a:tab pos="8085138" algn="l"/>
+                <a:tab pos="8534400" algn="l"/>
+                <a:tab pos="8983663" algn="l"/>
+              </a:tabLst>
+              <a:defRPr kumimoji="1" sz="3200">
+                <a:solidFill>
+                  <a:schemeClr val="bg1"/>
+                </a:solidFill>
+                <a:latin typeface="Arial" panose="020B0604020202020204" pitchFamily="34" charset="0"/>
+                <a:ea typeface="微软雅黑" panose="020B0503020204020204" pitchFamily="34" charset="-122"/>
+              </a:defRPr>
+            </a:lvl6pPr>
+            <a:lvl7pPr marL="2971800" indent="-228600" defTabSz="449263" fontAlgn="base">
+              <a:spcBef>
+                <a:spcPct val="0"/>
+              </a:spcBef>
+              <a:spcAft>
+                <a:spcPct val="0"/>
+              </a:spcAft>
+              <a:buClr>
+                <a:srgbClr val="000000"/>
+              </a:buClr>
+              <a:buSzPct val="100000"/>
+              <a:buFont typeface="Times New Roman" panose="02020603050405020304" pitchFamily="18" charset="0"/>
+              <a:tabLst>
+                <a:tab pos="0" algn="l"/>
+                <a:tab pos="447675" algn="l"/>
+                <a:tab pos="896938" algn="l"/>
+                <a:tab pos="1346200" algn="l"/>
+                <a:tab pos="1795463" algn="l"/>
+                <a:tab pos="2244725" algn="l"/>
+                <a:tab pos="2693988" algn="l"/>
+                <a:tab pos="3143250" algn="l"/>
+                <a:tab pos="3592513" algn="l"/>
+                <a:tab pos="4041775" algn="l"/>
+                <a:tab pos="4491038" algn="l"/>
+                <a:tab pos="4940300" algn="l"/>
+                <a:tab pos="5389563" algn="l"/>
+                <a:tab pos="5838825" algn="l"/>
+                <a:tab pos="6288088" algn="l"/>
+                <a:tab pos="6737350" algn="l"/>
+                <a:tab pos="7186613" algn="l"/>
+                <a:tab pos="7635875" algn="l"/>
+                <a:tab pos="8085138" algn="l"/>
+                <a:tab pos="8534400" algn="l"/>
+                <a:tab pos="8983663" algn="l"/>
+              </a:tabLst>
+              <a:defRPr kumimoji="1" sz="3200">
+                <a:solidFill>
+                  <a:schemeClr val="bg1"/>
+                </a:solidFill>
+                <a:latin typeface="Arial" panose="020B0604020202020204" pitchFamily="34" charset="0"/>
+                <a:ea typeface="微软雅黑" panose="020B0503020204020204" pitchFamily="34" charset="-122"/>
+              </a:defRPr>
+            </a:lvl7pPr>
+            <a:lvl8pPr marL="3429000" indent="-228600" defTabSz="449263" fontAlgn="base">
+              <a:spcBef>
+                <a:spcPct val="0"/>
+              </a:spcBef>
+              <a:spcAft>
+                <a:spcPct val="0"/>
+              </a:spcAft>
+              <a:buClr>
+                <a:srgbClr val="000000"/>
+              </a:buClr>
+              <a:buSzPct val="100000"/>
+              <a:buFont typeface="Times New Roman" panose="02020603050405020304" pitchFamily="18" charset="0"/>
+              <a:tabLst>
+                <a:tab pos="0" algn="l"/>
+                <a:tab pos="447675" algn="l"/>
+                <a:tab pos="896938" algn="l"/>
+                <a:tab pos="1346200" algn="l"/>
+                <a:tab pos="1795463" algn="l"/>
+                <a:tab pos="2244725" algn="l"/>
+                <a:tab pos="2693988" algn="l"/>
+                <a:tab pos="3143250" algn="l"/>
+                <a:tab pos="3592513" algn="l"/>
+                <a:tab pos="4041775" algn="l"/>
+                <a:tab pos="4491038" algn="l"/>
+                <a:tab pos="4940300" algn="l"/>
+                <a:tab pos="5389563" algn="l"/>
+                <a:tab pos="5838825" algn="l"/>
+                <a:tab pos="6288088" algn="l"/>
+                <a:tab pos="6737350" algn="l"/>
+                <a:tab pos="7186613" algn="l"/>
+                <a:tab pos="7635875" algn="l"/>
+                <a:tab pos="8085138" algn="l"/>
+                <a:tab pos="8534400" algn="l"/>
+                <a:tab pos="8983663" algn="l"/>
+              </a:tabLst>
+              <a:defRPr kumimoji="1" sz="3200">
+                <a:solidFill>
+                  <a:schemeClr val="bg1"/>
+                </a:solidFill>
+                <a:latin typeface="Arial" panose="020B0604020202020204" pitchFamily="34" charset="0"/>
+                <a:ea typeface="微软雅黑" panose="020B0503020204020204" pitchFamily="34" charset="-122"/>
+              </a:defRPr>
+            </a:lvl8pPr>
+            <a:lvl9pPr marL="3886200" indent="-228600" defTabSz="449263" fontAlgn="base">
+              <a:spcBef>
+                <a:spcPct val="0"/>
+              </a:spcBef>
+              <a:spcAft>
+                <a:spcPct val="0"/>
+              </a:spcAft>
+              <a:buClr>
+                <a:srgbClr val="000000"/>
+              </a:buClr>
+              <a:buSzPct val="100000"/>
+              <a:buFont typeface="Times New Roman" panose="02020603050405020304" pitchFamily="18" charset="0"/>
+              <a:tabLst>
+                <a:tab pos="0" algn="l"/>
+                <a:tab pos="447675" algn="l"/>
+                <a:tab pos="896938" algn="l"/>
+                <a:tab pos="1346200" algn="l"/>
+                <a:tab pos="1795463" algn="l"/>
+                <a:tab pos="2244725" algn="l"/>
+                <a:tab pos="2693988" algn="l"/>
+                <a:tab pos="3143250" algn="l"/>
+                <a:tab pos="3592513" algn="l"/>
+                <a:tab pos="4041775" algn="l"/>
+                <a:tab pos="4491038" algn="l"/>
+                <a:tab pos="4940300" algn="l"/>
+                <a:tab pos="5389563" algn="l"/>
+                <a:tab pos="5838825" algn="l"/>
+                <a:tab pos="6288088" algn="l"/>
+                <a:tab pos="6737350" algn="l"/>
+                <a:tab pos="7186613" algn="l"/>
+                <a:tab pos="7635875" algn="l"/>
+                <a:tab pos="8085138" algn="l"/>
+                <a:tab pos="8534400" algn="l"/>
+                <a:tab pos="8983663" algn="l"/>
+              </a:tabLst>
+              <a:defRPr kumimoji="1" sz="3200">
+                <a:solidFill>
+                  <a:schemeClr val="bg1"/>
+                </a:solidFill>
+                <a:latin typeface="Arial" panose="020B0604020202020204" pitchFamily="34" charset="0"/>
+                <a:ea typeface="微软雅黑" panose="020B0503020204020204" pitchFamily="34" charset="-122"/>
+              </a:defRPr>
+            </a:lvl9pPr>
+          </a:lstStyle>
+          <a:p>
+            <a:pPr>
+              <a:buClrTx/>
+              <a:buFontTx/>
+              <a:buNone/>
+            </a:pPr>
+            <a:r>
+              <a:rPr kumimoji="0" lang="zh-CN" altLang="en-US" sz="2800" dirty="0">
+                <a:solidFill>
+                  <a:srgbClr val="000000"/>
+                </a:solidFill>
+              </a:rPr>
+              <a:t>示例</a:t>
+            </a:r>
+            <a:r>
+              <a:rPr kumimoji="0" lang="zh-CN" altLang="en-US" sz="2800" dirty="0" smtClean="0">
+                <a:solidFill>
+                  <a:srgbClr val="000000"/>
+                </a:solidFill>
+              </a:rPr>
+              <a:t>：</a:t>
+            </a:r>
+            <a:r>
+              <a:rPr kumimoji="0" lang="en-US" altLang="zh-CN" sz="2800" dirty="0" smtClean="0">
+                <a:solidFill>
+                  <a:srgbClr val="000000"/>
+                </a:solidFill>
+              </a:rPr>
+              <a:t>8-7.html</a:t>
             </a:r>
             <a:endParaRPr kumimoji="0" lang="en-US" altLang="zh-CN" sz="2800" dirty="0">
               <a:solidFill>
@@ -11381,7 +12550,7 @@
 </p:sld>
 </file>
 
-<file path=ppt/slides/slide21.xml><?xml version="1.0" encoding="utf-8"?>
+<file path=ppt/slides/slide23.xml><?xml version="1.0" encoding="utf-8"?>
 <p:sld xmlns:a="http://schemas.openxmlformats.org/drawingml/2006/main" xmlns:r="http://schemas.openxmlformats.org/officeDocument/2006/relationships" xmlns:p="http://schemas.openxmlformats.org/presentationml/2006/main">
   <p:cSld>
     <p:spTree>
@@ -12307,7 +13476,12 @@
             <p:ph sz="quarter" idx="10"/>
           </p:nvPr>
         </p:nvSpPr>
-        <p:spPr/>
+        <p:spPr>
+          <a:xfrm>
+            <a:off x="756285" y="1246505"/>
+            <a:ext cx="10670157" cy="4643120"/>
+          </a:xfrm>
+        </p:spPr>
         <p:txBody>
           <a:bodyPr/>
           <a:lstStyle/>
@@ -12363,16 +13537,24 @@
           </a:p>
           <a:p>
             <a:r>
+              <a:rPr lang="en-US" altLang="zh-CN" dirty="0" smtClean="0"/>
+              <a:t>HTML5</a:t>
+            </a:r>
+            <a:r>
               <a:rPr lang="zh-CN" altLang="en-US" dirty="0"/>
-              <a:t>在</a:t>
+              <a:t>通过添加</a:t>
             </a:r>
             <a:r>
               <a:rPr lang="en-US" altLang="zh-CN" dirty="0"/>
-              <a:t>HTML4</a:t>
+              <a:t>multiple</a:t>
             </a:r>
             <a:r>
               <a:rPr lang="zh-CN" altLang="en-US" dirty="0"/>
-              <a:t>中，</a:t>
+              <a:t>属性</a:t>
+            </a:r>
+            <a:r>
+              <a:rPr lang="zh-CN" altLang="en-US" dirty="0" smtClean="0"/>
+              <a:t>，允许</a:t>
             </a:r>
             <a:r>
               <a:rPr lang="en-US" altLang="zh-CN" dirty="0"/>
@@ -12380,23 +13562,15 @@
             </a:r>
             <a:r>
               <a:rPr lang="zh-CN" altLang="en-US" dirty="0"/>
-              <a:t>控件内只允许放置一个文件，</a:t>
-            </a:r>
-            <a:r>
-              <a:rPr lang="en-US" altLang="zh-CN" dirty="0"/>
-              <a:t>HTML5</a:t>
+              <a:t>控件一次放置多个文件。</a:t>
+            </a:r>
+            <a:r>
+              <a:rPr lang="zh-CN" altLang="en-US" dirty="0" smtClean="0"/>
+              <a:t>每个</a:t>
             </a:r>
             <a:r>
               <a:rPr lang="zh-CN" altLang="en-US" dirty="0"/>
-              <a:t>通过添加</a:t>
-            </a:r>
-            <a:r>
-              <a:rPr lang="en-US" altLang="zh-CN" dirty="0"/>
-              <a:t>multiple</a:t>
-            </a:r>
-            <a:r>
-              <a:rPr lang="zh-CN" altLang="en-US" dirty="0"/>
-              <a:t>属性，在</a:t>
+              <a:t>文件都是一个</a:t>
             </a:r>
             <a:r>
               <a:rPr lang="en-US" altLang="zh-CN" dirty="0"/>
@@ -12404,58 +13578,37 @@
             </a:r>
             <a:r>
               <a:rPr lang="zh-CN" altLang="en-US" dirty="0"/>
-              <a:t>控件内允许一次放置多个文件。每一个文件都是一个</a:t>
-            </a:r>
-            <a:r>
-              <a:rPr lang="en-US" altLang="zh-CN" dirty="0"/>
+              <a:t>对象</a:t>
+            </a:r>
+            <a:r>
+              <a:rPr lang="zh-CN" altLang="en-US" dirty="0" smtClean="0"/>
+              <a:t>，</a:t>
+            </a:r>
+            <a:r>
+              <a:rPr lang="en-US" altLang="zh-CN" dirty="0" err="1" smtClean="0"/>
+              <a:t>FileList</a:t>
+            </a:r>
+            <a:r>
+              <a:rPr lang="zh-CN" altLang="en-US" dirty="0" smtClean="0"/>
+              <a:t>对象</a:t>
+            </a:r>
+            <a:r>
+              <a:rPr lang="zh-CN" altLang="en-US" dirty="0"/>
+              <a:t>是</a:t>
+            </a:r>
+            <a:r>
+              <a:rPr lang="en-US" altLang="zh-CN" dirty="0" smtClean="0"/>
               <a:t>file</a:t>
             </a:r>
             <a:r>
               <a:rPr lang="zh-CN" altLang="en-US" dirty="0"/>
-              <a:t>对象，而</a:t>
-            </a:r>
-            <a:r>
-              <a:rPr lang="en-US" altLang="zh-CN" dirty="0" err="1"/>
-              <a:t>FileList</a:t>
-            </a:r>
-            <a:r>
-              <a:rPr lang="zh-CN" altLang="en-US" dirty="0"/>
-              <a:t>对象则为这些</a:t>
-            </a:r>
-            <a:r>
-              <a:rPr lang="en-US" altLang="zh-CN" dirty="0"/>
-              <a:t>file</a:t>
-            </a:r>
-            <a:r>
-              <a:rPr lang="zh-CN" altLang="en-US" dirty="0"/>
-              <a:t>对象的列表，代表用户选择的所有文件。</a:t>
-            </a:r>
-          </a:p>
-          <a:p>
-            <a:r>
-              <a:rPr lang="en-US" altLang="zh-CN" dirty="0"/>
-              <a:t>File</a:t>
-            </a:r>
-            <a:r>
-              <a:rPr lang="zh-CN" altLang="en-US" dirty="0"/>
-              <a:t>对象有两个属性，</a:t>
-            </a:r>
-            <a:r>
-              <a:rPr lang="en-US" altLang="zh-CN" dirty="0"/>
-              <a:t>name</a:t>
-            </a:r>
-            <a:r>
-              <a:rPr lang="zh-CN" altLang="en-US" dirty="0"/>
-              <a:t>属性表示文件名，不包括路径；</a:t>
-            </a:r>
-            <a:r>
-              <a:rPr lang="en-US" altLang="zh-CN" dirty="0" err="1"/>
-              <a:t>lastModifiedDate</a:t>
-            </a:r>
-            <a:r>
-              <a:rPr lang="zh-CN" altLang="en-US" dirty="0"/>
-              <a:t>属性表示文件的最后修改日期。</a:t>
-            </a:r>
+              <a:t>对象的列表，代表用户选择的所有文件</a:t>
+            </a:r>
+            <a:r>
+              <a:rPr lang="zh-CN" altLang="en-US" dirty="0" smtClean="0"/>
+              <a:t>。</a:t>
+            </a:r>
+            <a:endParaRPr lang="zh-CN" altLang="en-US" dirty="0"/>
           </a:p>
         </p:txBody>
       </p:sp>
@@ -12483,10 +13636,14 @@
             </a:r>
             <a:r>
               <a:rPr lang="zh-CN" altLang="en-US" dirty="0"/>
-              <a:t>对象与</a:t>
-            </a:r>
-            <a:r>
-              <a:rPr lang="en-US" altLang="zh-CN" dirty="0"/>
+              <a:t>对象</a:t>
+            </a:r>
+            <a:r>
+              <a:rPr lang="zh-CN" altLang="en-US" dirty="0" smtClean="0"/>
+              <a:t>与</a:t>
+            </a:r>
+            <a:r>
+              <a:rPr lang="en-US" altLang="zh-CN" dirty="0" smtClean="0"/>
               <a:t>file</a:t>
             </a:r>
             <a:r>
@@ -12636,67 +13793,6 @@
                       </p:childTnLst>
                     </p:cTn>
                   </p:par>
-                  <p:par>
-                    <p:cTn id="13" fill="hold">
-                      <p:stCondLst>
-                        <p:cond delay="indefinite"/>
-                      </p:stCondLst>
-                      <p:childTnLst>
-                        <p:par>
-                          <p:cTn id="14" fill="hold">
-                            <p:stCondLst>
-                              <p:cond delay="0"/>
-                            </p:stCondLst>
-                            <p:childTnLst>
-                              <p:par>
-                                <p:cTn id="15" presetID="10" presetClass="entr" presetSubtype="0" fill="hold" nodeType="clickEffect">
-                                  <p:stCondLst>
-                                    <p:cond delay="0"/>
-                                  </p:stCondLst>
-                                  <p:childTnLst>
-                                    <p:set>
-                                      <p:cBhvr>
-                                        <p:cTn id="16" dur="1" fill="hold">
-                                          <p:stCondLst>
-                                            <p:cond delay="0"/>
-                                          </p:stCondLst>
-                                        </p:cTn>
-                                        <p:tgtEl>
-                                          <p:spTgt spid="2">
-                                            <p:txEl>
-                                              <p:pRg st="2" end="2"/>
-                                            </p:txEl>
-                                          </p:spTgt>
-                                        </p:tgtEl>
-                                        <p:attrNameLst>
-                                          <p:attrName>style.visibility</p:attrName>
-                                        </p:attrNameLst>
-                                      </p:cBhvr>
-                                      <p:to>
-                                        <p:strVal val="visible"/>
-                                      </p:to>
-                                    </p:set>
-                                    <p:animEffect transition="in" filter="fade">
-                                      <p:cBhvr>
-                                        <p:cTn id="17" dur="500"/>
-                                        <p:tgtEl>
-                                          <p:spTgt spid="2">
-                                            <p:txEl>
-                                              <p:pRg st="2" end="2"/>
-                                            </p:txEl>
-                                          </p:spTgt>
-                                        </p:tgtEl>
-                                      </p:cBhvr>
-                                    </p:animEffect>
-                                  </p:childTnLst>
-                                </p:cTn>
-                              </p:par>
-                            </p:childTnLst>
-                          </p:cTn>
-                        </p:par>
-                      </p:childTnLst>
-                    </p:cTn>
-                  </p:par>
                 </p:childTnLst>
               </p:cTn>
               <p:prevCondLst>
@@ -12751,171 +13847,113 @@
         </p:nvSpPr>
         <p:spPr>
           <a:xfrm>
-            <a:off x="756285" y="2996801"/>
-            <a:ext cx="10547985" cy="2892823"/>
+            <a:off x="756285" y="1246505"/>
+            <a:ext cx="10886256" cy="4643120"/>
           </a:xfrm>
         </p:spPr>
         <p:txBody>
           <a:bodyPr/>
           <a:lstStyle/>
           <a:p>
-            <a:pPr lvl="1">
-              <a:spcBef>
-                <a:spcPts val="600"/>
-              </a:spcBef>
-              <a:spcAft>
-                <a:spcPts val="600"/>
-              </a:spcAft>
-            </a:pPr>
-            <a:r>
-              <a:rPr lang="zh-CN" altLang="en-US" dirty="0">
-                <a:solidFill>
-                  <a:srgbClr val="008000"/>
-                </a:solidFill>
-              </a:rPr>
-              <a:t>通过</a:t>
-            </a:r>
-            <a:r>
-              <a:rPr lang="zh-CN" altLang="en-US" dirty="0" smtClean="0">
-                <a:solidFill>
-                  <a:srgbClr val="008000"/>
-                </a:solidFill>
-              </a:rPr>
-              <a:t>给标记</a:t>
-            </a:r>
-            <a:r>
-              <a:rPr lang="zh-CN" altLang="en-US" dirty="0">
-                <a:solidFill>
-                  <a:srgbClr val="008000"/>
-                </a:solidFill>
-              </a:rPr>
-              <a:t>添加</a:t>
-            </a:r>
-            <a:r>
-              <a:rPr lang="en-US" altLang="zh-CN" dirty="0">
-                <a:solidFill>
-                  <a:srgbClr val="008000"/>
-                </a:solidFill>
-              </a:rPr>
-              <a:t>multiple</a:t>
-            </a:r>
-            <a:r>
-              <a:rPr lang="zh-CN" altLang="en-US" dirty="0">
-                <a:solidFill>
-                  <a:srgbClr val="008000"/>
-                </a:solidFill>
-              </a:rPr>
-              <a:t>来设定当前文件选择器可选中多个文件</a:t>
-            </a:r>
+            <a:r>
+              <a:rPr lang="en-US" altLang="zh-CN" dirty="0"/>
+              <a:t>f</a:t>
+            </a:r>
+            <a:r>
+              <a:rPr lang="en-US" altLang="zh-CN" dirty="0" smtClean="0"/>
+              <a:t>ile</a:t>
+            </a:r>
+            <a:r>
+              <a:rPr lang="zh-CN" altLang="en-US" dirty="0" smtClean="0"/>
+              <a:t>对象的属性</a:t>
+            </a:r>
+            <a:endParaRPr lang="en-US" altLang="zh-CN" dirty="0" smtClean="0"/>
           </a:p>
           <a:p>
-            <a:pPr lvl="1">
-              <a:spcBef>
-                <a:spcPts val="600"/>
-              </a:spcBef>
-              <a:spcAft>
-                <a:spcPts val="600"/>
-              </a:spcAft>
-            </a:pPr>
-            <a:r>
-              <a:rPr lang="zh-CN" altLang="en-US" dirty="0"/>
-              <a:t>所有</a:t>
-            </a:r>
-            <a:r>
-              <a:rPr lang="en-US" altLang="zh-CN" dirty="0"/>
+            <a:pPr lvl="1"/>
+            <a:r>
+              <a:rPr lang="en-US" altLang="zh-CN" sz="2500" dirty="0"/>
+              <a:t>name</a:t>
+            </a:r>
+            <a:r>
+              <a:rPr lang="zh-CN" altLang="en-US" sz="2500" dirty="0"/>
+              <a:t>：文件名，该属性只读。</a:t>
+            </a:r>
+          </a:p>
+          <a:p>
+            <a:pPr lvl="1"/>
+            <a:r>
+              <a:rPr lang="en-US" altLang="zh-CN" sz="2500" dirty="0"/>
+              <a:t>size</a:t>
+            </a:r>
+            <a:r>
+              <a:rPr lang="zh-CN" altLang="en-US" sz="2500" dirty="0"/>
+              <a:t>：文件大小，单位为字节，该属性只读。</a:t>
+            </a:r>
+          </a:p>
+          <a:p>
+            <a:pPr lvl="1"/>
+            <a:r>
+              <a:rPr lang="en-US" altLang="zh-CN" sz="2500" dirty="0"/>
               <a:t>type</a:t>
             </a:r>
             <a:r>
-              <a:rPr lang="zh-CN" altLang="en-US" dirty="0"/>
-              <a:t>属性为</a:t>
-            </a:r>
-            <a:r>
-              <a:rPr lang="en-US" altLang="zh-CN" dirty="0"/>
-              <a:t>file</a:t>
-            </a:r>
-            <a:r>
-              <a:rPr lang="zh-CN" altLang="en-US" dirty="0"/>
-              <a:t>的</a:t>
-            </a:r>
-            <a:r>
-              <a:rPr lang="en-US" altLang="zh-CN" dirty="0"/>
-              <a:t>&lt;input&gt;</a:t>
-            </a:r>
-            <a:r>
-              <a:rPr lang="zh-CN" altLang="en-US" dirty="0"/>
-              <a:t>元素都有一个</a:t>
-            </a:r>
-            <a:r>
-              <a:rPr lang="en-US" altLang="zh-CN" dirty="0">
-                <a:solidFill>
-                  <a:srgbClr val="FF0000"/>
-                </a:solidFill>
-              </a:rPr>
-              <a:t>files</a:t>
-            </a:r>
-            <a:r>
-              <a:rPr lang="zh-CN" altLang="en-US" dirty="0">
-                <a:solidFill>
-                  <a:srgbClr val="FF0000"/>
-                </a:solidFill>
-              </a:rPr>
-              <a:t>属性</a:t>
-            </a:r>
-            <a:r>
-              <a:rPr lang="zh-CN" altLang="en-US" dirty="0"/>
-              <a:t>，用来存储用户所选择的文件。</a:t>
-            </a:r>
-            <a:r>
-              <a:rPr lang="en-US" altLang="zh-CN" dirty="0"/>
-              <a:t>files</a:t>
-            </a:r>
-            <a:r>
-              <a:rPr lang="zh-CN" altLang="en-US" dirty="0" smtClean="0"/>
-              <a:t>有</a:t>
-            </a:r>
-            <a:r>
-              <a:rPr lang="en-US" altLang="zh-CN" dirty="0" smtClean="0"/>
-              <a:t>length</a:t>
-            </a:r>
-            <a:r>
-              <a:rPr lang="zh-CN" altLang="en-US" dirty="0"/>
-              <a:t>属性和</a:t>
-            </a:r>
-            <a:r>
-              <a:rPr lang="en-US" altLang="zh-CN" dirty="0"/>
-              <a:t>item</a:t>
-            </a:r>
-            <a:r>
-              <a:rPr lang="zh-CN" altLang="en-US" dirty="0"/>
-              <a:t>方法。可以通过</a:t>
-            </a:r>
-            <a:r>
-              <a:rPr lang="en-US" altLang="zh-CN" dirty="0"/>
-              <a:t>files[index]</a:t>
-            </a:r>
-            <a:r>
-              <a:rPr lang="zh-CN" altLang="en-US" dirty="0"/>
-              <a:t>或者</a:t>
-            </a:r>
-            <a:r>
-              <a:rPr lang="en-US" altLang="zh-CN" dirty="0" err="1"/>
-              <a:t>files.item</a:t>
-            </a:r>
-            <a:r>
-              <a:rPr lang="en-US" altLang="zh-CN" dirty="0"/>
-              <a:t>(index)</a:t>
-            </a:r>
-            <a:r>
-              <a:rPr lang="zh-CN" altLang="en-US" dirty="0"/>
-              <a:t>获取选择的</a:t>
-            </a:r>
-            <a:r>
-              <a:rPr lang="en-US" altLang="zh-CN" dirty="0"/>
-              <a:t>file</a:t>
-            </a:r>
-            <a:r>
-              <a:rPr lang="zh-CN" altLang="en-US" dirty="0"/>
-              <a:t>对象。</a:t>
+              <a:rPr lang="zh-CN" altLang="en-US" sz="2500" dirty="0"/>
+              <a:t>：文件的 </a:t>
+            </a:r>
+            <a:r>
+              <a:rPr lang="en-US" altLang="zh-CN" sz="2500" dirty="0"/>
+              <a:t>MIME </a:t>
+            </a:r>
+            <a:r>
+              <a:rPr lang="zh-CN" altLang="en-US" sz="2500" dirty="0"/>
+              <a:t>类型，如果分辨不出类型，则为空字符</a:t>
+            </a:r>
+            <a:r>
+              <a:rPr lang="zh-CN" altLang="en-US" sz="2500" dirty="0" smtClean="0"/>
+              <a:t>串</a:t>
+            </a:r>
+            <a:r>
+              <a:rPr lang="zh-CN" altLang="en-US" sz="2500" dirty="0"/>
+              <a:t>，</a:t>
+            </a:r>
+            <a:r>
+              <a:rPr lang="zh-CN" altLang="en-US" sz="2500" dirty="0" smtClean="0"/>
+              <a:t>只读</a:t>
+            </a:r>
+            <a:r>
+              <a:rPr lang="zh-CN" altLang="en-US" sz="2500" dirty="0"/>
+              <a:t>。</a:t>
+            </a:r>
+          </a:p>
+          <a:p>
+            <a:pPr lvl="1"/>
+            <a:r>
+              <a:rPr lang="en-US" altLang="zh-CN" sz="2500" dirty="0" err="1"/>
+              <a:t>lastModified</a:t>
+            </a:r>
+            <a:r>
+              <a:rPr lang="zh-CN" altLang="en-US" sz="2500" dirty="0"/>
+              <a:t>：文件的上次修改时间，格式为时间戳。</a:t>
+            </a:r>
+          </a:p>
+          <a:p>
+            <a:pPr lvl="1"/>
+            <a:r>
+              <a:rPr lang="en-US" altLang="zh-CN" sz="2500" dirty="0" err="1"/>
+              <a:t>lastModifiedDate</a:t>
+            </a:r>
+            <a:r>
+              <a:rPr lang="zh-CN" altLang="en-US" sz="2500" dirty="0"/>
+              <a:t>：文件的上次修改时间，格式为 </a:t>
+            </a:r>
+            <a:r>
+              <a:rPr lang="en-US" altLang="zh-CN" sz="2500" dirty="0"/>
+              <a:t>Date </a:t>
+            </a:r>
+            <a:r>
+              <a:rPr lang="zh-CN" altLang="en-US" sz="2500" dirty="0"/>
+              <a:t>对象实例。</a:t>
             </a:r>
           </a:p>
         </p:txBody>
@@ -12939,12 +13977,387 @@
               <a:buClrTx/>
             </a:pPr>
             <a:r>
+              <a:rPr lang="en-US" altLang="zh-CN" dirty="0"/>
+              <a:t>f</a:t>
+            </a:r>
+            <a:r>
+              <a:rPr lang="en-US" altLang="zh-CN" dirty="0" smtClean="0"/>
+              <a:t>ile</a:t>
+            </a:r>
+            <a:r>
+              <a:rPr lang="zh-CN" altLang="en-US" dirty="0"/>
+              <a:t>对象</a:t>
+            </a:r>
+          </a:p>
+        </p:txBody>
+      </p:sp>
+      <p:pic>
+        <p:nvPicPr>
+          <p:cNvPr id="1027" name="Picture 3"/>
+          <p:cNvPicPr>
+            <a:picLocks noChangeAspect="1" noChangeArrowheads="1"/>
+          </p:cNvPicPr>
+          <p:nvPr/>
+        </p:nvPicPr>
+        <p:blipFill>
+          <a:blip r:embed="rId2">
+            <a:extLst>
+              <a:ext uri="{28A0092B-C50C-407E-A947-70E740481C1C}">
+                <a14:useLocalDpi xmlns:a14="http://schemas.microsoft.com/office/drawing/2010/main" val="0"/>
+              </a:ext>
+            </a:extLst>
+          </a:blip>
+          <a:srcRect/>
+          <a:stretch>
+            <a:fillRect/>
+          </a:stretch>
+        </p:blipFill>
+        <p:spPr bwMode="auto">
+          <a:xfrm>
+            <a:off x="1341822" y="4847894"/>
+            <a:ext cx="8032675" cy="1800825"/>
+          </a:xfrm>
+          <a:prstGeom prst="rect">
+            <a:avLst/>
+          </a:prstGeom>
+          <a:noFill/>
+          <a:ln>
+            <a:noFill/>
+          </a:ln>
+          <a:effectLst>
+            <a:outerShdw blurRad="63500" sx="102000" sy="102000" algn="ctr" rotWithShape="0">
+              <a:schemeClr val="accent5">
+                <a:lumMod val="75000"/>
+                <a:alpha val="40000"/>
+              </a:schemeClr>
+            </a:outerShdw>
+          </a:effectLst>
+          <a:extLst>
+            <a:ext uri="{909E8E84-426E-40DD-AFC4-6F175D3DCCD1}">
+              <a14:hiddenFill xmlns:a14="http://schemas.microsoft.com/office/drawing/2010/main">
+                <a:solidFill>
+                  <a:schemeClr val="accent1"/>
+                </a:solidFill>
+              </a14:hiddenFill>
+            </a:ext>
+            <a:ext uri="{91240B29-F687-4F45-9708-019B960494DF}">
+              <a14:hiddenLine xmlns:a14="http://schemas.microsoft.com/office/drawing/2010/main" w="9525">
+                <a:solidFill>
+                  <a:schemeClr val="tx1"/>
+                </a:solidFill>
+                <a:miter lim="800000"/>
+                <a:headEnd/>
+                <a:tailEnd/>
+              </a14:hiddenLine>
+            </a:ext>
+          </a:extLst>
+        </p:spPr>
+      </p:pic>
+    </p:spTree>
+    <p:extLst>
+      <p:ext uri="{BB962C8B-B14F-4D97-AF65-F5344CB8AC3E}">
+        <p14:creationId xmlns:p14="http://schemas.microsoft.com/office/powerpoint/2010/main" val="827490342"/>
+      </p:ext>
+    </p:extLst>
+  </p:cSld>
+  <p:clrMapOvr>
+    <a:masterClrMapping/>
+  </p:clrMapOvr>
+  <p:timing>
+    <p:tnLst>
+      <p:par>
+        <p:cTn id="1" dur="indefinite" restart="never" nodeType="tmRoot">
+          <p:childTnLst>
+            <p:seq concurrent="1" nextAc="seek">
+              <p:cTn id="2" dur="indefinite" nodeType="mainSeq">
+                <p:childTnLst>
+                  <p:par>
+                    <p:cTn id="3" fill="hold">
+                      <p:stCondLst>
+                        <p:cond delay="indefinite"/>
+                      </p:stCondLst>
+                      <p:childTnLst>
+                        <p:par>
+                          <p:cTn id="4" fill="hold">
+                            <p:stCondLst>
+                              <p:cond delay="0"/>
+                            </p:stCondLst>
+                            <p:childTnLst>
+                              <p:par>
+                                <p:cTn id="5" presetID="2" presetClass="entr" presetSubtype="4" fill="hold" nodeType="clickEffect">
+                                  <p:stCondLst>
+                                    <p:cond delay="0"/>
+                                  </p:stCondLst>
+                                  <p:childTnLst>
+                                    <p:set>
+                                      <p:cBhvr>
+                                        <p:cTn id="6" dur="1" fill="hold">
+                                          <p:stCondLst>
+                                            <p:cond delay="0"/>
+                                          </p:stCondLst>
+                                        </p:cTn>
+                                        <p:tgtEl>
+                                          <p:spTgt spid="1027"/>
+                                        </p:tgtEl>
+                                        <p:attrNameLst>
+                                          <p:attrName>style.visibility</p:attrName>
+                                        </p:attrNameLst>
+                                      </p:cBhvr>
+                                      <p:to>
+                                        <p:strVal val="visible"/>
+                                      </p:to>
+                                    </p:set>
+                                    <p:anim calcmode="lin" valueType="num">
+                                      <p:cBhvr additive="base">
+                                        <p:cTn id="7" dur="500" fill="hold"/>
+                                        <p:tgtEl>
+                                          <p:spTgt spid="1027"/>
+                                        </p:tgtEl>
+                                        <p:attrNameLst>
+                                          <p:attrName>ppt_x</p:attrName>
+                                        </p:attrNameLst>
+                                      </p:cBhvr>
+                                      <p:tavLst>
+                                        <p:tav tm="0">
+                                          <p:val>
+                                            <p:strVal val="#ppt_x"/>
+                                          </p:val>
+                                        </p:tav>
+                                        <p:tav tm="100000">
+                                          <p:val>
+                                            <p:strVal val="#ppt_x"/>
+                                          </p:val>
+                                        </p:tav>
+                                      </p:tavLst>
+                                    </p:anim>
+                                    <p:anim calcmode="lin" valueType="num">
+                                      <p:cBhvr additive="base">
+                                        <p:cTn id="8" dur="500" fill="hold"/>
+                                        <p:tgtEl>
+                                          <p:spTgt spid="1027"/>
+                                        </p:tgtEl>
+                                        <p:attrNameLst>
+                                          <p:attrName>ppt_y</p:attrName>
+                                        </p:attrNameLst>
+                                      </p:cBhvr>
+                                      <p:tavLst>
+                                        <p:tav tm="0">
+                                          <p:val>
+                                            <p:strVal val="1+#ppt_h/2"/>
+                                          </p:val>
+                                        </p:tav>
+                                        <p:tav tm="100000">
+                                          <p:val>
+                                            <p:strVal val="#ppt_y"/>
+                                          </p:val>
+                                        </p:tav>
+                                      </p:tavLst>
+                                    </p:anim>
+                                  </p:childTnLst>
+                                </p:cTn>
+                              </p:par>
+                            </p:childTnLst>
+                          </p:cTn>
+                        </p:par>
+                      </p:childTnLst>
+                    </p:cTn>
+                  </p:par>
+                </p:childTnLst>
+              </p:cTn>
+              <p:prevCondLst>
+                <p:cond evt="onPrev" delay="0">
+                  <p:tgtEl>
+                    <p:sldTgt/>
+                  </p:tgtEl>
+                </p:cond>
+              </p:prevCondLst>
+              <p:nextCondLst>
+                <p:cond evt="onNext" delay="0">
+                  <p:tgtEl>
+                    <p:sldTgt/>
+                  </p:tgtEl>
+                </p:cond>
+              </p:nextCondLst>
+            </p:seq>
+          </p:childTnLst>
+        </p:cTn>
+      </p:par>
+    </p:tnLst>
+  </p:timing>
+</p:sld>
+</file>
+
+<file path=ppt/slides/slide7.xml><?xml version="1.0" encoding="utf-8"?>
+<p:sld xmlns:a="http://schemas.openxmlformats.org/drawingml/2006/main" xmlns:r="http://schemas.openxmlformats.org/officeDocument/2006/relationships" xmlns:p="http://schemas.openxmlformats.org/presentationml/2006/main">
+  <p:cSld>
+    <p:spTree>
+      <p:nvGrpSpPr>
+        <p:cNvPr id="1" name=""/>
+        <p:cNvGrpSpPr/>
+        <p:nvPr/>
+      </p:nvGrpSpPr>
+      <p:grpSpPr>
+        <a:xfrm>
+          <a:off x="0" y="0"/>
+          <a:ext cx="0" cy="0"/>
+          <a:chOff x="0" y="0"/>
+          <a:chExt cx="0" cy="0"/>
+        </a:xfrm>
+      </p:grpSpPr>
+      <p:sp>
+        <p:nvSpPr>
+          <p:cNvPr id="2" name="内容占位符 1"/>
+          <p:cNvSpPr>
+            <a:spLocks noGrp="1"/>
+          </p:cNvSpPr>
+          <p:nvPr>
+            <p:ph sz="quarter" idx="10"/>
+          </p:nvPr>
+        </p:nvSpPr>
+        <p:spPr>
+          <a:xfrm>
+            <a:off x="756284" y="2564604"/>
+            <a:ext cx="10547985" cy="2892823"/>
+          </a:xfrm>
+        </p:spPr>
+        <p:txBody>
+          <a:bodyPr/>
+          <a:lstStyle/>
+          <a:p>
+            <a:pPr lvl="1">
+              <a:spcBef>
+                <a:spcPts val="600"/>
+              </a:spcBef>
+              <a:spcAft>
+                <a:spcPts val="600"/>
+              </a:spcAft>
+            </a:pPr>
+            <a:r>
+              <a:rPr lang="zh-CN" altLang="en-US" dirty="0" smtClean="0"/>
+              <a:t>所有</a:t>
+            </a:r>
+            <a:r>
+              <a:rPr lang="en-US" altLang="zh-CN" dirty="0"/>
+              <a:t>type</a:t>
+            </a:r>
+            <a:r>
+              <a:rPr lang="zh-CN" altLang="en-US" dirty="0"/>
+              <a:t>属性为</a:t>
+            </a:r>
+            <a:r>
+              <a:rPr lang="en-US" altLang="zh-CN" dirty="0"/>
+              <a:t>file</a:t>
+            </a:r>
+            <a:r>
+              <a:rPr lang="zh-CN" altLang="en-US" dirty="0"/>
+              <a:t>的</a:t>
+            </a:r>
+            <a:r>
+              <a:rPr lang="en-US" altLang="zh-CN" dirty="0"/>
+              <a:t>&lt;input&gt;</a:t>
+            </a:r>
+            <a:r>
+              <a:rPr lang="zh-CN" altLang="en-US" dirty="0"/>
+              <a:t>元素都有一个</a:t>
+            </a:r>
+            <a:r>
+              <a:rPr lang="en-US" altLang="zh-CN" dirty="0">
+                <a:solidFill>
+                  <a:srgbClr val="FF0000"/>
+                </a:solidFill>
+              </a:rPr>
+              <a:t>files</a:t>
+            </a:r>
+            <a:r>
+              <a:rPr lang="zh-CN" altLang="en-US" dirty="0">
+                <a:solidFill>
+                  <a:srgbClr val="FF0000"/>
+                </a:solidFill>
+              </a:rPr>
+              <a:t>属性</a:t>
+            </a:r>
+            <a:r>
+              <a:rPr lang="zh-CN" altLang="en-US" dirty="0"/>
+              <a:t>，用来存储用户所选择的文件</a:t>
+            </a:r>
+            <a:r>
+              <a:rPr lang="zh-CN" altLang="en-US" dirty="0" smtClean="0"/>
+              <a:t>。</a:t>
+            </a:r>
+            <a:r>
+              <a:rPr lang="en-US" altLang="zh-CN" dirty="0"/>
+              <a:t>files </a:t>
+            </a:r>
+            <a:r>
+              <a:rPr lang="zh-CN" altLang="en-US" dirty="0"/>
+              <a:t>属性值就是 </a:t>
+            </a:r>
+            <a:r>
               <a:rPr lang="en-US" altLang="zh-CN" dirty="0" err="1"/>
               <a:t>FileList</a:t>
             </a:r>
             <a:r>
+              <a:rPr lang="en-US" altLang="zh-CN" dirty="0"/>
+              <a:t> </a:t>
+            </a:r>
+            <a:r>
+              <a:rPr lang="zh-CN" altLang="en-US" dirty="0" smtClean="0"/>
+              <a:t>对象。</a:t>
+            </a:r>
+            <a:endParaRPr lang="en-US" altLang="zh-CN" dirty="0" smtClean="0"/>
+          </a:p>
+          <a:p>
+            <a:pPr lvl="1">
+              <a:spcBef>
+                <a:spcPts val="600"/>
+              </a:spcBef>
+              <a:spcAft>
+                <a:spcPts val="600"/>
+              </a:spcAft>
+            </a:pPr>
+            <a:r>
+              <a:rPr lang="en-US" altLang="zh-CN" dirty="0" smtClean="0"/>
+              <a:t>files</a:t>
+            </a:r>
+            <a:r>
+              <a:rPr lang="zh-CN" altLang="en-US" dirty="0" smtClean="0"/>
+              <a:t>有</a:t>
+            </a:r>
+            <a:r>
+              <a:rPr lang="en-US" altLang="zh-CN" dirty="0" smtClean="0"/>
+              <a:t>length</a:t>
+            </a:r>
+            <a:r>
               <a:rPr lang="zh-CN" altLang="en-US" dirty="0"/>
-              <a:t>对象与</a:t>
+              <a:t>属性和</a:t>
+            </a:r>
+            <a:r>
+              <a:rPr lang="en-US" altLang="zh-CN" dirty="0"/>
+              <a:t>item</a:t>
+            </a:r>
+            <a:r>
+              <a:rPr lang="zh-CN" altLang="en-US" dirty="0"/>
+              <a:t>方法。可以通过</a:t>
+            </a:r>
+            <a:r>
+              <a:rPr lang="en-US" altLang="zh-CN" dirty="0"/>
+              <a:t>files[index]</a:t>
+            </a:r>
+            <a:r>
+              <a:rPr lang="zh-CN" altLang="en-US" dirty="0"/>
+              <a:t>或者</a:t>
+            </a:r>
+            <a:r>
+              <a:rPr lang="en-US" altLang="zh-CN" dirty="0" err="1"/>
+              <a:t>files.item</a:t>
+            </a:r>
+            <a:r>
+              <a:rPr lang="en-US" altLang="zh-CN" dirty="0"/>
+              <a:t>(index)</a:t>
+            </a:r>
+            <a:r>
+              <a:rPr lang="zh-CN" altLang="en-US" dirty="0"/>
+              <a:t>获取选择的</a:t>
             </a:r>
             <a:r>
               <a:rPr lang="en-US" altLang="zh-CN" dirty="0"/>
@@ -12952,8 +14365,38 @@
             </a:r>
             <a:r>
               <a:rPr lang="zh-CN" altLang="en-US" dirty="0"/>
+              <a:t>对象。</a:t>
+            </a:r>
+          </a:p>
+        </p:txBody>
+      </p:sp>
+      <p:sp>
+        <p:nvSpPr>
+          <p:cNvPr id="3" name="内容占位符 2"/>
+          <p:cNvSpPr>
+            <a:spLocks noGrp="1"/>
+          </p:cNvSpPr>
+          <p:nvPr>
+            <p:ph sz="quarter" idx="11"/>
+          </p:nvPr>
+        </p:nvSpPr>
+        <p:spPr/>
+        <p:txBody>
+          <a:bodyPr/>
+          <a:lstStyle/>
+          <a:p>
+            <a:pPr>
+              <a:buClrTx/>
+            </a:pPr>
+            <a:r>
+              <a:rPr lang="en-US" altLang="zh-CN" dirty="0" err="1"/>
+              <a:t>FileList</a:t>
+            </a:r>
+            <a:r>
+              <a:rPr lang="zh-CN" altLang="en-US" dirty="0" smtClean="0"/>
               <a:t>对象</a:t>
             </a:r>
+            <a:endParaRPr lang="zh-CN" altLang="en-US" dirty="0"/>
           </a:p>
         </p:txBody>
       </p:sp>
@@ -12965,7 +14408,7 @@
         </p:nvSpPr>
         <p:spPr>
           <a:xfrm>
-            <a:off x="1349757" y="1818402"/>
+            <a:off x="1349757" y="1700208"/>
             <a:ext cx="9361040" cy="626518"/>
           </a:xfrm>
           <a:prstGeom prst="rect">
@@ -13035,6 +14478,68 @@
           </a:p>
         </p:txBody>
       </p:sp>
+      <p:pic>
+        <p:nvPicPr>
+          <p:cNvPr id="2050" name="Picture 2"/>
+          <p:cNvPicPr>
+            <a:picLocks noChangeAspect="1" noChangeArrowheads="1"/>
+          </p:cNvPicPr>
+          <p:nvPr/>
+        </p:nvPicPr>
+        <p:blipFill>
+          <a:blip r:embed="rId3">
+            <a:extLst>
+              <a:ext uri="{28A0092B-C50C-407E-A947-70E740481C1C}">
+                <a14:useLocalDpi xmlns:a14="http://schemas.microsoft.com/office/drawing/2010/main" val="0"/>
+              </a:ext>
+            </a:extLst>
+          </a:blip>
+          <a:srcRect/>
+          <a:stretch>
+            <a:fillRect/>
+          </a:stretch>
+        </p:blipFill>
+        <p:spPr bwMode="auto">
+          <a:xfrm>
+            <a:off x="1629954" y="5229825"/>
+            <a:ext cx="5870874" cy="1401366"/>
+          </a:xfrm>
+          <a:prstGeom prst="rect">
+            <a:avLst/>
+          </a:prstGeom>
+          <a:noFill/>
+          <a:ln>
+            <a:noFill/>
+          </a:ln>
+          <a:effectLst>
+            <a:outerShdw blurRad="63500" sx="102000" sy="102000" algn="ctr" rotWithShape="0">
+              <a:schemeClr val="accent6">
+                <a:lumMod val="75000"/>
+                <a:alpha val="40000"/>
+              </a:schemeClr>
+            </a:outerShdw>
+          </a:effectLst>
+          <a:extLst>
+            <a:ext uri="{909E8E84-426E-40DD-AFC4-6F175D3DCCD1}">
+              <a14:hiddenFill xmlns:a14="http://schemas.microsoft.com/office/drawing/2010/main">
+                <a:solidFill>
+                  <a:schemeClr val="accent1"/>
+                </a:solidFill>
+              </a14:hiddenFill>
+            </a:ext>
+            <a:ext uri="{91240B29-F687-4F45-9708-019B960494DF}">
+              <a14:hiddenLine xmlns:a14="http://schemas.microsoft.com/office/drawing/2010/main" w="9525">
+                <a:solidFill>
+                  <a:schemeClr val="tx1"/>
+                </a:solidFill>
+                <a:miter lim="800000"/>
+                <a:headEnd/>
+                <a:tailEnd/>
+              </a14:hiddenLine>
+            </a:ext>
+          </a:extLst>
+        </p:spPr>
+      </p:pic>
     </p:spTree>
     <p:extLst>
       <p:ext uri="{BB962C8B-B14F-4D97-AF65-F5344CB8AC3E}">
@@ -13048,14 +14553,136 @@
   <p:timing>
     <p:tnLst>
       <p:par>
-        <p:cTn id="1" dur="indefinite" restart="never" nodeType="tmRoot"/>
+        <p:cTn id="1" dur="indefinite" restart="never" nodeType="tmRoot">
+          <p:childTnLst>
+            <p:seq concurrent="1" nextAc="seek">
+              <p:cTn id="2" dur="indefinite" nodeType="mainSeq">
+                <p:childTnLst>
+                  <p:par>
+                    <p:cTn id="3" fill="hold">
+                      <p:stCondLst>
+                        <p:cond delay="indefinite"/>
+                      </p:stCondLst>
+                      <p:childTnLst>
+                        <p:par>
+                          <p:cTn id="4" fill="hold">
+                            <p:stCondLst>
+                              <p:cond delay="0"/>
+                            </p:stCondLst>
+                            <p:childTnLst>
+                              <p:par>
+                                <p:cTn id="5" presetID="42" presetClass="entr" presetSubtype="0" fill="hold" nodeType="clickEffect">
+                                  <p:stCondLst>
+                                    <p:cond delay="0"/>
+                                  </p:stCondLst>
+                                  <p:childTnLst>
+                                    <p:set>
+                                      <p:cBhvr>
+                                        <p:cTn id="6" dur="1" fill="hold">
+                                          <p:stCondLst>
+                                            <p:cond delay="0"/>
+                                          </p:stCondLst>
+                                        </p:cTn>
+                                        <p:tgtEl>
+                                          <p:spTgt spid="2050"/>
+                                        </p:tgtEl>
+                                        <p:attrNameLst>
+                                          <p:attrName>style.visibility</p:attrName>
+                                        </p:attrNameLst>
+                                      </p:cBhvr>
+                                      <p:to>
+                                        <p:strVal val="visible"/>
+                                      </p:to>
+                                    </p:set>
+                                    <p:animEffect transition="in" filter="fade">
+                                      <p:cBhvr>
+                                        <p:cTn id="7" dur="1000"/>
+                                        <p:tgtEl>
+                                          <p:spTgt spid="2050"/>
+                                        </p:tgtEl>
+                                      </p:cBhvr>
+                                    </p:animEffect>
+                                    <p:anim calcmode="lin" valueType="num">
+                                      <p:cBhvr>
+                                        <p:cTn id="8" dur="1000" fill="hold"/>
+                                        <p:tgtEl>
+                                          <p:spTgt spid="2050"/>
+                                        </p:tgtEl>
+                                        <p:attrNameLst>
+                                          <p:attrName>ppt_x</p:attrName>
+                                        </p:attrNameLst>
+                                      </p:cBhvr>
+                                      <p:tavLst>
+                                        <p:tav tm="0">
+                                          <p:val>
+                                            <p:strVal val="#ppt_x"/>
+                                          </p:val>
+                                        </p:tav>
+                                        <p:tav tm="100000">
+                                          <p:val>
+                                            <p:strVal val="#ppt_x"/>
+                                          </p:val>
+                                        </p:tav>
+                                      </p:tavLst>
+                                    </p:anim>
+                                    <p:anim calcmode="lin" valueType="num">
+                                      <p:cBhvr>
+                                        <p:cTn id="9" dur="1000" fill="hold"/>
+                                        <p:tgtEl>
+                                          <p:spTgt spid="2050"/>
+                                        </p:tgtEl>
+                                        <p:attrNameLst>
+                                          <p:attrName>ppt_y</p:attrName>
+                                        </p:attrNameLst>
+                                      </p:cBhvr>
+                                      <p:tavLst>
+                                        <p:tav tm="0">
+                                          <p:val>
+                                            <p:strVal val="#ppt_y+.1"/>
+                                          </p:val>
+                                        </p:tav>
+                                        <p:tav tm="100000">
+                                          <p:val>
+                                            <p:strVal val="#ppt_y"/>
+                                          </p:val>
+                                        </p:tav>
+                                      </p:tavLst>
+                                    </p:anim>
+                                  </p:childTnLst>
+                                </p:cTn>
+                              </p:par>
+                            </p:childTnLst>
+                          </p:cTn>
+                        </p:par>
+                      </p:childTnLst>
+                    </p:cTn>
+                  </p:par>
+                </p:childTnLst>
+              </p:cTn>
+              <p:prevCondLst>
+                <p:cond evt="onPrev" delay="0">
+                  <p:tgtEl>
+                    <p:sldTgt/>
+                  </p:tgtEl>
+                </p:cond>
+              </p:prevCondLst>
+              <p:nextCondLst>
+                <p:cond evt="onNext" delay="0">
+                  <p:tgtEl>
+                    <p:sldTgt/>
+                  </p:tgtEl>
+                </p:cond>
+              </p:nextCondLst>
+            </p:seq>
+          </p:childTnLst>
+        </p:cTn>
       </p:par>
     </p:tnLst>
   </p:timing>
 </p:sld>
 </file>
 
-<file path=ppt/slides/slide7.xml><?xml version="1.0" encoding="utf-8"?>
+<file path=ppt/slides/slide8.xml><?xml version="1.0" encoding="utf-8"?>
 <p:sld xmlns:a="http://schemas.openxmlformats.org/drawingml/2006/main" xmlns:r="http://schemas.openxmlformats.org/officeDocument/2006/relationships" xmlns:p="http://schemas.openxmlformats.org/presentationml/2006/main">
   <p:cSld>
     <p:spTree>
@@ -13617,7 +15244,7 @@
 </p:sld>
 </file>
 
-<file path=ppt/slides/slide8.xml><?xml version="1.0" encoding="utf-8"?>
+<file path=ppt/slides/slide9.xml><?xml version="1.0" encoding="utf-8"?>
 <p:sld xmlns:a="http://schemas.openxmlformats.org/drawingml/2006/main" xmlns:r="http://schemas.openxmlformats.org/officeDocument/2006/relationships" xmlns:p="http://schemas.openxmlformats.org/presentationml/2006/main">
   <p:cSld>
     <p:spTree>
@@ -14175,398 +15802,6 @@
     <p:tnLst>
       <p:par>
         <p:cTn id="1" dur="indefinite" restart="never" nodeType="tmRoot"/>
-      </p:par>
-    </p:tnLst>
-  </p:timing>
-</p:sld>
-</file>
-
-<file path=ppt/slides/slide9.xml><?xml version="1.0" encoding="utf-8"?>
-<p:sld xmlns:a="http://schemas.openxmlformats.org/drawingml/2006/main" xmlns:r="http://schemas.openxmlformats.org/officeDocument/2006/relationships" xmlns:p="http://schemas.openxmlformats.org/presentationml/2006/main">
-  <p:cSld>
-    <p:spTree>
-      <p:nvGrpSpPr>
-        <p:cNvPr id="1" name=""/>
-        <p:cNvGrpSpPr/>
-        <p:nvPr/>
-      </p:nvGrpSpPr>
-      <p:grpSpPr>
-        <a:xfrm>
-          <a:off x="0" y="0"/>
-          <a:ext cx="0" cy="0"/>
-          <a:chOff x="0" y="0"/>
-          <a:chExt cx="0" cy="0"/>
-        </a:xfrm>
-      </p:grpSpPr>
-      <p:sp>
-        <p:nvSpPr>
-          <p:cNvPr id="2" name="内容占位符 1"/>
-          <p:cNvSpPr>
-            <a:spLocks noGrp="1"/>
-          </p:cNvSpPr>
-          <p:nvPr>
-            <p:ph sz="quarter" idx="10"/>
-          </p:nvPr>
-        </p:nvSpPr>
-        <p:spPr/>
-        <p:txBody>
-          <a:bodyPr/>
-          <a:lstStyle/>
-          <a:p>
-            <a:r>
-              <a:rPr lang="en-US" altLang="zh-CN" dirty="0">
-                <a:solidFill>
-                  <a:srgbClr val="FF0000"/>
-                </a:solidFill>
-              </a:rPr>
-              <a:t>Blob</a:t>
-            </a:r>
-            <a:r>
-              <a:rPr lang="zh-CN" altLang="en-US" dirty="0">
-                <a:solidFill>
-                  <a:srgbClr val="FF0000"/>
-                </a:solidFill>
-              </a:rPr>
-              <a:t>对象</a:t>
-            </a:r>
-            <a:r>
-              <a:rPr lang="en-US" altLang="zh-CN" dirty="0">
-                <a:solidFill>
-                  <a:srgbClr val="FF0000"/>
-                </a:solidFill>
-              </a:rPr>
-              <a:t>(binary large object </a:t>
-            </a:r>
-            <a:r>
-              <a:rPr lang="zh-CN" altLang="en-US" dirty="0">
-                <a:solidFill>
-                  <a:srgbClr val="FF0000"/>
-                </a:solidFill>
-              </a:rPr>
-              <a:t>二进制大对象</a:t>
-            </a:r>
-            <a:r>
-              <a:rPr lang="en-US" altLang="zh-CN" dirty="0">
-                <a:solidFill>
-                  <a:srgbClr val="FF0000"/>
-                </a:solidFill>
-              </a:rPr>
-              <a:t>)</a:t>
-            </a:r>
-            <a:r>
-              <a:rPr lang="zh-CN" altLang="en-US" dirty="0">
-                <a:solidFill>
-                  <a:srgbClr val="FF0000"/>
-                </a:solidFill>
-              </a:rPr>
-              <a:t>，表示二进制原始数据。</a:t>
-            </a:r>
-          </a:p>
-          <a:p>
-            <a:pPr lvl="1"/>
-            <a:r>
-              <a:rPr lang="en-US" altLang="zh-CN" dirty="0"/>
-              <a:t>slice( )       </a:t>
-            </a:r>
-            <a:r>
-              <a:rPr lang="zh-CN" altLang="en-US" dirty="0"/>
-              <a:t>可以访问到字节内部的原始数据块。</a:t>
-            </a:r>
-          </a:p>
-          <a:p>
-            <a:pPr lvl="1"/>
-            <a:r>
-              <a:rPr lang="en-US" altLang="zh-CN" dirty="0"/>
-              <a:t>size</a:t>
-            </a:r>
-            <a:r>
-              <a:rPr lang="zh-CN" altLang="en-US" dirty="0"/>
-              <a:t>属性    </a:t>
-            </a:r>
-            <a:r>
-              <a:rPr lang="zh-CN" altLang="en-US" dirty="0" smtClean="0"/>
-              <a:t>表示</a:t>
-            </a:r>
-            <a:r>
-              <a:rPr lang="zh-CN" altLang="en-US" dirty="0"/>
-              <a:t>一个</a:t>
-            </a:r>
-            <a:r>
-              <a:rPr lang="en-US" altLang="zh-CN" dirty="0"/>
-              <a:t>Blob</a:t>
-            </a:r>
-            <a:r>
-              <a:rPr lang="zh-CN" altLang="en-US" dirty="0"/>
-              <a:t>对象的字节长度</a:t>
-            </a:r>
-          </a:p>
-          <a:p>
-            <a:pPr lvl="1"/>
-            <a:r>
-              <a:rPr lang="en-US" altLang="zh-CN" dirty="0"/>
-              <a:t>type</a:t>
-            </a:r>
-            <a:r>
-              <a:rPr lang="zh-CN" altLang="en-US" dirty="0"/>
-              <a:t>属性   表示</a:t>
-            </a:r>
-            <a:r>
-              <a:rPr lang="en-US" altLang="zh-CN" dirty="0"/>
-              <a:t>Blob</a:t>
-            </a:r>
-            <a:r>
-              <a:rPr lang="zh-CN" altLang="en-US" dirty="0"/>
-              <a:t>的</a:t>
-            </a:r>
-            <a:r>
-              <a:rPr lang="en-US" altLang="zh-CN" dirty="0"/>
-              <a:t>MIME</a:t>
-            </a:r>
-            <a:r>
-              <a:rPr lang="zh-CN" altLang="en-US" dirty="0"/>
-              <a:t>类型，如果是未知类型，则返回一个空字符串</a:t>
-            </a:r>
-            <a:r>
-              <a:rPr lang="zh-CN" altLang="en-US" dirty="0" smtClean="0"/>
-              <a:t>。</a:t>
-            </a:r>
-            <a:endParaRPr lang="en-US" altLang="zh-CN" dirty="0" smtClean="0"/>
-          </a:p>
-          <a:p>
-            <a:pPr marL="374650" lvl="1">
-              <a:spcBef>
-                <a:spcPts val="600"/>
-              </a:spcBef>
-              <a:spcAft>
-                <a:spcPts val="600"/>
-              </a:spcAft>
-              <a:buClr>
-                <a:schemeClr val="accent1">
-                  <a:lumMod val="75000"/>
-                </a:schemeClr>
-              </a:buClr>
-              <a:buSzPct val="110000"/>
-              <a:buBlip>
-                <a:blip r:embed="rId3"/>
-              </a:buBlip>
-            </a:pPr>
-            <a:r>
-              <a:rPr lang="en-US" altLang="zh-CN" sz="2800" dirty="0">
-                <a:solidFill>
-                  <a:srgbClr val="FF0000"/>
-                </a:solidFill>
-              </a:rPr>
-              <a:t>file</a:t>
-            </a:r>
-            <a:r>
-              <a:rPr lang="zh-CN" altLang="en-US" sz="2800" dirty="0">
-                <a:solidFill>
-                  <a:srgbClr val="FF0000"/>
-                </a:solidFill>
-              </a:rPr>
-              <a:t>对象继承了</a:t>
-            </a:r>
-            <a:r>
-              <a:rPr lang="en-US" altLang="zh-CN" sz="2800" dirty="0">
-                <a:solidFill>
-                  <a:srgbClr val="FF0000"/>
-                </a:solidFill>
-              </a:rPr>
-              <a:t>Blob</a:t>
-            </a:r>
-            <a:r>
-              <a:rPr lang="zh-CN" altLang="en-US" sz="2800" dirty="0">
-                <a:solidFill>
-                  <a:srgbClr val="FF0000"/>
-                </a:solidFill>
-              </a:rPr>
-              <a:t>对象</a:t>
-            </a:r>
-          </a:p>
-        </p:txBody>
-      </p:sp>
-      <p:sp>
-        <p:nvSpPr>
-          <p:cNvPr id="3" name="内容占位符 2"/>
-          <p:cNvSpPr>
-            <a:spLocks noGrp="1"/>
-          </p:cNvSpPr>
-          <p:nvPr>
-            <p:ph sz="quarter" idx="11"/>
-          </p:nvPr>
-        </p:nvSpPr>
-        <p:spPr/>
-        <p:txBody>
-          <a:bodyPr/>
-          <a:lstStyle/>
-          <a:p>
-            <a:pPr>
-              <a:buClrTx/>
-            </a:pPr>
-            <a:r>
-              <a:rPr lang="en-US" altLang="zh-CN" dirty="0"/>
-              <a:t>Blob</a:t>
-            </a:r>
-            <a:r>
-              <a:rPr lang="zh-CN" altLang="en-US" dirty="0"/>
-              <a:t>对象的属性</a:t>
-            </a:r>
-            <a:endParaRPr lang="en-US" altLang="zh-CN" dirty="0"/>
-          </a:p>
-        </p:txBody>
-      </p:sp>
-    </p:spTree>
-    <p:extLst>
-      <p:ext uri="{BB962C8B-B14F-4D97-AF65-F5344CB8AC3E}">
-        <p14:creationId xmlns:p14="http://schemas.microsoft.com/office/powerpoint/2010/main" val="642037657"/>
-      </p:ext>
-    </p:extLst>
-  </p:cSld>
-  <p:clrMapOvr>
-    <a:masterClrMapping/>
-  </p:clrMapOvr>
-  <p:timing>
-    <p:tnLst>
-      <p:par>
-        <p:cTn id="1" dur="indefinite" restart="never" nodeType="tmRoot">
-          <p:childTnLst>
-            <p:seq concurrent="1" nextAc="seek">
-              <p:cTn id="2" dur="indefinite" nodeType="mainSeq">
-                <p:childTnLst>
-                  <p:par>
-                    <p:cTn id="3" fill="hold">
-                      <p:stCondLst>
-                        <p:cond delay="indefinite"/>
-                      </p:stCondLst>
-                      <p:childTnLst>
-                        <p:par>
-                          <p:cTn id="4" fill="hold">
-                            <p:stCondLst>
-                              <p:cond delay="0"/>
-                            </p:stCondLst>
-                            <p:childTnLst>
-                              <p:par>
-                                <p:cTn id="5" presetID="42" presetClass="entr" presetSubtype="0" fill="hold" nodeType="clickEffect">
-                                  <p:stCondLst>
-                                    <p:cond delay="0"/>
-                                  </p:stCondLst>
-                                  <p:childTnLst>
-                                    <p:set>
-                                      <p:cBhvr>
-                                        <p:cTn id="6" dur="1" fill="hold">
-                                          <p:stCondLst>
-                                            <p:cond delay="0"/>
-                                          </p:stCondLst>
-                                        </p:cTn>
-                                        <p:tgtEl>
-                                          <p:spTgt spid="2">
-                                            <p:txEl>
-                                              <p:pRg st="4" end="4"/>
-                                            </p:txEl>
-                                          </p:spTgt>
-                                        </p:tgtEl>
-                                        <p:attrNameLst>
-                                          <p:attrName>style.visibility</p:attrName>
-                                        </p:attrNameLst>
-                                      </p:cBhvr>
-                                      <p:to>
-                                        <p:strVal val="visible"/>
-                                      </p:to>
-                                    </p:set>
-                                    <p:animEffect transition="in" filter="fade">
-                                      <p:cBhvr>
-                                        <p:cTn id="7" dur="1000"/>
-                                        <p:tgtEl>
-                                          <p:spTgt spid="2">
-                                            <p:txEl>
-                                              <p:pRg st="4" end="4"/>
-                                            </p:txEl>
-                                          </p:spTgt>
-                                        </p:tgtEl>
-                                      </p:cBhvr>
-                                    </p:animEffect>
-                                    <p:anim calcmode="lin" valueType="num">
-                                      <p:cBhvr>
-                                        <p:cTn id="8" dur="1000" fill="hold"/>
-                                        <p:tgtEl>
-                                          <p:spTgt spid="2">
-                                            <p:txEl>
-                                              <p:pRg st="4" end="4"/>
-                                            </p:txEl>
-                                          </p:spTgt>
-                                        </p:tgtEl>
-                                        <p:attrNameLst>
-                                          <p:attrName>ppt_x</p:attrName>
-                                        </p:attrNameLst>
-                                      </p:cBhvr>
-                                      <p:tavLst>
-                                        <p:tav tm="0">
-                                          <p:val>
-                                            <p:strVal val="#ppt_x"/>
-                                          </p:val>
-                                        </p:tav>
-                                        <p:tav tm="100000">
-                                          <p:val>
-                                            <p:strVal val="#ppt_x"/>
-                                          </p:val>
-                                        </p:tav>
-                                      </p:tavLst>
-                                    </p:anim>
-                                    <p:anim calcmode="lin" valueType="num">
-                                      <p:cBhvr>
-                                        <p:cTn id="9" dur="1000" fill="hold"/>
-                                        <p:tgtEl>
-                                          <p:spTgt spid="2">
-                                            <p:txEl>
-                                              <p:pRg st="4" end="4"/>
-                                            </p:txEl>
-                                          </p:spTgt>
-                                        </p:tgtEl>
-                                        <p:attrNameLst>
-                                          <p:attrName>ppt_y</p:attrName>
-                                        </p:attrNameLst>
-                                      </p:cBhvr>
-                                      <p:tavLst>
-                                        <p:tav tm="0">
-                                          <p:val>
-                                            <p:strVal val="#ppt_y+.1"/>
-                                          </p:val>
-                                        </p:tav>
-                                        <p:tav tm="100000">
-                                          <p:val>
-                                            <p:strVal val="#ppt_y"/>
-                                          </p:val>
-                                        </p:tav>
-                                      </p:tavLst>
-                                    </p:anim>
-                                  </p:childTnLst>
-                                </p:cTn>
-                              </p:par>
-                            </p:childTnLst>
-                          </p:cTn>
-                        </p:par>
-                      </p:childTnLst>
-                    </p:cTn>
-                  </p:par>
-                </p:childTnLst>
-              </p:cTn>
-              <p:prevCondLst>
-                <p:cond evt="onPrev" delay="0">
-                  <p:tgtEl>
-                    <p:sldTgt/>
-                  </p:tgtEl>
-                </p:cond>
-              </p:prevCondLst>
-              <p:nextCondLst>
-                <p:cond evt="onNext" delay="0">
-                  <p:tgtEl>
-                    <p:sldTgt/>
-                  </p:tgtEl>
-                </p:cond>
-              </p:nextCondLst>
-            </p:seq>
-          </p:childTnLst>
-        </p:cTn>
       </p:par>
     </p:tnLst>
   </p:timing>
@@ -15713,7 +16948,7 @@
   </a:extraClrSchemeLst>
   <a:extLst>
     <a:ext uri="{05A4C25C-085E-4340-85A3-A5531E510DB2}">
-      <thm15:themeFamily xmlns:thm15="http://schemas.microsoft.com/office/thememl/2012/main" name="Office Theme" id="{62F939B6-93AF-4DB8-9C6B-D6C7DFDC589F}" vid="{4A3C46E8-61CC-4603-A589-7422A47A8E4A}"/>
+      <thm15:themeFamily xmlns="" xmlns:thm15="http://schemas.microsoft.com/office/thememl/2012/main" name="Office Theme" id="{62F939B6-93AF-4DB8-9C6B-D6C7DFDC589F}" vid="{4A3C46E8-61CC-4603-A589-7422A47A8E4A}"/>
     </a:ext>
   </a:extLst>
 </a:theme>
@@ -16001,7 +17236,7 @@
   <a:extraClrSchemeLst/>
   <a:extLst>
     <a:ext uri="{05A4C25C-085E-4340-85A3-A5531E510DB2}">
-      <thm15:themeFamily xmlns:thm15="http://schemas.microsoft.com/office/thememl/2012/main" name="Office Theme" id="{62F939B6-93AF-4DB8-9C6B-D6C7DFDC589F}" vid="{4A3C46E8-61CC-4603-A589-7422A47A8E4A}"/>
+      <thm15:themeFamily xmlns="" xmlns:thm15="http://schemas.microsoft.com/office/thememl/2012/main" name="Office Theme" id="{62F939B6-93AF-4DB8-9C6B-D6C7DFDC589F}" vid="{4A3C46E8-61CC-4603-A589-7422A47A8E4A}"/>
     </a:ext>
   </a:extLst>
 </a:theme>
